--- a/PPT_IMAGE/blog.pptx
+++ b/PPT_IMAGE/blog.pptx
@@ -8,6 +8,7 @@
     <p:sldId id="256" r:id="rId2"/>
     <p:sldId id="259" r:id="rId3"/>
     <p:sldId id="260" r:id="rId4"/>
+    <p:sldId id="261" r:id="rId5"/>
   </p:sldIdLst>
   <p:sldSz cx="12192000" cy="6858000"/>
   <p:notesSz cx="6858000" cy="9144000"/>
@@ -245,7 +246,7 @@
           <a:p>
             <a:fld id="{C9088C61-D230-4CA2-9700-815054BE693D}" type="datetimeFigureOut">
               <a:rPr lang="ko-KR" altLang="en-US" smtClean="0"/>
-              <a:t>2018-07-28</a:t>
+              <a:t>2018-07-30</a:t>
             </a:fld>
             <a:endParaRPr lang="ko-KR" altLang="en-US"/>
           </a:p>
@@ -415,7 +416,7 @@
           <a:p>
             <a:fld id="{C9088C61-D230-4CA2-9700-815054BE693D}" type="datetimeFigureOut">
               <a:rPr lang="ko-KR" altLang="en-US" smtClean="0"/>
-              <a:t>2018-07-28</a:t>
+              <a:t>2018-07-30</a:t>
             </a:fld>
             <a:endParaRPr lang="ko-KR" altLang="en-US"/>
           </a:p>
@@ -595,7 +596,7 @@
           <a:p>
             <a:fld id="{C9088C61-D230-4CA2-9700-815054BE693D}" type="datetimeFigureOut">
               <a:rPr lang="ko-KR" altLang="en-US" smtClean="0"/>
-              <a:t>2018-07-28</a:t>
+              <a:t>2018-07-30</a:t>
             </a:fld>
             <a:endParaRPr lang="ko-KR" altLang="en-US"/>
           </a:p>
@@ -765,7 +766,7 @@
           <a:p>
             <a:fld id="{C9088C61-D230-4CA2-9700-815054BE693D}" type="datetimeFigureOut">
               <a:rPr lang="ko-KR" altLang="en-US" smtClean="0"/>
-              <a:t>2018-07-28</a:t>
+              <a:t>2018-07-30</a:t>
             </a:fld>
             <a:endParaRPr lang="ko-KR" altLang="en-US"/>
           </a:p>
@@ -1011,7 +1012,7 @@
           <a:p>
             <a:fld id="{C9088C61-D230-4CA2-9700-815054BE693D}" type="datetimeFigureOut">
               <a:rPr lang="ko-KR" altLang="en-US" smtClean="0"/>
-              <a:t>2018-07-28</a:t>
+              <a:t>2018-07-30</a:t>
             </a:fld>
             <a:endParaRPr lang="ko-KR" altLang="en-US"/>
           </a:p>
@@ -1243,7 +1244,7 @@
           <a:p>
             <a:fld id="{C9088C61-D230-4CA2-9700-815054BE693D}" type="datetimeFigureOut">
               <a:rPr lang="ko-KR" altLang="en-US" smtClean="0"/>
-              <a:t>2018-07-28</a:t>
+              <a:t>2018-07-30</a:t>
             </a:fld>
             <a:endParaRPr lang="ko-KR" altLang="en-US"/>
           </a:p>
@@ -1610,7 +1611,7 @@
           <a:p>
             <a:fld id="{C9088C61-D230-4CA2-9700-815054BE693D}" type="datetimeFigureOut">
               <a:rPr lang="ko-KR" altLang="en-US" smtClean="0"/>
-              <a:t>2018-07-28</a:t>
+              <a:t>2018-07-30</a:t>
             </a:fld>
             <a:endParaRPr lang="ko-KR" altLang="en-US"/>
           </a:p>
@@ -1728,7 +1729,7 @@
           <a:p>
             <a:fld id="{C9088C61-D230-4CA2-9700-815054BE693D}" type="datetimeFigureOut">
               <a:rPr lang="ko-KR" altLang="en-US" smtClean="0"/>
-              <a:t>2018-07-28</a:t>
+              <a:t>2018-07-30</a:t>
             </a:fld>
             <a:endParaRPr lang="ko-KR" altLang="en-US"/>
           </a:p>
@@ -1823,7 +1824,7 @@
           <a:p>
             <a:fld id="{C9088C61-D230-4CA2-9700-815054BE693D}" type="datetimeFigureOut">
               <a:rPr lang="ko-KR" altLang="en-US" smtClean="0"/>
-              <a:t>2018-07-28</a:t>
+              <a:t>2018-07-30</a:t>
             </a:fld>
             <a:endParaRPr lang="ko-KR" altLang="en-US"/>
           </a:p>
@@ -2100,7 +2101,7 @@
           <a:p>
             <a:fld id="{C9088C61-D230-4CA2-9700-815054BE693D}" type="datetimeFigureOut">
               <a:rPr lang="ko-KR" altLang="en-US" smtClean="0"/>
-              <a:t>2018-07-28</a:t>
+              <a:t>2018-07-30</a:t>
             </a:fld>
             <a:endParaRPr lang="ko-KR" altLang="en-US"/>
           </a:p>
@@ -2353,7 +2354,7 @@
           <a:p>
             <a:fld id="{C9088C61-D230-4CA2-9700-815054BE693D}" type="datetimeFigureOut">
               <a:rPr lang="ko-KR" altLang="en-US" smtClean="0"/>
-              <a:t>2018-07-28</a:t>
+              <a:t>2018-07-30</a:t>
             </a:fld>
             <a:endParaRPr lang="ko-KR" altLang="en-US"/>
           </a:p>
@@ -2566,7 +2567,7 @@
           <a:p>
             <a:fld id="{C9088C61-D230-4CA2-9700-815054BE693D}" type="datetimeFigureOut">
               <a:rPr lang="ko-KR" altLang="en-US" smtClean="0"/>
-              <a:t>2018-07-28</a:t>
+              <a:t>2018-07-30</a:t>
             </a:fld>
             <a:endParaRPr lang="ko-KR" altLang="en-US"/>
           </a:p>
@@ -3325,6 +3326,121 @@
 </p:sld>
 </file>
 
+<file path=ppt/slides/slide4.xml><?xml version="1.0" encoding="utf-8"?>
+<p:sld xmlns:a="http://schemas.openxmlformats.org/drawingml/2006/main" xmlns:r="http://schemas.openxmlformats.org/officeDocument/2006/relationships" xmlns:p="http://schemas.openxmlformats.org/presentationml/2006/main">
+  <p:cSld>
+    <p:bg>
+      <p:bgPr>
+        <a:solidFill>
+          <a:schemeClr val="tx1">
+            <a:lumMod val="75000"/>
+            <a:lumOff val="25000"/>
+          </a:schemeClr>
+        </a:solidFill>
+        <a:effectLst/>
+      </p:bgPr>
+    </p:bg>
+    <p:spTree>
+      <p:nvGrpSpPr>
+        <p:cNvPr id="1" name=""/>
+        <p:cNvGrpSpPr/>
+        <p:nvPr/>
+      </p:nvGrpSpPr>
+      <p:grpSpPr>
+        <a:xfrm>
+          <a:off x="0" y="0"/>
+          <a:ext cx="0" cy="0"/>
+          <a:chOff x="0" y="0"/>
+          <a:chExt cx="0" cy="0"/>
+        </a:xfrm>
+      </p:grpSpPr>
+      <p:sp>
+        <p:nvSpPr>
+          <p:cNvPr id="2" name="제목 1"/>
+          <p:cNvSpPr>
+            <a:spLocks noGrp="1"/>
+          </p:cNvSpPr>
+          <p:nvPr>
+            <p:ph type="ctrTitle"/>
+          </p:nvPr>
+        </p:nvSpPr>
+        <p:spPr>
+          <a:xfrm>
+            <a:off x="1524000" y="1122362"/>
+            <a:ext cx="9144000" cy="3626919"/>
+          </a:xfrm>
+        </p:spPr>
+        <p:txBody>
+          <a:bodyPr>
+            <a:normAutofit/>
+          </a:bodyPr>
+          <a:lstStyle/>
+          <a:p>
+            <a:r>
+              <a:rPr lang="en-US" altLang="ko-KR" sz="7200" dirty="0" smtClean="0">
+                <a:solidFill>
+                  <a:schemeClr val="bg1"/>
+                </a:solidFill>
+                <a:latin typeface="Comic Sans MS" panose="030F0702030302020204" pitchFamily="66" charset="0"/>
+              </a:rPr>
+              <a:t>Data Type</a:t>
+            </a:r>
+            <a:br>
+              <a:rPr lang="en-US" altLang="ko-KR" sz="7200" dirty="0" smtClean="0">
+                <a:solidFill>
+                  <a:schemeClr val="bg1"/>
+                </a:solidFill>
+                <a:latin typeface="Comic Sans MS" panose="030F0702030302020204" pitchFamily="66" charset="0"/>
+              </a:rPr>
+            </a:br>
+            <a:r>
+              <a:rPr lang="en-US" altLang="ko-KR" sz="7200" dirty="0">
+                <a:solidFill>
+                  <a:schemeClr val="bg1"/>
+                </a:solidFill>
+                <a:latin typeface="Comic Sans MS" panose="030F0702030302020204" pitchFamily="66" charset="0"/>
+              </a:rPr>
+              <a:t/>
+            </a:r>
+            <a:br>
+              <a:rPr lang="en-US" altLang="ko-KR" sz="7200" dirty="0">
+                <a:solidFill>
+                  <a:schemeClr val="bg1"/>
+                </a:solidFill>
+                <a:latin typeface="Comic Sans MS" panose="030F0702030302020204" pitchFamily="66" charset="0"/>
+              </a:rPr>
+            </a:br>
+            <a:r>
+              <a:rPr lang="en-US" altLang="ko-KR" sz="7200" dirty="0" smtClean="0">
+                <a:solidFill>
+                  <a:schemeClr val="bg1"/>
+                </a:solidFill>
+                <a:latin typeface="Comic Sans MS" panose="030F0702030302020204" pitchFamily="66" charset="0"/>
+              </a:rPr>
+              <a:t>String</a:t>
+            </a:r>
+            <a:endParaRPr lang="ko-KR" altLang="en-US" sz="7200" dirty="0">
+              <a:solidFill>
+                <a:schemeClr val="bg1"/>
+              </a:solidFill>
+              <a:latin typeface="Comic Sans MS" panose="030F0702030302020204" pitchFamily="66" charset="0"/>
+            </a:endParaRPr>
+          </a:p>
+        </p:txBody>
+      </p:sp>
+    </p:spTree>
+    <p:extLst>
+      <p:ext uri="{BB962C8B-B14F-4D97-AF65-F5344CB8AC3E}">
+        <p14:creationId xmlns:p14="http://schemas.microsoft.com/office/powerpoint/2010/main" val="2483180329"/>
+      </p:ext>
+    </p:extLst>
+  </p:cSld>
+  <p:clrMapOvr>
+    <a:masterClrMapping/>
+  </p:clrMapOvr>
+</p:sld>
+</file>
+
 <file path=ppt/theme/theme1.xml><?xml version="1.0" encoding="utf-8"?>
 <a:theme xmlns:a="http://schemas.openxmlformats.org/drawingml/2006/main" name="Office 테마">
   <a:themeElements>

--- a/PPT_IMAGE/blog.pptx
+++ b/PPT_IMAGE/blog.pptx
@@ -9,6 +9,8 @@
     <p:sldId id="259" r:id="rId3"/>
     <p:sldId id="260" r:id="rId4"/>
     <p:sldId id="261" r:id="rId5"/>
+    <p:sldId id="262" r:id="rId6"/>
+    <p:sldId id="263" r:id="rId7"/>
   </p:sldIdLst>
   <p:sldSz cx="12192000" cy="6858000"/>
   <p:notesSz cx="6858000" cy="9144000"/>
@@ -246,7 +248,7 @@
           <a:p>
             <a:fld id="{C9088C61-D230-4CA2-9700-815054BE693D}" type="datetimeFigureOut">
               <a:rPr lang="ko-KR" altLang="en-US" smtClean="0"/>
-              <a:t>2018-07-30</a:t>
+              <a:t>2018-08-18</a:t>
             </a:fld>
             <a:endParaRPr lang="ko-KR" altLang="en-US"/>
           </a:p>
@@ -416,7 +418,7 @@
           <a:p>
             <a:fld id="{C9088C61-D230-4CA2-9700-815054BE693D}" type="datetimeFigureOut">
               <a:rPr lang="ko-KR" altLang="en-US" smtClean="0"/>
-              <a:t>2018-07-30</a:t>
+              <a:t>2018-08-18</a:t>
             </a:fld>
             <a:endParaRPr lang="ko-KR" altLang="en-US"/>
           </a:p>
@@ -596,7 +598,7 @@
           <a:p>
             <a:fld id="{C9088C61-D230-4CA2-9700-815054BE693D}" type="datetimeFigureOut">
               <a:rPr lang="ko-KR" altLang="en-US" smtClean="0"/>
-              <a:t>2018-07-30</a:t>
+              <a:t>2018-08-18</a:t>
             </a:fld>
             <a:endParaRPr lang="ko-KR" altLang="en-US"/>
           </a:p>
@@ -766,7 +768,7 @@
           <a:p>
             <a:fld id="{C9088C61-D230-4CA2-9700-815054BE693D}" type="datetimeFigureOut">
               <a:rPr lang="ko-KR" altLang="en-US" smtClean="0"/>
-              <a:t>2018-07-30</a:t>
+              <a:t>2018-08-18</a:t>
             </a:fld>
             <a:endParaRPr lang="ko-KR" altLang="en-US"/>
           </a:p>
@@ -1012,7 +1014,7 @@
           <a:p>
             <a:fld id="{C9088C61-D230-4CA2-9700-815054BE693D}" type="datetimeFigureOut">
               <a:rPr lang="ko-KR" altLang="en-US" smtClean="0"/>
-              <a:t>2018-07-30</a:t>
+              <a:t>2018-08-18</a:t>
             </a:fld>
             <a:endParaRPr lang="ko-KR" altLang="en-US"/>
           </a:p>
@@ -1244,7 +1246,7 @@
           <a:p>
             <a:fld id="{C9088C61-D230-4CA2-9700-815054BE693D}" type="datetimeFigureOut">
               <a:rPr lang="ko-KR" altLang="en-US" smtClean="0"/>
-              <a:t>2018-07-30</a:t>
+              <a:t>2018-08-18</a:t>
             </a:fld>
             <a:endParaRPr lang="ko-KR" altLang="en-US"/>
           </a:p>
@@ -1611,7 +1613,7 @@
           <a:p>
             <a:fld id="{C9088C61-D230-4CA2-9700-815054BE693D}" type="datetimeFigureOut">
               <a:rPr lang="ko-KR" altLang="en-US" smtClean="0"/>
-              <a:t>2018-07-30</a:t>
+              <a:t>2018-08-18</a:t>
             </a:fld>
             <a:endParaRPr lang="ko-KR" altLang="en-US"/>
           </a:p>
@@ -1729,7 +1731,7 @@
           <a:p>
             <a:fld id="{C9088C61-D230-4CA2-9700-815054BE693D}" type="datetimeFigureOut">
               <a:rPr lang="ko-KR" altLang="en-US" smtClean="0"/>
-              <a:t>2018-07-30</a:t>
+              <a:t>2018-08-18</a:t>
             </a:fld>
             <a:endParaRPr lang="ko-KR" altLang="en-US"/>
           </a:p>
@@ -1824,7 +1826,7 @@
           <a:p>
             <a:fld id="{C9088C61-D230-4CA2-9700-815054BE693D}" type="datetimeFigureOut">
               <a:rPr lang="ko-KR" altLang="en-US" smtClean="0"/>
-              <a:t>2018-07-30</a:t>
+              <a:t>2018-08-18</a:t>
             </a:fld>
             <a:endParaRPr lang="ko-KR" altLang="en-US"/>
           </a:p>
@@ -2101,7 +2103,7 @@
           <a:p>
             <a:fld id="{C9088C61-D230-4CA2-9700-815054BE693D}" type="datetimeFigureOut">
               <a:rPr lang="ko-KR" altLang="en-US" smtClean="0"/>
-              <a:t>2018-07-30</a:t>
+              <a:t>2018-08-18</a:t>
             </a:fld>
             <a:endParaRPr lang="ko-KR" altLang="en-US"/>
           </a:p>
@@ -2354,7 +2356,7 @@
           <a:p>
             <a:fld id="{C9088C61-D230-4CA2-9700-815054BE693D}" type="datetimeFigureOut">
               <a:rPr lang="ko-KR" altLang="en-US" smtClean="0"/>
-              <a:t>2018-07-30</a:t>
+              <a:t>2018-08-18</a:t>
             </a:fld>
             <a:endParaRPr lang="ko-KR" altLang="en-US"/>
           </a:p>
@@ -2567,7 +2569,7 @@
           <a:p>
             <a:fld id="{C9088C61-D230-4CA2-9700-815054BE693D}" type="datetimeFigureOut">
               <a:rPr lang="ko-KR" altLang="en-US" smtClean="0"/>
-              <a:t>2018-07-30</a:t>
+              <a:t>2018-08-18</a:t>
             </a:fld>
             <a:endParaRPr lang="ko-KR" altLang="en-US"/>
           </a:p>
@@ -3441,6 +3443,228 @@
 </p:sld>
 </file>
 
+<file path=ppt/slides/slide5.xml><?xml version="1.0" encoding="utf-8"?>
+<p:sld xmlns:a="http://schemas.openxmlformats.org/drawingml/2006/main" xmlns:r="http://schemas.openxmlformats.org/officeDocument/2006/relationships" xmlns:p="http://schemas.openxmlformats.org/presentationml/2006/main">
+  <p:cSld>
+    <p:bg>
+      <p:bgPr>
+        <a:solidFill>
+          <a:schemeClr val="tx1">
+            <a:lumMod val="75000"/>
+            <a:lumOff val="25000"/>
+          </a:schemeClr>
+        </a:solidFill>
+        <a:effectLst/>
+      </p:bgPr>
+    </p:bg>
+    <p:spTree>
+      <p:nvGrpSpPr>
+        <p:cNvPr id="1" name=""/>
+        <p:cNvGrpSpPr/>
+        <p:nvPr/>
+      </p:nvGrpSpPr>
+      <p:grpSpPr>
+        <a:xfrm>
+          <a:off x="0" y="0"/>
+          <a:ext cx="0" cy="0"/>
+          <a:chOff x="0" y="0"/>
+          <a:chExt cx="0" cy="0"/>
+        </a:xfrm>
+      </p:grpSpPr>
+      <p:sp>
+        <p:nvSpPr>
+          <p:cNvPr id="2" name="제목 1"/>
+          <p:cNvSpPr>
+            <a:spLocks noGrp="1"/>
+          </p:cNvSpPr>
+          <p:nvPr>
+            <p:ph type="ctrTitle"/>
+          </p:nvPr>
+        </p:nvSpPr>
+        <p:spPr>
+          <a:xfrm>
+            <a:off x="1524000" y="1122362"/>
+            <a:ext cx="9144000" cy="3626919"/>
+          </a:xfrm>
+        </p:spPr>
+        <p:txBody>
+          <a:bodyPr>
+            <a:normAutofit/>
+          </a:bodyPr>
+          <a:lstStyle/>
+          <a:p>
+            <a:r>
+              <a:rPr lang="en-US" altLang="ko-KR" sz="7200" dirty="0" smtClean="0">
+                <a:solidFill>
+                  <a:schemeClr val="bg1"/>
+                </a:solidFill>
+                <a:latin typeface="Comic Sans MS" panose="030F0702030302020204" pitchFamily="66" charset="0"/>
+              </a:rPr>
+              <a:t>Data Type</a:t>
+            </a:r>
+            <a:br>
+              <a:rPr lang="en-US" altLang="ko-KR" sz="7200" dirty="0" smtClean="0">
+                <a:solidFill>
+                  <a:schemeClr val="bg1"/>
+                </a:solidFill>
+                <a:latin typeface="Comic Sans MS" panose="030F0702030302020204" pitchFamily="66" charset="0"/>
+              </a:rPr>
+            </a:br>
+            <a:r>
+              <a:rPr lang="en-US" altLang="ko-KR" sz="7200" dirty="0">
+                <a:solidFill>
+                  <a:schemeClr val="bg1"/>
+                </a:solidFill>
+                <a:latin typeface="Comic Sans MS" panose="030F0702030302020204" pitchFamily="66" charset="0"/>
+              </a:rPr>
+              <a:t/>
+            </a:r>
+            <a:br>
+              <a:rPr lang="en-US" altLang="ko-KR" sz="7200" dirty="0">
+                <a:solidFill>
+                  <a:schemeClr val="bg1"/>
+                </a:solidFill>
+                <a:latin typeface="Comic Sans MS" panose="030F0702030302020204" pitchFamily="66" charset="0"/>
+              </a:rPr>
+            </a:br>
+            <a:r>
+              <a:rPr lang="en-US" altLang="ko-KR" sz="7200" dirty="0">
+                <a:solidFill>
+                  <a:schemeClr val="bg1"/>
+                </a:solidFill>
+                <a:latin typeface="Comic Sans MS" panose="030F0702030302020204" pitchFamily="66" charset="0"/>
+              </a:rPr>
+              <a:t>tuple</a:t>
+            </a:r>
+            <a:r>
+              <a:rPr lang="en-US" altLang="ko-KR" sz="7200">
+                <a:solidFill>
+                  <a:schemeClr val="bg1"/>
+                </a:solidFill>
+                <a:latin typeface="Comic Sans MS" panose="030F0702030302020204" pitchFamily="66" charset="0"/>
+              </a:rPr>
+              <a:t>, </a:t>
+            </a:r>
+            <a:r>
+              <a:rPr lang="en-US" altLang="ko-KR" sz="7200" smtClean="0">
+                <a:solidFill>
+                  <a:schemeClr val="bg1"/>
+                </a:solidFill>
+                <a:latin typeface="Comic Sans MS" panose="030F0702030302020204" pitchFamily="66" charset="0"/>
+              </a:rPr>
+              <a:t>dictionary</a:t>
+            </a:r>
+            <a:endParaRPr lang="ko-KR" altLang="en-US" sz="7200" dirty="0">
+              <a:solidFill>
+                <a:schemeClr val="bg1"/>
+              </a:solidFill>
+              <a:latin typeface="Comic Sans MS" panose="030F0702030302020204" pitchFamily="66" charset="0"/>
+            </a:endParaRPr>
+          </a:p>
+        </p:txBody>
+      </p:sp>
+    </p:spTree>
+    <p:extLst>
+      <p:ext uri="{BB962C8B-B14F-4D97-AF65-F5344CB8AC3E}">
+        <p14:creationId xmlns:p14="http://schemas.microsoft.com/office/powerpoint/2010/main" val="3578164611"/>
+      </p:ext>
+    </p:extLst>
+  </p:cSld>
+  <p:clrMapOvr>
+    <a:masterClrMapping/>
+  </p:clrMapOvr>
+</p:sld>
+</file>
+
+<file path=ppt/slides/slide6.xml><?xml version="1.0" encoding="utf-8"?>
+<p:sld xmlns:a="http://schemas.openxmlformats.org/drawingml/2006/main" xmlns:r="http://schemas.openxmlformats.org/officeDocument/2006/relationships" xmlns:p="http://schemas.openxmlformats.org/presentationml/2006/main">
+  <p:cSld>
+    <p:bg>
+      <p:bgPr>
+        <a:solidFill>
+          <a:schemeClr val="tx1">
+            <a:lumMod val="75000"/>
+            <a:lumOff val="25000"/>
+          </a:schemeClr>
+        </a:solidFill>
+        <a:effectLst/>
+      </p:bgPr>
+    </p:bg>
+    <p:spTree>
+      <p:nvGrpSpPr>
+        <p:cNvPr id="1" name=""/>
+        <p:cNvGrpSpPr/>
+        <p:nvPr/>
+      </p:nvGrpSpPr>
+      <p:grpSpPr>
+        <a:xfrm>
+          <a:off x="0" y="0"/>
+          <a:ext cx="0" cy="0"/>
+          <a:chOff x="0" y="0"/>
+          <a:chExt cx="0" cy="0"/>
+        </a:xfrm>
+      </p:grpSpPr>
+      <p:sp>
+        <p:nvSpPr>
+          <p:cNvPr id="2" name="제목 1"/>
+          <p:cNvSpPr>
+            <a:spLocks noGrp="1"/>
+          </p:cNvSpPr>
+          <p:nvPr>
+            <p:ph type="ctrTitle"/>
+          </p:nvPr>
+        </p:nvSpPr>
+        <p:spPr>
+          <a:xfrm>
+            <a:off x="1524000" y="1122362"/>
+            <a:ext cx="9144000" cy="3626919"/>
+          </a:xfrm>
+        </p:spPr>
+        <p:txBody>
+          <a:bodyPr>
+            <a:normAutofit/>
+          </a:bodyPr>
+          <a:lstStyle/>
+          <a:p>
+            <a:r>
+              <a:rPr lang="en-US" altLang="ko-KR" sz="7200" dirty="0" smtClean="0">
+                <a:solidFill>
+                  <a:schemeClr val="bg1"/>
+                </a:solidFill>
+                <a:latin typeface="Comic Sans MS" panose="030F0702030302020204" pitchFamily="66" charset="0"/>
+              </a:rPr>
+              <a:t>Operators</a:t>
+            </a:r>
+            <a:br>
+              <a:rPr lang="en-US" altLang="ko-KR" sz="7200" dirty="0" smtClean="0">
+                <a:solidFill>
+                  <a:schemeClr val="bg1"/>
+                </a:solidFill>
+                <a:latin typeface="Comic Sans MS" panose="030F0702030302020204" pitchFamily="66" charset="0"/>
+              </a:rPr>
+            </a:br>
+            <a:endParaRPr lang="ko-KR" altLang="en-US" sz="7200" dirty="0">
+              <a:solidFill>
+                <a:schemeClr val="bg1"/>
+              </a:solidFill>
+              <a:latin typeface="Comic Sans MS" panose="030F0702030302020204" pitchFamily="66" charset="0"/>
+            </a:endParaRPr>
+          </a:p>
+        </p:txBody>
+      </p:sp>
+    </p:spTree>
+    <p:extLst>
+      <p:ext uri="{BB962C8B-B14F-4D97-AF65-F5344CB8AC3E}">
+        <p14:creationId xmlns:p14="http://schemas.microsoft.com/office/powerpoint/2010/main" val="2627340400"/>
+      </p:ext>
+    </p:extLst>
+  </p:cSld>
+  <p:clrMapOvr>
+    <a:masterClrMapping/>
+  </p:clrMapOvr>
+</p:sld>
+</file>
+
 <file path=ppt/theme/theme1.xml><?xml version="1.0" encoding="utf-8"?>
 <a:theme xmlns:a="http://schemas.openxmlformats.org/drawingml/2006/main" name="Office 테마">
   <a:themeElements>

--- a/PPT_IMAGE/blog.pptx
+++ b/PPT_IMAGE/blog.pptx
@@ -11,6 +11,7 @@
     <p:sldId id="261" r:id="rId5"/>
     <p:sldId id="262" r:id="rId6"/>
     <p:sldId id="263" r:id="rId7"/>
+    <p:sldId id="264" r:id="rId8"/>
   </p:sldIdLst>
   <p:sldSz cx="12192000" cy="6858000"/>
   <p:notesSz cx="6858000" cy="9144000"/>
@@ -248,7 +249,7 @@
           <a:p>
             <a:fld id="{C9088C61-D230-4CA2-9700-815054BE693D}" type="datetimeFigureOut">
               <a:rPr lang="ko-KR" altLang="en-US" smtClean="0"/>
-              <a:t>2018-08-18</a:t>
+              <a:t>2018-08-21</a:t>
             </a:fld>
             <a:endParaRPr lang="ko-KR" altLang="en-US"/>
           </a:p>
@@ -418,7 +419,7 @@
           <a:p>
             <a:fld id="{C9088C61-D230-4CA2-9700-815054BE693D}" type="datetimeFigureOut">
               <a:rPr lang="ko-KR" altLang="en-US" smtClean="0"/>
-              <a:t>2018-08-18</a:t>
+              <a:t>2018-08-21</a:t>
             </a:fld>
             <a:endParaRPr lang="ko-KR" altLang="en-US"/>
           </a:p>
@@ -598,7 +599,7 @@
           <a:p>
             <a:fld id="{C9088C61-D230-4CA2-9700-815054BE693D}" type="datetimeFigureOut">
               <a:rPr lang="ko-KR" altLang="en-US" smtClean="0"/>
-              <a:t>2018-08-18</a:t>
+              <a:t>2018-08-21</a:t>
             </a:fld>
             <a:endParaRPr lang="ko-KR" altLang="en-US"/>
           </a:p>
@@ -768,7 +769,7 @@
           <a:p>
             <a:fld id="{C9088C61-D230-4CA2-9700-815054BE693D}" type="datetimeFigureOut">
               <a:rPr lang="ko-KR" altLang="en-US" smtClean="0"/>
-              <a:t>2018-08-18</a:t>
+              <a:t>2018-08-21</a:t>
             </a:fld>
             <a:endParaRPr lang="ko-KR" altLang="en-US"/>
           </a:p>
@@ -1014,7 +1015,7 @@
           <a:p>
             <a:fld id="{C9088C61-D230-4CA2-9700-815054BE693D}" type="datetimeFigureOut">
               <a:rPr lang="ko-KR" altLang="en-US" smtClean="0"/>
-              <a:t>2018-08-18</a:t>
+              <a:t>2018-08-21</a:t>
             </a:fld>
             <a:endParaRPr lang="ko-KR" altLang="en-US"/>
           </a:p>
@@ -1246,7 +1247,7 @@
           <a:p>
             <a:fld id="{C9088C61-D230-4CA2-9700-815054BE693D}" type="datetimeFigureOut">
               <a:rPr lang="ko-KR" altLang="en-US" smtClean="0"/>
-              <a:t>2018-08-18</a:t>
+              <a:t>2018-08-21</a:t>
             </a:fld>
             <a:endParaRPr lang="ko-KR" altLang="en-US"/>
           </a:p>
@@ -1613,7 +1614,7 @@
           <a:p>
             <a:fld id="{C9088C61-D230-4CA2-9700-815054BE693D}" type="datetimeFigureOut">
               <a:rPr lang="ko-KR" altLang="en-US" smtClean="0"/>
-              <a:t>2018-08-18</a:t>
+              <a:t>2018-08-21</a:t>
             </a:fld>
             <a:endParaRPr lang="ko-KR" altLang="en-US"/>
           </a:p>
@@ -1731,7 +1732,7 @@
           <a:p>
             <a:fld id="{C9088C61-D230-4CA2-9700-815054BE693D}" type="datetimeFigureOut">
               <a:rPr lang="ko-KR" altLang="en-US" smtClean="0"/>
-              <a:t>2018-08-18</a:t>
+              <a:t>2018-08-21</a:t>
             </a:fld>
             <a:endParaRPr lang="ko-KR" altLang="en-US"/>
           </a:p>
@@ -1826,7 +1827,7 @@
           <a:p>
             <a:fld id="{C9088C61-D230-4CA2-9700-815054BE693D}" type="datetimeFigureOut">
               <a:rPr lang="ko-KR" altLang="en-US" smtClean="0"/>
-              <a:t>2018-08-18</a:t>
+              <a:t>2018-08-21</a:t>
             </a:fld>
             <a:endParaRPr lang="ko-KR" altLang="en-US"/>
           </a:p>
@@ -2103,7 +2104,7 @@
           <a:p>
             <a:fld id="{C9088C61-D230-4CA2-9700-815054BE693D}" type="datetimeFigureOut">
               <a:rPr lang="ko-KR" altLang="en-US" smtClean="0"/>
-              <a:t>2018-08-18</a:t>
+              <a:t>2018-08-21</a:t>
             </a:fld>
             <a:endParaRPr lang="ko-KR" altLang="en-US"/>
           </a:p>
@@ -2356,7 +2357,7 @@
           <a:p>
             <a:fld id="{C9088C61-D230-4CA2-9700-815054BE693D}" type="datetimeFigureOut">
               <a:rPr lang="ko-KR" altLang="en-US" smtClean="0"/>
-              <a:t>2018-08-18</a:t>
+              <a:t>2018-08-21</a:t>
             </a:fld>
             <a:endParaRPr lang="ko-KR" altLang="en-US"/>
           </a:p>
@@ -2569,7 +2570,7 @@
           <a:p>
             <a:fld id="{C9088C61-D230-4CA2-9700-815054BE693D}" type="datetimeFigureOut">
               <a:rPr lang="ko-KR" altLang="en-US" smtClean="0"/>
-              <a:t>2018-08-18</a:t>
+              <a:t>2018-08-21</a:t>
             </a:fld>
             <a:endParaRPr lang="ko-KR" altLang="en-US"/>
           </a:p>
@@ -3665,6 +3666,121 @@
 </p:sld>
 </file>
 
+<file path=ppt/slides/slide7.xml><?xml version="1.0" encoding="utf-8"?>
+<p:sld xmlns:a="http://schemas.openxmlformats.org/drawingml/2006/main" xmlns:r="http://schemas.openxmlformats.org/officeDocument/2006/relationships" xmlns:p="http://schemas.openxmlformats.org/presentationml/2006/main">
+  <p:cSld>
+    <p:bg>
+      <p:bgPr>
+        <a:solidFill>
+          <a:schemeClr val="tx1">
+            <a:lumMod val="75000"/>
+            <a:lumOff val="25000"/>
+          </a:schemeClr>
+        </a:solidFill>
+        <a:effectLst/>
+      </p:bgPr>
+    </p:bg>
+    <p:spTree>
+      <p:nvGrpSpPr>
+        <p:cNvPr id="1" name=""/>
+        <p:cNvGrpSpPr/>
+        <p:nvPr/>
+      </p:nvGrpSpPr>
+      <p:grpSpPr>
+        <a:xfrm>
+          <a:off x="0" y="0"/>
+          <a:ext cx="0" cy="0"/>
+          <a:chOff x="0" y="0"/>
+          <a:chExt cx="0" cy="0"/>
+        </a:xfrm>
+      </p:grpSpPr>
+      <p:sp>
+        <p:nvSpPr>
+          <p:cNvPr id="2" name="제목 1"/>
+          <p:cNvSpPr>
+            <a:spLocks noGrp="1"/>
+          </p:cNvSpPr>
+          <p:nvPr>
+            <p:ph type="ctrTitle"/>
+          </p:nvPr>
+        </p:nvSpPr>
+        <p:spPr>
+          <a:xfrm>
+            <a:off x="1524000" y="1122362"/>
+            <a:ext cx="9144000" cy="3626919"/>
+          </a:xfrm>
+        </p:spPr>
+        <p:txBody>
+          <a:bodyPr>
+            <a:normAutofit/>
+          </a:bodyPr>
+          <a:lstStyle/>
+          <a:p>
+            <a:r>
+              <a:rPr lang="en-US" altLang="ko-KR" sz="7200" dirty="0" smtClean="0">
+                <a:solidFill>
+                  <a:schemeClr val="bg1"/>
+                </a:solidFill>
+                <a:latin typeface="Comic Sans MS" panose="030F0702030302020204" pitchFamily="66" charset="0"/>
+              </a:rPr>
+              <a:t>Control statements</a:t>
+            </a:r>
+            <a:br>
+              <a:rPr lang="en-US" altLang="ko-KR" sz="7200" dirty="0" smtClean="0">
+                <a:solidFill>
+                  <a:schemeClr val="bg1"/>
+                </a:solidFill>
+                <a:latin typeface="Comic Sans MS" panose="030F0702030302020204" pitchFamily="66" charset="0"/>
+              </a:rPr>
+            </a:br>
+            <a:r>
+              <a:rPr lang="en-US" altLang="ko-KR" sz="7200" dirty="0" smtClean="0">
+                <a:solidFill>
+                  <a:schemeClr val="bg1"/>
+                </a:solidFill>
+                <a:latin typeface="Comic Sans MS" panose="030F0702030302020204" pitchFamily="66" charset="0"/>
+              </a:rPr>
+              <a:t/>
+            </a:r>
+            <a:br>
+              <a:rPr lang="en-US" altLang="ko-KR" sz="7200" dirty="0" smtClean="0">
+                <a:solidFill>
+                  <a:schemeClr val="bg1"/>
+                </a:solidFill>
+                <a:latin typeface="Comic Sans MS" panose="030F0702030302020204" pitchFamily="66" charset="0"/>
+              </a:rPr>
+            </a:br>
+            <a:r>
+              <a:rPr lang="en-US" altLang="ko-KR" sz="7200" dirty="0" smtClean="0">
+                <a:solidFill>
+                  <a:schemeClr val="bg1"/>
+                </a:solidFill>
+                <a:latin typeface="Comic Sans MS" panose="030F0702030302020204" pitchFamily="66" charset="0"/>
+              </a:rPr>
+              <a:t>if</a:t>
+            </a:r>
+            <a:endParaRPr lang="ko-KR" altLang="en-US" sz="7200" dirty="0">
+              <a:solidFill>
+                <a:schemeClr val="bg1"/>
+              </a:solidFill>
+              <a:latin typeface="Comic Sans MS" panose="030F0702030302020204" pitchFamily="66" charset="0"/>
+            </a:endParaRPr>
+          </a:p>
+        </p:txBody>
+      </p:sp>
+    </p:spTree>
+    <p:extLst>
+      <p:ext uri="{BB962C8B-B14F-4D97-AF65-F5344CB8AC3E}">
+        <p14:creationId xmlns:p14="http://schemas.microsoft.com/office/powerpoint/2010/main" val="1761429048"/>
+      </p:ext>
+    </p:extLst>
+  </p:cSld>
+  <p:clrMapOvr>
+    <a:masterClrMapping/>
+  </p:clrMapOvr>
+</p:sld>
+</file>
+
 <file path=ppt/theme/theme1.xml><?xml version="1.0" encoding="utf-8"?>
 <a:theme xmlns:a="http://schemas.openxmlformats.org/drawingml/2006/main" name="Office 테마">
   <a:themeElements>

--- a/PPT_IMAGE/blog.pptx
+++ b/PPT_IMAGE/blog.pptx
@@ -12,6 +12,7 @@
     <p:sldId id="262" r:id="rId6"/>
     <p:sldId id="263" r:id="rId7"/>
     <p:sldId id="264" r:id="rId8"/>
+    <p:sldId id="265" r:id="rId9"/>
   </p:sldIdLst>
   <p:sldSz cx="12192000" cy="6858000"/>
   <p:notesSz cx="6858000" cy="9144000"/>
@@ -249,7 +250,7 @@
           <a:p>
             <a:fld id="{C9088C61-D230-4CA2-9700-815054BE693D}" type="datetimeFigureOut">
               <a:rPr lang="ko-KR" altLang="en-US" smtClean="0"/>
-              <a:t>2018-08-21</a:t>
+              <a:t>2018-09-03</a:t>
             </a:fld>
             <a:endParaRPr lang="ko-KR" altLang="en-US"/>
           </a:p>
@@ -419,7 +420,7 @@
           <a:p>
             <a:fld id="{C9088C61-D230-4CA2-9700-815054BE693D}" type="datetimeFigureOut">
               <a:rPr lang="ko-KR" altLang="en-US" smtClean="0"/>
-              <a:t>2018-08-21</a:t>
+              <a:t>2018-09-03</a:t>
             </a:fld>
             <a:endParaRPr lang="ko-KR" altLang="en-US"/>
           </a:p>
@@ -599,7 +600,7 @@
           <a:p>
             <a:fld id="{C9088C61-D230-4CA2-9700-815054BE693D}" type="datetimeFigureOut">
               <a:rPr lang="ko-KR" altLang="en-US" smtClean="0"/>
-              <a:t>2018-08-21</a:t>
+              <a:t>2018-09-03</a:t>
             </a:fld>
             <a:endParaRPr lang="ko-KR" altLang="en-US"/>
           </a:p>
@@ -769,7 +770,7 @@
           <a:p>
             <a:fld id="{C9088C61-D230-4CA2-9700-815054BE693D}" type="datetimeFigureOut">
               <a:rPr lang="ko-KR" altLang="en-US" smtClean="0"/>
-              <a:t>2018-08-21</a:t>
+              <a:t>2018-09-03</a:t>
             </a:fld>
             <a:endParaRPr lang="ko-KR" altLang="en-US"/>
           </a:p>
@@ -1015,7 +1016,7 @@
           <a:p>
             <a:fld id="{C9088C61-D230-4CA2-9700-815054BE693D}" type="datetimeFigureOut">
               <a:rPr lang="ko-KR" altLang="en-US" smtClean="0"/>
-              <a:t>2018-08-21</a:t>
+              <a:t>2018-09-03</a:t>
             </a:fld>
             <a:endParaRPr lang="ko-KR" altLang="en-US"/>
           </a:p>
@@ -1247,7 +1248,7 @@
           <a:p>
             <a:fld id="{C9088C61-D230-4CA2-9700-815054BE693D}" type="datetimeFigureOut">
               <a:rPr lang="ko-KR" altLang="en-US" smtClean="0"/>
-              <a:t>2018-08-21</a:t>
+              <a:t>2018-09-03</a:t>
             </a:fld>
             <a:endParaRPr lang="ko-KR" altLang="en-US"/>
           </a:p>
@@ -1614,7 +1615,7 @@
           <a:p>
             <a:fld id="{C9088C61-D230-4CA2-9700-815054BE693D}" type="datetimeFigureOut">
               <a:rPr lang="ko-KR" altLang="en-US" smtClean="0"/>
-              <a:t>2018-08-21</a:t>
+              <a:t>2018-09-03</a:t>
             </a:fld>
             <a:endParaRPr lang="ko-KR" altLang="en-US"/>
           </a:p>
@@ -1732,7 +1733,7 @@
           <a:p>
             <a:fld id="{C9088C61-D230-4CA2-9700-815054BE693D}" type="datetimeFigureOut">
               <a:rPr lang="ko-KR" altLang="en-US" smtClean="0"/>
-              <a:t>2018-08-21</a:t>
+              <a:t>2018-09-03</a:t>
             </a:fld>
             <a:endParaRPr lang="ko-KR" altLang="en-US"/>
           </a:p>
@@ -1827,7 +1828,7 @@
           <a:p>
             <a:fld id="{C9088C61-D230-4CA2-9700-815054BE693D}" type="datetimeFigureOut">
               <a:rPr lang="ko-KR" altLang="en-US" smtClean="0"/>
-              <a:t>2018-08-21</a:t>
+              <a:t>2018-09-03</a:t>
             </a:fld>
             <a:endParaRPr lang="ko-KR" altLang="en-US"/>
           </a:p>
@@ -2104,7 +2105,7 @@
           <a:p>
             <a:fld id="{C9088C61-D230-4CA2-9700-815054BE693D}" type="datetimeFigureOut">
               <a:rPr lang="ko-KR" altLang="en-US" smtClean="0"/>
-              <a:t>2018-08-21</a:t>
+              <a:t>2018-09-03</a:t>
             </a:fld>
             <a:endParaRPr lang="ko-KR" altLang="en-US"/>
           </a:p>
@@ -2357,7 +2358,7 @@
           <a:p>
             <a:fld id="{C9088C61-D230-4CA2-9700-815054BE693D}" type="datetimeFigureOut">
               <a:rPr lang="ko-KR" altLang="en-US" smtClean="0"/>
-              <a:t>2018-08-21</a:t>
+              <a:t>2018-09-03</a:t>
             </a:fld>
             <a:endParaRPr lang="ko-KR" altLang="en-US"/>
           </a:p>
@@ -2570,7 +2571,7 @@
           <a:p>
             <a:fld id="{C9088C61-D230-4CA2-9700-815054BE693D}" type="datetimeFigureOut">
               <a:rPr lang="ko-KR" altLang="en-US" smtClean="0"/>
-              <a:t>2018-08-21</a:t>
+              <a:t>2018-09-03</a:t>
             </a:fld>
             <a:endParaRPr lang="ko-KR" altLang="en-US"/>
           </a:p>
@@ -3781,6 +3782,121 @@
 </p:sld>
 </file>
 
+<file path=ppt/slides/slide8.xml><?xml version="1.0" encoding="utf-8"?>
+<p:sld xmlns:a="http://schemas.openxmlformats.org/drawingml/2006/main" xmlns:r="http://schemas.openxmlformats.org/officeDocument/2006/relationships" xmlns:p="http://schemas.openxmlformats.org/presentationml/2006/main">
+  <p:cSld>
+    <p:bg>
+      <p:bgPr>
+        <a:solidFill>
+          <a:schemeClr val="tx1">
+            <a:lumMod val="75000"/>
+            <a:lumOff val="25000"/>
+          </a:schemeClr>
+        </a:solidFill>
+        <a:effectLst/>
+      </p:bgPr>
+    </p:bg>
+    <p:spTree>
+      <p:nvGrpSpPr>
+        <p:cNvPr id="1" name=""/>
+        <p:cNvGrpSpPr/>
+        <p:nvPr/>
+      </p:nvGrpSpPr>
+      <p:grpSpPr>
+        <a:xfrm>
+          <a:off x="0" y="0"/>
+          <a:ext cx="0" cy="0"/>
+          <a:chOff x="0" y="0"/>
+          <a:chExt cx="0" cy="0"/>
+        </a:xfrm>
+      </p:grpSpPr>
+      <p:sp>
+        <p:nvSpPr>
+          <p:cNvPr id="2" name="제목 1"/>
+          <p:cNvSpPr>
+            <a:spLocks noGrp="1"/>
+          </p:cNvSpPr>
+          <p:nvPr>
+            <p:ph type="ctrTitle"/>
+          </p:nvPr>
+        </p:nvSpPr>
+        <p:spPr>
+          <a:xfrm>
+            <a:off x="1524000" y="1122362"/>
+            <a:ext cx="9144000" cy="3626919"/>
+          </a:xfrm>
+        </p:spPr>
+        <p:txBody>
+          <a:bodyPr>
+            <a:normAutofit/>
+          </a:bodyPr>
+          <a:lstStyle/>
+          <a:p>
+            <a:r>
+              <a:rPr lang="en-US" altLang="ko-KR" sz="7200" dirty="0" smtClean="0">
+                <a:solidFill>
+                  <a:schemeClr val="bg1"/>
+                </a:solidFill>
+                <a:latin typeface="Comic Sans MS" panose="030F0702030302020204" pitchFamily="66" charset="0"/>
+              </a:rPr>
+              <a:t>Loops</a:t>
+            </a:r>
+            <a:br>
+              <a:rPr lang="en-US" altLang="ko-KR" sz="7200" dirty="0" smtClean="0">
+                <a:solidFill>
+                  <a:schemeClr val="bg1"/>
+                </a:solidFill>
+                <a:latin typeface="Comic Sans MS" panose="030F0702030302020204" pitchFamily="66" charset="0"/>
+              </a:rPr>
+            </a:br>
+            <a:r>
+              <a:rPr lang="en-US" altLang="ko-KR" sz="7200" dirty="0">
+                <a:solidFill>
+                  <a:schemeClr val="bg1"/>
+                </a:solidFill>
+                <a:latin typeface="Comic Sans MS" panose="030F0702030302020204" pitchFamily="66" charset="0"/>
+              </a:rPr>
+              <a:t/>
+            </a:r>
+            <a:br>
+              <a:rPr lang="en-US" altLang="ko-KR" sz="7200" dirty="0">
+                <a:solidFill>
+                  <a:schemeClr val="bg1"/>
+                </a:solidFill>
+                <a:latin typeface="Comic Sans MS" panose="030F0702030302020204" pitchFamily="66" charset="0"/>
+              </a:rPr>
+            </a:br>
+            <a:r>
+              <a:rPr lang="en-US" altLang="ko-KR" sz="7200" dirty="0" smtClean="0">
+                <a:solidFill>
+                  <a:schemeClr val="bg1"/>
+                </a:solidFill>
+                <a:latin typeface="Comic Sans MS" panose="030F0702030302020204" pitchFamily="66" charset="0"/>
+              </a:rPr>
+              <a:t>for</a:t>
+            </a:r>
+            <a:endParaRPr lang="ko-KR" altLang="en-US" sz="7200" dirty="0">
+              <a:solidFill>
+                <a:schemeClr val="bg1"/>
+              </a:solidFill>
+              <a:latin typeface="Comic Sans MS" panose="030F0702030302020204" pitchFamily="66" charset="0"/>
+            </a:endParaRPr>
+          </a:p>
+        </p:txBody>
+      </p:sp>
+    </p:spTree>
+    <p:extLst>
+      <p:ext uri="{BB962C8B-B14F-4D97-AF65-F5344CB8AC3E}">
+        <p14:creationId xmlns:p14="http://schemas.microsoft.com/office/powerpoint/2010/main" val="4238519433"/>
+      </p:ext>
+    </p:extLst>
+  </p:cSld>
+  <p:clrMapOvr>
+    <a:masterClrMapping/>
+  </p:clrMapOvr>
+</p:sld>
+</file>
+
 <file path=ppt/theme/theme1.xml><?xml version="1.0" encoding="utf-8"?>
 <a:theme xmlns:a="http://schemas.openxmlformats.org/drawingml/2006/main" name="Office 테마">
   <a:themeElements>

--- a/PPT_IMAGE/blog.pptx
+++ b/PPT_IMAGE/blog.pptx
@@ -3,16 +3,18 @@
 <p:presentation xmlns:a="http://schemas.openxmlformats.org/drawingml/2006/main" xmlns:r="http://schemas.openxmlformats.org/officeDocument/2006/relationships" xmlns:p="http://schemas.openxmlformats.org/presentationml/2006/main" saveSubsetFonts="1">
   <p:sldMasterIdLst>
     <p:sldMasterId id="2147483648" r:id="rId1"/>
+    <p:sldMasterId id="2147483660" r:id="rId2"/>
   </p:sldMasterIdLst>
   <p:sldIdLst>
-    <p:sldId id="256" r:id="rId2"/>
-    <p:sldId id="259" r:id="rId3"/>
-    <p:sldId id="260" r:id="rId4"/>
-    <p:sldId id="261" r:id="rId5"/>
-    <p:sldId id="262" r:id="rId6"/>
-    <p:sldId id="263" r:id="rId7"/>
-    <p:sldId id="264" r:id="rId8"/>
-    <p:sldId id="265" r:id="rId9"/>
+    <p:sldId id="256" r:id="rId3"/>
+    <p:sldId id="259" r:id="rId4"/>
+    <p:sldId id="260" r:id="rId5"/>
+    <p:sldId id="261" r:id="rId6"/>
+    <p:sldId id="262" r:id="rId7"/>
+    <p:sldId id="263" r:id="rId8"/>
+    <p:sldId id="264" r:id="rId9"/>
+    <p:sldId id="265" r:id="rId10"/>
+    <p:sldId id="266" r:id="rId11"/>
   </p:sldIdLst>
   <p:sldSz cx="12192000" cy="6858000"/>
   <p:notesSz cx="6858000" cy="9144000"/>
@@ -113,7 +115,7 @@
   </p:defaultTextStyle>
   <p:extLst>
     <p:ext uri="{EFAFB233-063F-42B5-8137-9DF3F51BA10A}">
-      <p15:sldGuideLst xmlns:p15="http://schemas.microsoft.com/office/powerpoint/2012/main"/>
+      <p15:sldGuideLst xmlns:p15="http://schemas.microsoft.com/office/powerpoint/2012/main" xmlns=""/>
     </p:ext>
   </p:extLst>
 </p:presentation>
@@ -250,7 +252,7 @@
           <a:p>
             <a:fld id="{C9088C61-D230-4CA2-9700-815054BE693D}" type="datetimeFigureOut">
               <a:rPr lang="ko-KR" altLang="en-US" smtClean="0"/>
-              <a:t>2018-09-03</a:t>
+              <a:t>2018-09-10</a:t>
             </a:fld>
             <a:endParaRPr lang="ko-KR" altLang="en-US"/>
           </a:p>
@@ -420,7 +422,7 @@
           <a:p>
             <a:fld id="{C9088C61-D230-4CA2-9700-815054BE693D}" type="datetimeFigureOut">
               <a:rPr lang="ko-KR" altLang="en-US" smtClean="0"/>
-              <a:t>2018-09-03</a:t>
+              <a:t>2018-09-10</a:t>
             </a:fld>
             <a:endParaRPr lang="ko-KR" altLang="en-US"/>
           </a:p>
@@ -600,7 +602,7 @@
           <a:p>
             <a:fld id="{C9088C61-D230-4CA2-9700-815054BE693D}" type="datetimeFigureOut">
               <a:rPr lang="ko-KR" altLang="en-US" smtClean="0"/>
-              <a:t>2018-09-03</a:t>
+              <a:t>2018-09-10</a:t>
             </a:fld>
             <a:endParaRPr lang="ko-KR" altLang="en-US"/>
           </a:p>
@@ -652,6 +654,1959 @@
     <p:extLst>
       <p:ext uri="{BB962C8B-B14F-4D97-AF65-F5344CB8AC3E}">
         <p14:creationId xmlns:p14="http://schemas.microsoft.com/office/powerpoint/2010/main" val="688208031"/>
+      </p:ext>
+    </p:extLst>
+  </p:cSld>
+  <p:clrMapOvr>
+    <a:masterClrMapping/>
+  </p:clrMapOvr>
+</p:sldLayout>
+</file>
+
+<file path=ppt/slideLayouts/slideLayout12.xml><?xml version="1.0" encoding="utf-8"?>
+<p:sldLayout xmlns:a="http://schemas.openxmlformats.org/drawingml/2006/main" xmlns:r="http://schemas.openxmlformats.org/officeDocument/2006/relationships" xmlns:p="http://schemas.openxmlformats.org/presentationml/2006/main" type="title" preserve="1">
+  <p:cSld name="제목 슬라이드">
+    <p:spTree>
+      <p:nvGrpSpPr>
+        <p:cNvPr id="1" name=""/>
+        <p:cNvGrpSpPr/>
+        <p:nvPr/>
+      </p:nvGrpSpPr>
+      <p:grpSpPr>
+        <a:xfrm>
+          <a:off x="0" y="0"/>
+          <a:ext cx="0" cy="0"/>
+          <a:chOff x="0" y="0"/>
+          <a:chExt cx="0" cy="0"/>
+        </a:xfrm>
+      </p:grpSpPr>
+      <p:sp>
+        <p:nvSpPr>
+          <p:cNvPr id="2" name="제목 1"/>
+          <p:cNvSpPr>
+            <a:spLocks noGrp="1"/>
+          </p:cNvSpPr>
+          <p:nvPr>
+            <p:ph type="ctrTitle"/>
+          </p:nvPr>
+        </p:nvSpPr>
+        <p:spPr>
+          <a:xfrm>
+            <a:off x="1524000" y="1122363"/>
+            <a:ext cx="9144000" cy="2387600"/>
+          </a:xfrm>
+        </p:spPr>
+        <p:txBody>
+          <a:bodyPr anchor="b"/>
+          <a:lstStyle>
+            <a:lvl1pPr algn="ctr">
+              <a:defRPr sz="6000"/>
+            </a:lvl1pPr>
+          </a:lstStyle>
+          <a:p>
+            <a:r>
+              <a:rPr lang="ko-KR" altLang="en-US" smtClean="0"/>
+              <a:t>마스터 제목 스타일 편집</a:t>
+            </a:r>
+            <a:endParaRPr lang="ko-KR" altLang="en-US"/>
+          </a:p>
+        </p:txBody>
+      </p:sp>
+      <p:sp>
+        <p:nvSpPr>
+          <p:cNvPr id="3" name="부제목 2"/>
+          <p:cNvSpPr>
+            <a:spLocks noGrp="1"/>
+          </p:cNvSpPr>
+          <p:nvPr>
+            <p:ph type="subTitle" idx="1"/>
+          </p:nvPr>
+        </p:nvSpPr>
+        <p:spPr>
+          <a:xfrm>
+            <a:off x="1524000" y="3602038"/>
+            <a:ext cx="9144000" cy="1655762"/>
+          </a:xfrm>
+        </p:spPr>
+        <p:txBody>
+          <a:bodyPr/>
+          <a:lstStyle>
+            <a:lvl1pPr marL="0" indent="0" algn="ctr">
+              <a:buNone/>
+              <a:defRPr sz="2400"/>
+            </a:lvl1pPr>
+            <a:lvl2pPr marL="457200" indent="0" algn="ctr">
+              <a:buNone/>
+              <a:defRPr sz="2000"/>
+            </a:lvl2pPr>
+            <a:lvl3pPr marL="914400" indent="0" algn="ctr">
+              <a:buNone/>
+              <a:defRPr sz="1800"/>
+            </a:lvl3pPr>
+            <a:lvl4pPr marL="1371600" indent="0" algn="ctr">
+              <a:buNone/>
+              <a:defRPr sz="1600"/>
+            </a:lvl4pPr>
+            <a:lvl5pPr marL="1828800" indent="0" algn="ctr">
+              <a:buNone/>
+              <a:defRPr sz="1600"/>
+            </a:lvl5pPr>
+            <a:lvl6pPr marL="2286000" indent="0" algn="ctr">
+              <a:buNone/>
+              <a:defRPr sz="1600"/>
+            </a:lvl6pPr>
+            <a:lvl7pPr marL="2743200" indent="0" algn="ctr">
+              <a:buNone/>
+              <a:defRPr sz="1600"/>
+            </a:lvl7pPr>
+            <a:lvl8pPr marL="3200400" indent="0" algn="ctr">
+              <a:buNone/>
+              <a:defRPr sz="1600"/>
+            </a:lvl8pPr>
+            <a:lvl9pPr marL="3657600" indent="0" algn="ctr">
+              <a:buNone/>
+              <a:defRPr sz="1600"/>
+            </a:lvl9pPr>
+          </a:lstStyle>
+          <a:p>
+            <a:r>
+              <a:rPr lang="ko-KR" altLang="en-US" smtClean="0"/>
+              <a:t>클릭하여 마스터 부제목 스타일 편집</a:t>
+            </a:r>
+            <a:endParaRPr lang="ko-KR" altLang="en-US"/>
+          </a:p>
+        </p:txBody>
+      </p:sp>
+      <p:sp>
+        <p:nvSpPr>
+          <p:cNvPr id="4" name="날짜 개체 틀 3"/>
+          <p:cNvSpPr>
+            <a:spLocks noGrp="1"/>
+          </p:cNvSpPr>
+          <p:nvPr>
+            <p:ph type="dt" sz="half" idx="10"/>
+          </p:nvPr>
+        </p:nvSpPr>
+        <p:spPr/>
+        <p:txBody>
+          <a:bodyPr/>
+          <a:lstStyle/>
+          <a:p>
+            <a:fld id="{C9088C61-D230-4CA2-9700-815054BE693D}" type="datetimeFigureOut">
+              <a:rPr lang="ko-KR" altLang="en-US" smtClean="0">
+                <a:solidFill>
+                  <a:prstClr val="black">
+                    <a:tint val="75000"/>
+                  </a:prstClr>
+                </a:solidFill>
+              </a:rPr>
+              <a:pPr/>
+              <a:t>2018-09-10</a:t>
+            </a:fld>
+            <a:endParaRPr lang="ko-KR" altLang="en-US">
+              <a:solidFill>
+                <a:prstClr val="black">
+                  <a:tint val="75000"/>
+                </a:prstClr>
+              </a:solidFill>
+            </a:endParaRPr>
+          </a:p>
+        </p:txBody>
+      </p:sp>
+      <p:sp>
+        <p:nvSpPr>
+          <p:cNvPr id="5" name="바닥글 개체 틀 4"/>
+          <p:cNvSpPr>
+            <a:spLocks noGrp="1"/>
+          </p:cNvSpPr>
+          <p:nvPr>
+            <p:ph type="ftr" sz="quarter" idx="11"/>
+          </p:nvPr>
+        </p:nvSpPr>
+        <p:spPr/>
+        <p:txBody>
+          <a:bodyPr/>
+          <a:lstStyle/>
+          <a:p>
+            <a:endParaRPr lang="ko-KR" altLang="en-US">
+              <a:solidFill>
+                <a:prstClr val="black">
+                  <a:tint val="75000"/>
+                </a:prstClr>
+              </a:solidFill>
+            </a:endParaRPr>
+          </a:p>
+        </p:txBody>
+      </p:sp>
+      <p:sp>
+        <p:nvSpPr>
+          <p:cNvPr id="6" name="슬라이드 번호 개체 틀 5"/>
+          <p:cNvSpPr>
+            <a:spLocks noGrp="1"/>
+          </p:cNvSpPr>
+          <p:nvPr>
+            <p:ph type="sldNum" sz="quarter" idx="12"/>
+          </p:nvPr>
+        </p:nvSpPr>
+        <p:spPr/>
+        <p:txBody>
+          <a:bodyPr/>
+          <a:lstStyle/>
+          <a:p>
+            <a:fld id="{36727667-1D7C-46B7-924F-14C3387D69A2}" type="slidenum">
+              <a:rPr lang="ko-KR" altLang="en-US" smtClean="0">
+                <a:solidFill>
+                  <a:prstClr val="black">
+                    <a:tint val="75000"/>
+                  </a:prstClr>
+                </a:solidFill>
+              </a:rPr>
+              <a:pPr/>
+              <a:t>‹#›</a:t>
+            </a:fld>
+            <a:endParaRPr lang="ko-KR" altLang="en-US">
+              <a:solidFill>
+                <a:prstClr val="black">
+                  <a:tint val="75000"/>
+                </a:prstClr>
+              </a:solidFill>
+            </a:endParaRPr>
+          </a:p>
+        </p:txBody>
+      </p:sp>
+    </p:spTree>
+    <p:extLst>
+      <p:ext uri="{BB962C8B-B14F-4D97-AF65-F5344CB8AC3E}">
+        <p14:creationId xmlns:p14="http://schemas.microsoft.com/office/powerpoint/2010/main" val="4087021057"/>
+      </p:ext>
+    </p:extLst>
+  </p:cSld>
+  <p:clrMapOvr>
+    <a:masterClrMapping/>
+  </p:clrMapOvr>
+</p:sldLayout>
+</file>
+
+<file path=ppt/slideLayouts/slideLayout13.xml><?xml version="1.0" encoding="utf-8"?>
+<p:sldLayout xmlns:a="http://schemas.openxmlformats.org/drawingml/2006/main" xmlns:r="http://schemas.openxmlformats.org/officeDocument/2006/relationships" xmlns:p="http://schemas.openxmlformats.org/presentationml/2006/main" type="obj" preserve="1">
+  <p:cSld name="제목 및 내용">
+    <p:spTree>
+      <p:nvGrpSpPr>
+        <p:cNvPr id="1" name=""/>
+        <p:cNvGrpSpPr/>
+        <p:nvPr/>
+      </p:nvGrpSpPr>
+      <p:grpSpPr>
+        <a:xfrm>
+          <a:off x="0" y="0"/>
+          <a:ext cx="0" cy="0"/>
+          <a:chOff x="0" y="0"/>
+          <a:chExt cx="0" cy="0"/>
+        </a:xfrm>
+      </p:grpSpPr>
+      <p:sp>
+        <p:nvSpPr>
+          <p:cNvPr id="2" name="제목 1"/>
+          <p:cNvSpPr>
+            <a:spLocks noGrp="1"/>
+          </p:cNvSpPr>
+          <p:nvPr>
+            <p:ph type="title"/>
+          </p:nvPr>
+        </p:nvSpPr>
+        <p:spPr/>
+        <p:txBody>
+          <a:bodyPr/>
+          <a:lstStyle/>
+          <a:p>
+            <a:r>
+              <a:rPr lang="ko-KR" altLang="en-US" smtClean="0"/>
+              <a:t>마스터 제목 스타일 편집</a:t>
+            </a:r>
+            <a:endParaRPr lang="ko-KR" altLang="en-US"/>
+          </a:p>
+        </p:txBody>
+      </p:sp>
+      <p:sp>
+        <p:nvSpPr>
+          <p:cNvPr id="3" name="내용 개체 틀 2"/>
+          <p:cNvSpPr>
+            <a:spLocks noGrp="1"/>
+          </p:cNvSpPr>
+          <p:nvPr>
+            <p:ph idx="1"/>
+          </p:nvPr>
+        </p:nvSpPr>
+        <p:spPr/>
+        <p:txBody>
+          <a:bodyPr/>
+          <a:lstStyle/>
+          <a:p>
+            <a:pPr lvl="0"/>
+            <a:r>
+              <a:rPr lang="ko-KR" altLang="en-US" smtClean="0"/>
+              <a:t>마스터 텍스트 스타일 편집</a:t>
+            </a:r>
+          </a:p>
+          <a:p>
+            <a:pPr lvl="1"/>
+            <a:r>
+              <a:rPr lang="ko-KR" altLang="en-US" smtClean="0"/>
+              <a:t>둘째 수준</a:t>
+            </a:r>
+          </a:p>
+          <a:p>
+            <a:pPr lvl="2"/>
+            <a:r>
+              <a:rPr lang="ko-KR" altLang="en-US" smtClean="0"/>
+              <a:t>셋째 수준</a:t>
+            </a:r>
+          </a:p>
+          <a:p>
+            <a:pPr lvl="3"/>
+            <a:r>
+              <a:rPr lang="ko-KR" altLang="en-US" smtClean="0"/>
+              <a:t>넷째 수준</a:t>
+            </a:r>
+          </a:p>
+          <a:p>
+            <a:pPr lvl="4"/>
+            <a:r>
+              <a:rPr lang="ko-KR" altLang="en-US" smtClean="0"/>
+              <a:t>다섯째 수준</a:t>
+            </a:r>
+            <a:endParaRPr lang="ko-KR" altLang="en-US"/>
+          </a:p>
+        </p:txBody>
+      </p:sp>
+      <p:sp>
+        <p:nvSpPr>
+          <p:cNvPr id="4" name="날짜 개체 틀 3"/>
+          <p:cNvSpPr>
+            <a:spLocks noGrp="1"/>
+          </p:cNvSpPr>
+          <p:nvPr>
+            <p:ph type="dt" sz="half" idx="10"/>
+          </p:nvPr>
+        </p:nvSpPr>
+        <p:spPr/>
+        <p:txBody>
+          <a:bodyPr/>
+          <a:lstStyle/>
+          <a:p>
+            <a:fld id="{C9088C61-D230-4CA2-9700-815054BE693D}" type="datetimeFigureOut">
+              <a:rPr lang="ko-KR" altLang="en-US" smtClean="0">
+                <a:solidFill>
+                  <a:prstClr val="black">
+                    <a:tint val="75000"/>
+                  </a:prstClr>
+                </a:solidFill>
+              </a:rPr>
+              <a:pPr/>
+              <a:t>2018-09-10</a:t>
+            </a:fld>
+            <a:endParaRPr lang="ko-KR" altLang="en-US">
+              <a:solidFill>
+                <a:prstClr val="black">
+                  <a:tint val="75000"/>
+                </a:prstClr>
+              </a:solidFill>
+            </a:endParaRPr>
+          </a:p>
+        </p:txBody>
+      </p:sp>
+      <p:sp>
+        <p:nvSpPr>
+          <p:cNvPr id="5" name="바닥글 개체 틀 4"/>
+          <p:cNvSpPr>
+            <a:spLocks noGrp="1"/>
+          </p:cNvSpPr>
+          <p:nvPr>
+            <p:ph type="ftr" sz="quarter" idx="11"/>
+          </p:nvPr>
+        </p:nvSpPr>
+        <p:spPr/>
+        <p:txBody>
+          <a:bodyPr/>
+          <a:lstStyle/>
+          <a:p>
+            <a:endParaRPr lang="ko-KR" altLang="en-US">
+              <a:solidFill>
+                <a:prstClr val="black">
+                  <a:tint val="75000"/>
+                </a:prstClr>
+              </a:solidFill>
+            </a:endParaRPr>
+          </a:p>
+        </p:txBody>
+      </p:sp>
+      <p:sp>
+        <p:nvSpPr>
+          <p:cNvPr id="6" name="슬라이드 번호 개체 틀 5"/>
+          <p:cNvSpPr>
+            <a:spLocks noGrp="1"/>
+          </p:cNvSpPr>
+          <p:nvPr>
+            <p:ph type="sldNum" sz="quarter" idx="12"/>
+          </p:nvPr>
+        </p:nvSpPr>
+        <p:spPr/>
+        <p:txBody>
+          <a:bodyPr/>
+          <a:lstStyle/>
+          <a:p>
+            <a:fld id="{36727667-1D7C-46B7-924F-14C3387D69A2}" type="slidenum">
+              <a:rPr lang="ko-KR" altLang="en-US" smtClean="0">
+                <a:solidFill>
+                  <a:prstClr val="black">
+                    <a:tint val="75000"/>
+                  </a:prstClr>
+                </a:solidFill>
+              </a:rPr>
+              <a:pPr/>
+              <a:t>‹#›</a:t>
+            </a:fld>
+            <a:endParaRPr lang="ko-KR" altLang="en-US">
+              <a:solidFill>
+                <a:prstClr val="black">
+                  <a:tint val="75000"/>
+                </a:prstClr>
+              </a:solidFill>
+            </a:endParaRPr>
+          </a:p>
+        </p:txBody>
+      </p:sp>
+    </p:spTree>
+    <p:extLst>
+      <p:ext uri="{BB962C8B-B14F-4D97-AF65-F5344CB8AC3E}">
+        <p14:creationId xmlns:p14="http://schemas.microsoft.com/office/powerpoint/2010/main" val="780167260"/>
+      </p:ext>
+    </p:extLst>
+  </p:cSld>
+  <p:clrMapOvr>
+    <a:masterClrMapping/>
+  </p:clrMapOvr>
+</p:sldLayout>
+</file>
+
+<file path=ppt/slideLayouts/slideLayout14.xml><?xml version="1.0" encoding="utf-8"?>
+<p:sldLayout xmlns:a="http://schemas.openxmlformats.org/drawingml/2006/main" xmlns:r="http://schemas.openxmlformats.org/officeDocument/2006/relationships" xmlns:p="http://schemas.openxmlformats.org/presentationml/2006/main" type="secHead" preserve="1">
+  <p:cSld name="구역 머리글">
+    <p:spTree>
+      <p:nvGrpSpPr>
+        <p:cNvPr id="1" name=""/>
+        <p:cNvGrpSpPr/>
+        <p:nvPr/>
+      </p:nvGrpSpPr>
+      <p:grpSpPr>
+        <a:xfrm>
+          <a:off x="0" y="0"/>
+          <a:ext cx="0" cy="0"/>
+          <a:chOff x="0" y="0"/>
+          <a:chExt cx="0" cy="0"/>
+        </a:xfrm>
+      </p:grpSpPr>
+      <p:sp>
+        <p:nvSpPr>
+          <p:cNvPr id="2" name="제목 1"/>
+          <p:cNvSpPr>
+            <a:spLocks noGrp="1"/>
+          </p:cNvSpPr>
+          <p:nvPr>
+            <p:ph type="title"/>
+          </p:nvPr>
+        </p:nvSpPr>
+        <p:spPr>
+          <a:xfrm>
+            <a:off x="831850" y="1709738"/>
+            <a:ext cx="10515600" cy="2852737"/>
+          </a:xfrm>
+        </p:spPr>
+        <p:txBody>
+          <a:bodyPr anchor="b"/>
+          <a:lstStyle>
+            <a:lvl1pPr>
+              <a:defRPr sz="6000"/>
+            </a:lvl1pPr>
+          </a:lstStyle>
+          <a:p>
+            <a:r>
+              <a:rPr lang="ko-KR" altLang="en-US" smtClean="0"/>
+              <a:t>마스터 제목 스타일 편집</a:t>
+            </a:r>
+            <a:endParaRPr lang="ko-KR" altLang="en-US"/>
+          </a:p>
+        </p:txBody>
+      </p:sp>
+      <p:sp>
+        <p:nvSpPr>
+          <p:cNvPr id="3" name="텍스트 개체 틀 2"/>
+          <p:cNvSpPr>
+            <a:spLocks noGrp="1"/>
+          </p:cNvSpPr>
+          <p:nvPr>
+            <p:ph type="body" idx="1"/>
+          </p:nvPr>
+        </p:nvSpPr>
+        <p:spPr>
+          <a:xfrm>
+            <a:off x="831850" y="4589463"/>
+            <a:ext cx="10515600" cy="1500187"/>
+          </a:xfrm>
+        </p:spPr>
+        <p:txBody>
+          <a:bodyPr/>
+          <a:lstStyle>
+            <a:lvl1pPr marL="0" indent="0">
+              <a:buNone/>
+              <a:defRPr sz="2400">
+                <a:solidFill>
+                  <a:schemeClr val="tx1">
+                    <a:tint val="75000"/>
+                  </a:schemeClr>
+                </a:solidFill>
+              </a:defRPr>
+            </a:lvl1pPr>
+            <a:lvl2pPr marL="457200" indent="0">
+              <a:buNone/>
+              <a:defRPr sz="2000">
+                <a:solidFill>
+                  <a:schemeClr val="tx1">
+                    <a:tint val="75000"/>
+                  </a:schemeClr>
+                </a:solidFill>
+              </a:defRPr>
+            </a:lvl2pPr>
+            <a:lvl3pPr marL="914400" indent="0">
+              <a:buNone/>
+              <a:defRPr sz="1800">
+                <a:solidFill>
+                  <a:schemeClr val="tx1">
+                    <a:tint val="75000"/>
+                  </a:schemeClr>
+                </a:solidFill>
+              </a:defRPr>
+            </a:lvl3pPr>
+            <a:lvl4pPr marL="1371600" indent="0">
+              <a:buNone/>
+              <a:defRPr sz="1600">
+                <a:solidFill>
+                  <a:schemeClr val="tx1">
+                    <a:tint val="75000"/>
+                  </a:schemeClr>
+                </a:solidFill>
+              </a:defRPr>
+            </a:lvl4pPr>
+            <a:lvl5pPr marL="1828800" indent="0">
+              <a:buNone/>
+              <a:defRPr sz="1600">
+                <a:solidFill>
+                  <a:schemeClr val="tx1">
+                    <a:tint val="75000"/>
+                  </a:schemeClr>
+                </a:solidFill>
+              </a:defRPr>
+            </a:lvl5pPr>
+            <a:lvl6pPr marL="2286000" indent="0">
+              <a:buNone/>
+              <a:defRPr sz="1600">
+                <a:solidFill>
+                  <a:schemeClr val="tx1">
+                    <a:tint val="75000"/>
+                  </a:schemeClr>
+                </a:solidFill>
+              </a:defRPr>
+            </a:lvl6pPr>
+            <a:lvl7pPr marL="2743200" indent="0">
+              <a:buNone/>
+              <a:defRPr sz="1600">
+                <a:solidFill>
+                  <a:schemeClr val="tx1">
+                    <a:tint val="75000"/>
+                  </a:schemeClr>
+                </a:solidFill>
+              </a:defRPr>
+            </a:lvl7pPr>
+            <a:lvl8pPr marL="3200400" indent="0">
+              <a:buNone/>
+              <a:defRPr sz="1600">
+                <a:solidFill>
+                  <a:schemeClr val="tx1">
+                    <a:tint val="75000"/>
+                  </a:schemeClr>
+                </a:solidFill>
+              </a:defRPr>
+            </a:lvl8pPr>
+            <a:lvl9pPr marL="3657600" indent="0">
+              <a:buNone/>
+              <a:defRPr sz="1600">
+                <a:solidFill>
+                  <a:schemeClr val="tx1">
+                    <a:tint val="75000"/>
+                  </a:schemeClr>
+                </a:solidFill>
+              </a:defRPr>
+            </a:lvl9pPr>
+          </a:lstStyle>
+          <a:p>
+            <a:pPr lvl="0"/>
+            <a:r>
+              <a:rPr lang="ko-KR" altLang="en-US" smtClean="0"/>
+              <a:t>마스터 텍스트 스타일 편집</a:t>
+            </a:r>
+          </a:p>
+        </p:txBody>
+      </p:sp>
+      <p:sp>
+        <p:nvSpPr>
+          <p:cNvPr id="4" name="날짜 개체 틀 3"/>
+          <p:cNvSpPr>
+            <a:spLocks noGrp="1"/>
+          </p:cNvSpPr>
+          <p:nvPr>
+            <p:ph type="dt" sz="half" idx="10"/>
+          </p:nvPr>
+        </p:nvSpPr>
+        <p:spPr/>
+        <p:txBody>
+          <a:bodyPr/>
+          <a:lstStyle/>
+          <a:p>
+            <a:fld id="{C9088C61-D230-4CA2-9700-815054BE693D}" type="datetimeFigureOut">
+              <a:rPr lang="ko-KR" altLang="en-US" smtClean="0">
+                <a:solidFill>
+                  <a:prstClr val="black">
+                    <a:tint val="75000"/>
+                  </a:prstClr>
+                </a:solidFill>
+              </a:rPr>
+              <a:pPr/>
+              <a:t>2018-09-10</a:t>
+            </a:fld>
+            <a:endParaRPr lang="ko-KR" altLang="en-US">
+              <a:solidFill>
+                <a:prstClr val="black">
+                  <a:tint val="75000"/>
+                </a:prstClr>
+              </a:solidFill>
+            </a:endParaRPr>
+          </a:p>
+        </p:txBody>
+      </p:sp>
+      <p:sp>
+        <p:nvSpPr>
+          <p:cNvPr id="5" name="바닥글 개체 틀 4"/>
+          <p:cNvSpPr>
+            <a:spLocks noGrp="1"/>
+          </p:cNvSpPr>
+          <p:nvPr>
+            <p:ph type="ftr" sz="quarter" idx="11"/>
+          </p:nvPr>
+        </p:nvSpPr>
+        <p:spPr/>
+        <p:txBody>
+          <a:bodyPr/>
+          <a:lstStyle/>
+          <a:p>
+            <a:endParaRPr lang="ko-KR" altLang="en-US">
+              <a:solidFill>
+                <a:prstClr val="black">
+                  <a:tint val="75000"/>
+                </a:prstClr>
+              </a:solidFill>
+            </a:endParaRPr>
+          </a:p>
+        </p:txBody>
+      </p:sp>
+      <p:sp>
+        <p:nvSpPr>
+          <p:cNvPr id="6" name="슬라이드 번호 개체 틀 5"/>
+          <p:cNvSpPr>
+            <a:spLocks noGrp="1"/>
+          </p:cNvSpPr>
+          <p:nvPr>
+            <p:ph type="sldNum" sz="quarter" idx="12"/>
+          </p:nvPr>
+        </p:nvSpPr>
+        <p:spPr/>
+        <p:txBody>
+          <a:bodyPr/>
+          <a:lstStyle/>
+          <a:p>
+            <a:fld id="{36727667-1D7C-46B7-924F-14C3387D69A2}" type="slidenum">
+              <a:rPr lang="ko-KR" altLang="en-US" smtClean="0">
+                <a:solidFill>
+                  <a:prstClr val="black">
+                    <a:tint val="75000"/>
+                  </a:prstClr>
+                </a:solidFill>
+              </a:rPr>
+              <a:pPr/>
+              <a:t>‹#›</a:t>
+            </a:fld>
+            <a:endParaRPr lang="ko-KR" altLang="en-US">
+              <a:solidFill>
+                <a:prstClr val="black">
+                  <a:tint val="75000"/>
+                </a:prstClr>
+              </a:solidFill>
+            </a:endParaRPr>
+          </a:p>
+        </p:txBody>
+      </p:sp>
+    </p:spTree>
+    <p:extLst>
+      <p:ext uri="{BB962C8B-B14F-4D97-AF65-F5344CB8AC3E}">
+        <p14:creationId xmlns:p14="http://schemas.microsoft.com/office/powerpoint/2010/main" val="3958451670"/>
+      </p:ext>
+    </p:extLst>
+  </p:cSld>
+  <p:clrMapOvr>
+    <a:masterClrMapping/>
+  </p:clrMapOvr>
+</p:sldLayout>
+</file>
+
+<file path=ppt/slideLayouts/slideLayout15.xml><?xml version="1.0" encoding="utf-8"?>
+<p:sldLayout xmlns:a="http://schemas.openxmlformats.org/drawingml/2006/main" xmlns:r="http://schemas.openxmlformats.org/officeDocument/2006/relationships" xmlns:p="http://schemas.openxmlformats.org/presentationml/2006/main" type="twoObj" preserve="1">
+  <p:cSld name="콘텐츠 2개">
+    <p:spTree>
+      <p:nvGrpSpPr>
+        <p:cNvPr id="1" name=""/>
+        <p:cNvGrpSpPr/>
+        <p:nvPr/>
+      </p:nvGrpSpPr>
+      <p:grpSpPr>
+        <a:xfrm>
+          <a:off x="0" y="0"/>
+          <a:ext cx="0" cy="0"/>
+          <a:chOff x="0" y="0"/>
+          <a:chExt cx="0" cy="0"/>
+        </a:xfrm>
+      </p:grpSpPr>
+      <p:sp>
+        <p:nvSpPr>
+          <p:cNvPr id="2" name="제목 1"/>
+          <p:cNvSpPr>
+            <a:spLocks noGrp="1"/>
+          </p:cNvSpPr>
+          <p:nvPr>
+            <p:ph type="title"/>
+          </p:nvPr>
+        </p:nvSpPr>
+        <p:spPr/>
+        <p:txBody>
+          <a:bodyPr/>
+          <a:lstStyle/>
+          <a:p>
+            <a:r>
+              <a:rPr lang="ko-KR" altLang="en-US" smtClean="0"/>
+              <a:t>마스터 제목 스타일 편집</a:t>
+            </a:r>
+            <a:endParaRPr lang="ko-KR" altLang="en-US"/>
+          </a:p>
+        </p:txBody>
+      </p:sp>
+      <p:sp>
+        <p:nvSpPr>
+          <p:cNvPr id="3" name="내용 개체 틀 2"/>
+          <p:cNvSpPr>
+            <a:spLocks noGrp="1"/>
+          </p:cNvSpPr>
+          <p:nvPr>
+            <p:ph sz="half" idx="1"/>
+          </p:nvPr>
+        </p:nvSpPr>
+        <p:spPr>
+          <a:xfrm>
+            <a:off x="838200" y="1825625"/>
+            <a:ext cx="5181600" cy="4351338"/>
+          </a:xfrm>
+        </p:spPr>
+        <p:txBody>
+          <a:bodyPr/>
+          <a:lstStyle/>
+          <a:p>
+            <a:pPr lvl="0"/>
+            <a:r>
+              <a:rPr lang="ko-KR" altLang="en-US" smtClean="0"/>
+              <a:t>마스터 텍스트 스타일 편집</a:t>
+            </a:r>
+          </a:p>
+          <a:p>
+            <a:pPr lvl="1"/>
+            <a:r>
+              <a:rPr lang="ko-KR" altLang="en-US" smtClean="0"/>
+              <a:t>둘째 수준</a:t>
+            </a:r>
+          </a:p>
+          <a:p>
+            <a:pPr lvl="2"/>
+            <a:r>
+              <a:rPr lang="ko-KR" altLang="en-US" smtClean="0"/>
+              <a:t>셋째 수준</a:t>
+            </a:r>
+          </a:p>
+          <a:p>
+            <a:pPr lvl="3"/>
+            <a:r>
+              <a:rPr lang="ko-KR" altLang="en-US" smtClean="0"/>
+              <a:t>넷째 수준</a:t>
+            </a:r>
+          </a:p>
+          <a:p>
+            <a:pPr lvl="4"/>
+            <a:r>
+              <a:rPr lang="ko-KR" altLang="en-US" smtClean="0"/>
+              <a:t>다섯째 수준</a:t>
+            </a:r>
+            <a:endParaRPr lang="ko-KR" altLang="en-US"/>
+          </a:p>
+        </p:txBody>
+      </p:sp>
+      <p:sp>
+        <p:nvSpPr>
+          <p:cNvPr id="4" name="내용 개체 틀 3"/>
+          <p:cNvSpPr>
+            <a:spLocks noGrp="1"/>
+          </p:cNvSpPr>
+          <p:nvPr>
+            <p:ph sz="half" idx="2"/>
+          </p:nvPr>
+        </p:nvSpPr>
+        <p:spPr>
+          <a:xfrm>
+            <a:off x="6172200" y="1825625"/>
+            <a:ext cx="5181600" cy="4351338"/>
+          </a:xfrm>
+        </p:spPr>
+        <p:txBody>
+          <a:bodyPr/>
+          <a:lstStyle/>
+          <a:p>
+            <a:pPr lvl="0"/>
+            <a:r>
+              <a:rPr lang="ko-KR" altLang="en-US" smtClean="0"/>
+              <a:t>마스터 텍스트 스타일 편집</a:t>
+            </a:r>
+          </a:p>
+          <a:p>
+            <a:pPr lvl="1"/>
+            <a:r>
+              <a:rPr lang="ko-KR" altLang="en-US" smtClean="0"/>
+              <a:t>둘째 수준</a:t>
+            </a:r>
+          </a:p>
+          <a:p>
+            <a:pPr lvl="2"/>
+            <a:r>
+              <a:rPr lang="ko-KR" altLang="en-US" smtClean="0"/>
+              <a:t>셋째 수준</a:t>
+            </a:r>
+          </a:p>
+          <a:p>
+            <a:pPr lvl="3"/>
+            <a:r>
+              <a:rPr lang="ko-KR" altLang="en-US" smtClean="0"/>
+              <a:t>넷째 수준</a:t>
+            </a:r>
+          </a:p>
+          <a:p>
+            <a:pPr lvl="4"/>
+            <a:r>
+              <a:rPr lang="ko-KR" altLang="en-US" smtClean="0"/>
+              <a:t>다섯째 수준</a:t>
+            </a:r>
+            <a:endParaRPr lang="ko-KR" altLang="en-US"/>
+          </a:p>
+        </p:txBody>
+      </p:sp>
+      <p:sp>
+        <p:nvSpPr>
+          <p:cNvPr id="5" name="날짜 개체 틀 4"/>
+          <p:cNvSpPr>
+            <a:spLocks noGrp="1"/>
+          </p:cNvSpPr>
+          <p:nvPr>
+            <p:ph type="dt" sz="half" idx="10"/>
+          </p:nvPr>
+        </p:nvSpPr>
+        <p:spPr/>
+        <p:txBody>
+          <a:bodyPr/>
+          <a:lstStyle/>
+          <a:p>
+            <a:fld id="{C9088C61-D230-4CA2-9700-815054BE693D}" type="datetimeFigureOut">
+              <a:rPr lang="ko-KR" altLang="en-US" smtClean="0">
+                <a:solidFill>
+                  <a:prstClr val="black">
+                    <a:tint val="75000"/>
+                  </a:prstClr>
+                </a:solidFill>
+              </a:rPr>
+              <a:pPr/>
+              <a:t>2018-09-10</a:t>
+            </a:fld>
+            <a:endParaRPr lang="ko-KR" altLang="en-US">
+              <a:solidFill>
+                <a:prstClr val="black">
+                  <a:tint val="75000"/>
+                </a:prstClr>
+              </a:solidFill>
+            </a:endParaRPr>
+          </a:p>
+        </p:txBody>
+      </p:sp>
+      <p:sp>
+        <p:nvSpPr>
+          <p:cNvPr id="6" name="바닥글 개체 틀 5"/>
+          <p:cNvSpPr>
+            <a:spLocks noGrp="1"/>
+          </p:cNvSpPr>
+          <p:nvPr>
+            <p:ph type="ftr" sz="quarter" idx="11"/>
+          </p:nvPr>
+        </p:nvSpPr>
+        <p:spPr/>
+        <p:txBody>
+          <a:bodyPr/>
+          <a:lstStyle/>
+          <a:p>
+            <a:endParaRPr lang="ko-KR" altLang="en-US">
+              <a:solidFill>
+                <a:prstClr val="black">
+                  <a:tint val="75000"/>
+                </a:prstClr>
+              </a:solidFill>
+            </a:endParaRPr>
+          </a:p>
+        </p:txBody>
+      </p:sp>
+      <p:sp>
+        <p:nvSpPr>
+          <p:cNvPr id="7" name="슬라이드 번호 개체 틀 6"/>
+          <p:cNvSpPr>
+            <a:spLocks noGrp="1"/>
+          </p:cNvSpPr>
+          <p:nvPr>
+            <p:ph type="sldNum" sz="quarter" idx="12"/>
+          </p:nvPr>
+        </p:nvSpPr>
+        <p:spPr/>
+        <p:txBody>
+          <a:bodyPr/>
+          <a:lstStyle/>
+          <a:p>
+            <a:fld id="{36727667-1D7C-46B7-924F-14C3387D69A2}" type="slidenum">
+              <a:rPr lang="ko-KR" altLang="en-US" smtClean="0">
+                <a:solidFill>
+                  <a:prstClr val="black">
+                    <a:tint val="75000"/>
+                  </a:prstClr>
+                </a:solidFill>
+              </a:rPr>
+              <a:pPr/>
+              <a:t>‹#›</a:t>
+            </a:fld>
+            <a:endParaRPr lang="ko-KR" altLang="en-US">
+              <a:solidFill>
+                <a:prstClr val="black">
+                  <a:tint val="75000"/>
+                </a:prstClr>
+              </a:solidFill>
+            </a:endParaRPr>
+          </a:p>
+        </p:txBody>
+      </p:sp>
+    </p:spTree>
+    <p:extLst>
+      <p:ext uri="{BB962C8B-B14F-4D97-AF65-F5344CB8AC3E}">
+        <p14:creationId xmlns:p14="http://schemas.microsoft.com/office/powerpoint/2010/main" val="1630375044"/>
+      </p:ext>
+    </p:extLst>
+  </p:cSld>
+  <p:clrMapOvr>
+    <a:masterClrMapping/>
+  </p:clrMapOvr>
+</p:sldLayout>
+</file>
+
+<file path=ppt/slideLayouts/slideLayout16.xml><?xml version="1.0" encoding="utf-8"?>
+<p:sldLayout xmlns:a="http://schemas.openxmlformats.org/drawingml/2006/main" xmlns:r="http://schemas.openxmlformats.org/officeDocument/2006/relationships" xmlns:p="http://schemas.openxmlformats.org/presentationml/2006/main" type="twoTxTwoObj" preserve="1">
+  <p:cSld name="비교">
+    <p:spTree>
+      <p:nvGrpSpPr>
+        <p:cNvPr id="1" name=""/>
+        <p:cNvGrpSpPr/>
+        <p:nvPr/>
+      </p:nvGrpSpPr>
+      <p:grpSpPr>
+        <a:xfrm>
+          <a:off x="0" y="0"/>
+          <a:ext cx="0" cy="0"/>
+          <a:chOff x="0" y="0"/>
+          <a:chExt cx="0" cy="0"/>
+        </a:xfrm>
+      </p:grpSpPr>
+      <p:sp>
+        <p:nvSpPr>
+          <p:cNvPr id="2" name="제목 1"/>
+          <p:cNvSpPr>
+            <a:spLocks noGrp="1"/>
+          </p:cNvSpPr>
+          <p:nvPr>
+            <p:ph type="title"/>
+          </p:nvPr>
+        </p:nvSpPr>
+        <p:spPr>
+          <a:xfrm>
+            <a:off x="839788" y="365125"/>
+            <a:ext cx="10515600" cy="1325563"/>
+          </a:xfrm>
+        </p:spPr>
+        <p:txBody>
+          <a:bodyPr/>
+          <a:lstStyle/>
+          <a:p>
+            <a:r>
+              <a:rPr lang="ko-KR" altLang="en-US" smtClean="0"/>
+              <a:t>마스터 제목 스타일 편집</a:t>
+            </a:r>
+            <a:endParaRPr lang="ko-KR" altLang="en-US"/>
+          </a:p>
+        </p:txBody>
+      </p:sp>
+      <p:sp>
+        <p:nvSpPr>
+          <p:cNvPr id="3" name="텍스트 개체 틀 2"/>
+          <p:cNvSpPr>
+            <a:spLocks noGrp="1"/>
+          </p:cNvSpPr>
+          <p:nvPr>
+            <p:ph type="body" idx="1"/>
+          </p:nvPr>
+        </p:nvSpPr>
+        <p:spPr>
+          <a:xfrm>
+            <a:off x="839788" y="1681163"/>
+            <a:ext cx="5157787" cy="823912"/>
+          </a:xfrm>
+        </p:spPr>
+        <p:txBody>
+          <a:bodyPr anchor="b"/>
+          <a:lstStyle>
+            <a:lvl1pPr marL="0" indent="0">
+              <a:buNone/>
+              <a:defRPr sz="2400" b="1"/>
+            </a:lvl1pPr>
+            <a:lvl2pPr marL="457200" indent="0">
+              <a:buNone/>
+              <a:defRPr sz="2000" b="1"/>
+            </a:lvl2pPr>
+            <a:lvl3pPr marL="914400" indent="0">
+              <a:buNone/>
+              <a:defRPr sz="1800" b="1"/>
+            </a:lvl3pPr>
+            <a:lvl4pPr marL="1371600" indent="0">
+              <a:buNone/>
+              <a:defRPr sz="1600" b="1"/>
+            </a:lvl4pPr>
+            <a:lvl5pPr marL="1828800" indent="0">
+              <a:buNone/>
+              <a:defRPr sz="1600" b="1"/>
+            </a:lvl5pPr>
+            <a:lvl6pPr marL="2286000" indent="0">
+              <a:buNone/>
+              <a:defRPr sz="1600" b="1"/>
+            </a:lvl6pPr>
+            <a:lvl7pPr marL="2743200" indent="0">
+              <a:buNone/>
+              <a:defRPr sz="1600" b="1"/>
+            </a:lvl7pPr>
+            <a:lvl8pPr marL="3200400" indent="0">
+              <a:buNone/>
+              <a:defRPr sz="1600" b="1"/>
+            </a:lvl8pPr>
+            <a:lvl9pPr marL="3657600" indent="0">
+              <a:buNone/>
+              <a:defRPr sz="1600" b="1"/>
+            </a:lvl9pPr>
+          </a:lstStyle>
+          <a:p>
+            <a:pPr lvl="0"/>
+            <a:r>
+              <a:rPr lang="ko-KR" altLang="en-US" smtClean="0"/>
+              <a:t>마스터 텍스트 스타일 편집</a:t>
+            </a:r>
+          </a:p>
+        </p:txBody>
+      </p:sp>
+      <p:sp>
+        <p:nvSpPr>
+          <p:cNvPr id="4" name="내용 개체 틀 3"/>
+          <p:cNvSpPr>
+            <a:spLocks noGrp="1"/>
+          </p:cNvSpPr>
+          <p:nvPr>
+            <p:ph sz="half" idx="2"/>
+          </p:nvPr>
+        </p:nvSpPr>
+        <p:spPr>
+          <a:xfrm>
+            <a:off x="839788" y="2505075"/>
+            <a:ext cx="5157787" cy="3684588"/>
+          </a:xfrm>
+        </p:spPr>
+        <p:txBody>
+          <a:bodyPr/>
+          <a:lstStyle/>
+          <a:p>
+            <a:pPr lvl="0"/>
+            <a:r>
+              <a:rPr lang="ko-KR" altLang="en-US" smtClean="0"/>
+              <a:t>마스터 텍스트 스타일 편집</a:t>
+            </a:r>
+          </a:p>
+          <a:p>
+            <a:pPr lvl="1"/>
+            <a:r>
+              <a:rPr lang="ko-KR" altLang="en-US" smtClean="0"/>
+              <a:t>둘째 수준</a:t>
+            </a:r>
+          </a:p>
+          <a:p>
+            <a:pPr lvl="2"/>
+            <a:r>
+              <a:rPr lang="ko-KR" altLang="en-US" smtClean="0"/>
+              <a:t>셋째 수준</a:t>
+            </a:r>
+          </a:p>
+          <a:p>
+            <a:pPr lvl="3"/>
+            <a:r>
+              <a:rPr lang="ko-KR" altLang="en-US" smtClean="0"/>
+              <a:t>넷째 수준</a:t>
+            </a:r>
+          </a:p>
+          <a:p>
+            <a:pPr lvl="4"/>
+            <a:r>
+              <a:rPr lang="ko-KR" altLang="en-US" smtClean="0"/>
+              <a:t>다섯째 수준</a:t>
+            </a:r>
+            <a:endParaRPr lang="ko-KR" altLang="en-US"/>
+          </a:p>
+        </p:txBody>
+      </p:sp>
+      <p:sp>
+        <p:nvSpPr>
+          <p:cNvPr id="5" name="텍스트 개체 틀 4"/>
+          <p:cNvSpPr>
+            <a:spLocks noGrp="1"/>
+          </p:cNvSpPr>
+          <p:nvPr>
+            <p:ph type="body" sz="quarter" idx="3"/>
+          </p:nvPr>
+        </p:nvSpPr>
+        <p:spPr>
+          <a:xfrm>
+            <a:off x="6172200" y="1681163"/>
+            <a:ext cx="5183188" cy="823912"/>
+          </a:xfrm>
+        </p:spPr>
+        <p:txBody>
+          <a:bodyPr anchor="b"/>
+          <a:lstStyle>
+            <a:lvl1pPr marL="0" indent="0">
+              <a:buNone/>
+              <a:defRPr sz="2400" b="1"/>
+            </a:lvl1pPr>
+            <a:lvl2pPr marL="457200" indent="0">
+              <a:buNone/>
+              <a:defRPr sz="2000" b="1"/>
+            </a:lvl2pPr>
+            <a:lvl3pPr marL="914400" indent="0">
+              <a:buNone/>
+              <a:defRPr sz="1800" b="1"/>
+            </a:lvl3pPr>
+            <a:lvl4pPr marL="1371600" indent="0">
+              <a:buNone/>
+              <a:defRPr sz="1600" b="1"/>
+            </a:lvl4pPr>
+            <a:lvl5pPr marL="1828800" indent="0">
+              <a:buNone/>
+              <a:defRPr sz="1600" b="1"/>
+            </a:lvl5pPr>
+            <a:lvl6pPr marL="2286000" indent="0">
+              <a:buNone/>
+              <a:defRPr sz="1600" b="1"/>
+            </a:lvl6pPr>
+            <a:lvl7pPr marL="2743200" indent="0">
+              <a:buNone/>
+              <a:defRPr sz="1600" b="1"/>
+            </a:lvl7pPr>
+            <a:lvl8pPr marL="3200400" indent="0">
+              <a:buNone/>
+              <a:defRPr sz="1600" b="1"/>
+            </a:lvl8pPr>
+            <a:lvl9pPr marL="3657600" indent="0">
+              <a:buNone/>
+              <a:defRPr sz="1600" b="1"/>
+            </a:lvl9pPr>
+          </a:lstStyle>
+          <a:p>
+            <a:pPr lvl="0"/>
+            <a:r>
+              <a:rPr lang="ko-KR" altLang="en-US" smtClean="0"/>
+              <a:t>마스터 텍스트 스타일 편집</a:t>
+            </a:r>
+          </a:p>
+        </p:txBody>
+      </p:sp>
+      <p:sp>
+        <p:nvSpPr>
+          <p:cNvPr id="6" name="내용 개체 틀 5"/>
+          <p:cNvSpPr>
+            <a:spLocks noGrp="1"/>
+          </p:cNvSpPr>
+          <p:nvPr>
+            <p:ph sz="quarter" idx="4"/>
+          </p:nvPr>
+        </p:nvSpPr>
+        <p:spPr>
+          <a:xfrm>
+            <a:off x="6172200" y="2505075"/>
+            <a:ext cx="5183188" cy="3684588"/>
+          </a:xfrm>
+        </p:spPr>
+        <p:txBody>
+          <a:bodyPr/>
+          <a:lstStyle/>
+          <a:p>
+            <a:pPr lvl="0"/>
+            <a:r>
+              <a:rPr lang="ko-KR" altLang="en-US" smtClean="0"/>
+              <a:t>마스터 텍스트 스타일 편집</a:t>
+            </a:r>
+          </a:p>
+          <a:p>
+            <a:pPr lvl="1"/>
+            <a:r>
+              <a:rPr lang="ko-KR" altLang="en-US" smtClean="0"/>
+              <a:t>둘째 수준</a:t>
+            </a:r>
+          </a:p>
+          <a:p>
+            <a:pPr lvl="2"/>
+            <a:r>
+              <a:rPr lang="ko-KR" altLang="en-US" smtClean="0"/>
+              <a:t>셋째 수준</a:t>
+            </a:r>
+          </a:p>
+          <a:p>
+            <a:pPr lvl="3"/>
+            <a:r>
+              <a:rPr lang="ko-KR" altLang="en-US" smtClean="0"/>
+              <a:t>넷째 수준</a:t>
+            </a:r>
+          </a:p>
+          <a:p>
+            <a:pPr lvl="4"/>
+            <a:r>
+              <a:rPr lang="ko-KR" altLang="en-US" smtClean="0"/>
+              <a:t>다섯째 수준</a:t>
+            </a:r>
+            <a:endParaRPr lang="ko-KR" altLang="en-US"/>
+          </a:p>
+        </p:txBody>
+      </p:sp>
+      <p:sp>
+        <p:nvSpPr>
+          <p:cNvPr id="7" name="날짜 개체 틀 6"/>
+          <p:cNvSpPr>
+            <a:spLocks noGrp="1"/>
+          </p:cNvSpPr>
+          <p:nvPr>
+            <p:ph type="dt" sz="half" idx="10"/>
+          </p:nvPr>
+        </p:nvSpPr>
+        <p:spPr/>
+        <p:txBody>
+          <a:bodyPr/>
+          <a:lstStyle/>
+          <a:p>
+            <a:fld id="{C9088C61-D230-4CA2-9700-815054BE693D}" type="datetimeFigureOut">
+              <a:rPr lang="ko-KR" altLang="en-US" smtClean="0">
+                <a:solidFill>
+                  <a:prstClr val="black">
+                    <a:tint val="75000"/>
+                  </a:prstClr>
+                </a:solidFill>
+              </a:rPr>
+              <a:pPr/>
+              <a:t>2018-09-10</a:t>
+            </a:fld>
+            <a:endParaRPr lang="ko-KR" altLang="en-US">
+              <a:solidFill>
+                <a:prstClr val="black">
+                  <a:tint val="75000"/>
+                </a:prstClr>
+              </a:solidFill>
+            </a:endParaRPr>
+          </a:p>
+        </p:txBody>
+      </p:sp>
+      <p:sp>
+        <p:nvSpPr>
+          <p:cNvPr id="8" name="바닥글 개체 틀 7"/>
+          <p:cNvSpPr>
+            <a:spLocks noGrp="1"/>
+          </p:cNvSpPr>
+          <p:nvPr>
+            <p:ph type="ftr" sz="quarter" idx="11"/>
+          </p:nvPr>
+        </p:nvSpPr>
+        <p:spPr/>
+        <p:txBody>
+          <a:bodyPr/>
+          <a:lstStyle/>
+          <a:p>
+            <a:endParaRPr lang="ko-KR" altLang="en-US">
+              <a:solidFill>
+                <a:prstClr val="black">
+                  <a:tint val="75000"/>
+                </a:prstClr>
+              </a:solidFill>
+            </a:endParaRPr>
+          </a:p>
+        </p:txBody>
+      </p:sp>
+      <p:sp>
+        <p:nvSpPr>
+          <p:cNvPr id="9" name="슬라이드 번호 개체 틀 8"/>
+          <p:cNvSpPr>
+            <a:spLocks noGrp="1"/>
+          </p:cNvSpPr>
+          <p:nvPr>
+            <p:ph type="sldNum" sz="quarter" idx="12"/>
+          </p:nvPr>
+        </p:nvSpPr>
+        <p:spPr/>
+        <p:txBody>
+          <a:bodyPr/>
+          <a:lstStyle/>
+          <a:p>
+            <a:fld id="{36727667-1D7C-46B7-924F-14C3387D69A2}" type="slidenum">
+              <a:rPr lang="ko-KR" altLang="en-US" smtClean="0">
+                <a:solidFill>
+                  <a:prstClr val="black">
+                    <a:tint val="75000"/>
+                  </a:prstClr>
+                </a:solidFill>
+              </a:rPr>
+              <a:pPr/>
+              <a:t>‹#›</a:t>
+            </a:fld>
+            <a:endParaRPr lang="ko-KR" altLang="en-US">
+              <a:solidFill>
+                <a:prstClr val="black">
+                  <a:tint val="75000"/>
+                </a:prstClr>
+              </a:solidFill>
+            </a:endParaRPr>
+          </a:p>
+        </p:txBody>
+      </p:sp>
+    </p:spTree>
+    <p:extLst>
+      <p:ext uri="{BB962C8B-B14F-4D97-AF65-F5344CB8AC3E}">
+        <p14:creationId xmlns:p14="http://schemas.microsoft.com/office/powerpoint/2010/main" val="4106149930"/>
+      </p:ext>
+    </p:extLst>
+  </p:cSld>
+  <p:clrMapOvr>
+    <a:masterClrMapping/>
+  </p:clrMapOvr>
+</p:sldLayout>
+</file>
+
+<file path=ppt/slideLayouts/slideLayout17.xml><?xml version="1.0" encoding="utf-8"?>
+<p:sldLayout xmlns:a="http://schemas.openxmlformats.org/drawingml/2006/main" xmlns:r="http://schemas.openxmlformats.org/officeDocument/2006/relationships" xmlns:p="http://schemas.openxmlformats.org/presentationml/2006/main" type="titleOnly" preserve="1">
+  <p:cSld name="제목만">
+    <p:spTree>
+      <p:nvGrpSpPr>
+        <p:cNvPr id="1" name=""/>
+        <p:cNvGrpSpPr/>
+        <p:nvPr/>
+      </p:nvGrpSpPr>
+      <p:grpSpPr>
+        <a:xfrm>
+          <a:off x="0" y="0"/>
+          <a:ext cx="0" cy="0"/>
+          <a:chOff x="0" y="0"/>
+          <a:chExt cx="0" cy="0"/>
+        </a:xfrm>
+      </p:grpSpPr>
+      <p:sp>
+        <p:nvSpPr>
+          <p:cNvPr id="2" name="제목 1"/>
+          <p:cNvSpPr>
+            <a:spLocks noGrp="1"/>
+          </p:cNvSpPr>
+          <p:nvPr>
+            <p:ph type="title"/>
+          </p:nvPr>
+        </p:nvSpPr>
+        <p:spPr/>
+        <p:txBody>
+          <a:bodyPr/>
+          <a:lstStyle/>
+          <a:p>
+            <a:r>
+              <a:rPr lang="ko-KR" altLang="en-US" smtClean="0"/>
+              <a:t>마스터 제목 스타일 편집</a:t>
+            </a:r>
+            <a:endParaRPr lang="ko-KR" altLang="en-US"/>
+          </a:p>
+        </p:txBody>
+      </p:sp>
+      <p:sp>
+        <p:nvSpPr>
+          <p:cNvPr id="3" name="날짜 개체 틀 2"/>
+          <p:cNvSpPr>
+            <a:spLocks noGrp="1"/>
+          </p:cNvSpPr>
+          <p:nvPr>
+            <p:ph type="dt" sz="half" idx="10"/>
+          </p:nvPr>
+        </p:nvSpPr>
+        <p:spPr/>
+        <p:txBody>
+          <a:bodyPr/>
+          <a:lstStyle/>
+          <a:p>
+            <a:fld id="{C9088C61-D230-4CA2-9700-815054BE693D}" type="datetimeFigureOut">
+              <a:rPr lang="ko-KR" altLang="en-US" smtClean="0">
+                <a:solidFill>
+                  <a:prstClr val="black">
+                    <a:tint val="75000"/>
+                  </a:prstClr>
+                </a:solidFill>
+              </a:rPr>
+              <a:pPr/>
+              <a:t>2018-09-10</a:t>
+            </a:fld>
+            <a:endParaRPr lang="ko-KR" altLang="en-US">
+              <a:solidFill>
+                <a:prstClr val="black">
+                  <a:tint val="75000"/>
+                </a:prstClr>
+              </a:solidFill>
+            </a:endParaRPr>
+          </a:p>
+        </p:txBody>
+      </p:sp>
+      <p:sp>
+        <p:nvSpPr>
+          <p:cNvPr id="4" name="바닥글 개체 틀 3"/>
+          <p:cNvSpPr>
+            <a:spLocks noGrp="1"/>
+          </p:cNvSpPr>
+          <p:nvPr>
+            <p:ph type="ftr" sz="quarter" idx="11"/>
+          </p:nvPr>
+        </p:nvSpPr>
+        <p:spPr/>
+        <p:txBody>
+          <a:bodyPr/>
+          <a:lstStyle/>
+          <a:p>
+            <a:endParaRPr lang="ko-KR" altLang="en-US">
+              <a:solidFill>
+                <a:prstClr val="black">
+                  <a:tint val="75000"/>
+                </a:prstClr>
+              </a:solidFill>
+            </a:endParaRPr>
+          </a:p>
+        </p:txBody>
+      </p:sp>
+      <p:sp>
+        <p:nvSpPr>
+          <p:cNvPr id="5" name="슬라이드 번호 개체 틀 4"/>
+          <p:cNvSpPr>
+            <a:spLocks noGrp="1"/>
+          </p:cNvSpPr>
+          <p:nvPr>
+            <p:ph type="sldNum" sz="quarter" idx="12"/>
+          </p:nvPr>
+        </p:nvSpPr>
+        <p:spPr/>
+        <p:txBody>
+          <a:bodyPr/>
+          <a:lstStyle/>
+          <a:p>
+            <a:fld id="{36727667-1D7C-46B7-924F-14C3387D69A2}" type="slidenum">
+              <a:rPr lang="ko-KR" altLang="en-US" smtClean="0">
+                <a:solidFill>
+                  <a:prstClr val="black">
+                    <a:tint val="75000"/>
+                  </a:prstClr>
+                </a:solidFill>
+              </a:rPr>
+              <a:pPr/>
+              <a:t>‹#›</a:t>
+            </a:fld>
+            <a:endParaRPr lang="ko-KR" altLang="en-US">
+              <a:solidFill>
+                <a:prstClr val="black">
+                  <a:tint val="75000"/>
+                </a:prstClr>
+              </a:solidFill>
+            </a:endParaRPr>
+          </a:p>
+        </p:txBody>
+      </p:sp>
+    </p:spTree>
+    <p:extLst>
+      <p:ext uri="{BB962C8B-B14F-4D97-AF65-F5344CB8AC3E}">
+        <p14:creationId xmlns:p14="http://schemas.microsoft.com/office/powerpoint/2010/main" val="574176464"/>
+      </p:ext>
+    </p:extLst>
+  </p:cSld>
+  <p:clrMapOvr>
+    <a:masterClrMapping/>
+  </p:clrMapOvr>
+</p:sldLayout>
+</file>
+
+<file path=ppt/slideLayouts/slideLayout18.xml><?xml version="1.0" encoding="utf-8"?>
+<p:sldLayout xmlns:a="http://schemas.openxmlformats.org/drawingml/2006/main" xmlns:r="http://schemas.openxmlformats.org/officeDocument/2006/relationships" xmlns:p="http://schemas.openxmlformats.org/presentationml/2006/main" type="blank" preserve="1">
+  <p:cSld name="빈 화면">
+    <p:spTree>
+      <p:nvGrpSpPr>
+        <p:cNvPr id="1" name=""/>
+        <p:cNvGrpSpPr/>
+        <p:nvPr/>
+      </p:nvGrpSpPr>
+      <p:grpSpPr>
+        <a:xfrm>
+          <a:off x="0" y="0"/>
+          <a:ext cx="0" cy="0"/>
+          <a:chOff x="0" y="0"/>
+          <a:chExt cx="0" cy="0"/>
+        </a:xfrm>
+      </p:grpSpPr>
+      <p:sp>
+        <p:nvSpPr>
+          <p:cNvPr id="2" name="날짜 개체 틀 1"/>
+          <p:cNvSpPr>
+            <a:spLocks noGrp="1"/>
+          </p:cNvSpPr>
+          <p:nvPr>
+            <p:ph type="dt" sz="half" idx="10"/>
+          </p:nvPr>
+        </p:nvSpPr>
+        <p:spPr/>
+        <p:txBody>
+          <a:bodyPr/>
+          <a:lstStyle/>
+          <a:p>
+            <a:fld id="{C9088C61-D230-4CA2-9700-815054BE693D}" type="datetimeFigureOut">
+              <a:rPr lang="ko-KR" altLang="en-US" smtClean="0">
+                <a:solidFill>
+                  <a:prstClr val="black">
+                    <a:tint val="75000"/>
+                  </a:prstClr>
+                </a:solidFill>
+              </a:rPr>
+              <a:pPr/>
+              <a:t>2018-09-10</a:t>
+            </a:fld>
+            <a:endParaRPr lang="ko-KR" altLang="en-US">
+              <a:solidFill>
+                <a:prstClr val="black">
+                  <a:tint val="75000"/>
+                </a:prstClr>
+              </a:solidFill>
+            </a:endParaRPr>
+          </a:p>
+        </p:txBody>
+      </p:sp>
+      <p:sp>
+        <p:nvSpPr>
+          <p:cNvPr id="3" name="바닥글 개체 틀 2"/>
+          <p:cNvSpPr>
+            <a:spLocks noGrp="1"/>
+          </p:cNvSpPr>
+          <p:nvPr>
+            <p:ph type="ftr" sz="quarter" idx="11"/>
+          </p:nvPr>
+        </p:nvSpPr>
+        <p:spPr/>
+        <p:txBody>
+          <a:bodyPr/>
+          <a:lstStyle/>
+          <a:p>
+            <a:endParaRPr lang="ko-KR" altLang="en-US">
+              <a:solidFill>
+                <a:prstClr val="black">
+                  <a:tint val="75000"/>
+                </a:prstClr>
+              </a:solidFill>
+            </a:endParaRPr>
+          </a:p>
+        </p:txBody>
+      </p:sp>
+      <p:sp>
+        <p:nvSpPr>
+          <p:cNvPr id="4" name="슬라이드 번호 개체 틀 3"/>
+          <p:cNvSpPr>
+            <a:spLocks noGrp="1"/>
+          </p:cNvSpPr>
+          <p:nvPr>
+            <p:ph type="sldNum" sz="quarter" idx="12"/>
+          </p:nvPr>
+        </p:nvSpPr>
+        <p:spPr/>
+        <p:txBody>
+          <a:bodyPr/>
+          <a:lstStyle/>
+          <a:p>
+            <a:fld id="{36727667-1D7C-46B7-924F-14C3387D69A2}" type="slidenum">
+              <a:rPr lang="ko-KR" altLang="en-US" smtClean="0">
+                <a:solidFill>
+                  <a:prstClr val="black">
+                    <a:tint val="75000"/>
+                  </a:prstClr>
+                </a:solidFill>
+              </a:rPr>
+              <a:pPr/>
+              <a:t>‹#›</a:t>
+            </a:fld>
+            <a:endParaRPr lang="ko-KR" altLang="en-US">
+              <a:solidFill>
+                <a:prstClr val="black">
+                  <a:tint val="75000"/>
+                </a:prstClr>
+              </a:solidFill>
+            </a:endParaRPr>
+          </a:p>
+        </p:txBody>
+      </p:sp>
+    </p:spTree>
+    <p:extLst>
+      <p:ext uri="{BB962C8B-B14F-4D97-AF65-F5344CB8AC3E}">
+        <p14:creationId xmlns:p14="http://schemas.microsoft.com/office/powerpoint/2010/main" val="693645462"/>
+      </p:ext>
+    </p:extLst>
+  </p:cSld>
+  <p:clrMapOvr>
+    <a:masterClrMapping/>
+  </p:clrMapOvr>
+</p:sldLayout>
+</file>
+
+<file path=ppt/slideLayouts/slideLayout19.xml><?xml version="1.0" encoding="utf-8"?>
+<p:sldLayout xmlns:a="http://schemas.openxmlformats.org/drawingml/2006/main" xmlns:r="http://schemas.openxmlformats.org/officeDocument/2006/relationships" xmlns:p="http://schemas.openxmlformats.org/presentationml/2006/main" type="objTx" preserve="1">
+  <p:cSld name="캡션 있는 콘텐츠">
+    <p:spTree>
+      <p:nvGrpSpPr>
+        <p:cNvPr id="1" name=""/>
+        <p:cNvGrpSpPr/>
+        <p:nvPr/>
+      </p:nvGrpSpPr>
+      <p:grpSpPr>
+        <a:xfrm>
+          <a:off x="0" y="0"/>
+          <a:ext cx="0" cy="0"/>
+          <a:chOff x="0" y="0"/>
+          <a:chExt cx="0" cy="0"/>
+        </a:xfrm>
+      </p:grpSpPr>
+      <p:sp>
+        <p:nvSpPr>
+          <p:cNvPr id="2" name="제목 1"/>
+          <p:cNvSpPr>
+            <a:spLocks noGrp="1"/>
+          </p:cNvSpPr>
+          <p:nvPr>
+            <p:ph type="title"/>
+          </p:nvPr>
+        </p:nvSpPr>
+        <p:spPr>
+          <a:xfrm>
+            <a:off x="839788" y="457200"/>
+            <a:ext cx="3932237" cy="1600200"/>
+          </a:xfrm>
+        </p:spPr>
+        <p:txBody>
+          <a:bodyPr anchor="b"/>
+          <a:lstStyle>
+            <a:lvl1pPr>
+              <a:defRPr sz="3200"/>
+            </a:lvl1pPr>
+          </a:lstStyle>
+          <a:p>
+            <a:r>
+              <a:rPr lang="ko-KR" altLang="en-US" smtClean="0"/>
+              <a:t>마스터 제목 스타일 편집</a:t>
+            </a:r>
+            <a:endParaRPr lang="ko-KR" altLang="en-US"/>
+          </a:p>
+        </p:txBody>
+      </p:sp>
+      <p:sp>
+        <p:nvSpPr>
+          <p:cNvPr id="3" name="내용 개체 틀 2"/>
+          <p:cNvSpPr>
+            <a:spLocks noGrp="1"/>
+          </p:cNvSpPr>
+          <p:nvPr>
+            <p:ph idx="1"/>
+          </p:nvPr>
+        </p:nvSpPr>
+        <p:spPr>
+          <a:xfrm>
+            <a:off x="5183188" y="987425"/>
+            <a:ext cx="6172200" cy="4873625"/>
+          </a:xfrm>
+        </p:spPr>
+        <p:txBody>
+          <a:bodyPr/>
+          <a:lstStyle>
+            <a:lvl1pPr>
+              <a:defRPr sz="3200"/>
+            </a:lvl1pPr>
+            <a:lvl2pPr>
+              <a:defRPr sz="2800"/>
+            </a:lvl2pPr>
+            <a:lvl3pPr>
+              <a:defRPr sz="2400"/>
+            </a:lvl3pPr>
+            <a:lvl4pPr>
+              <a:defRPr sz="2000"/>
+            </a:lvl4pPr>
+            <a:lvl5pPr>
+              <a:defRPr sz="2000"/>
+            </a:lvl5pPr>
+            <a:lvl6pPr>
+              <a:defRPr sz="2000"/>
+            </a:lvl6pPr>
+            <a:lvl7pPr>
+              <a:defRPr sz="2000"/>
+            </a:lvl7pPr>
+            <a:lvl8pPr>
+              <a:defRPr sz="2000"/>
+            </a:lvl8pPr>
+            <a:lvl9pPr>
+              <a:defRPr sz="2000"/>
+            </a:lvl9pPr>
+          </a:lstStyle>
+          <a:p>
+            <a:pPr lvl="0"/>
+            <a:r>
+              <a:rPr lang="ko-KR" altLang="en-US" smtClean="0"/>
+              <a:t>마스터 텍스트 스타일 편집</a:t>
+            </a:r>
+          </a:p>
+          <a:p>
+            <a:pPr lvl="1"/>
+            <a:r>
+              <a:rPr lang="ko-KR" altLang="en-US" smtClean="0"/>
+              <a:t>둘째 수준</a:t>
+            </a:r>
+          </a:p>
+          <a:p>
+            <a:pPr lvl="2"/>
+            <a:r>
+              <a:rPr lang="ko-KR" altLang="en-US" smtClean="0"/>
+              <a:t>셋째 수준</a:t>
+            </a:r>
+          </a:p>
+          <a:p>
+            <a:pPr lvl="3"/>
+            <a:r>
+              <a:rPr lang="ko-KR" altLang="en-US" smtClean="0"/>
+              <a:t>넷째 수준</a:t>
+            </a:r>
+          </a:p>
+          <a:p>
+            <a:pPr lvl="4"/>
+            <a:r>
+              <a:rPr lang="ko-KR" altLang="en-US" smtClean="0"/>
+              <a:t>다섯째 수준</a:t>
+            </a:r>
+            <a:endParaRPr lang="ko-KR" altLang="en-US"/>
+          </a:p>
+        </p:txBody>
+      </p:sp>
+      <p:sp>
+        <p:nvSpPr>
+          <p:cNvPr id="4" name="텍스트 개체 틀 3"/>
+          <p:cNvSpPr>
+            <a:spLocks noGrp="1"/>
+          </p:cNvSpPr>
+          <p:nvPr>
+            <p:ph type="body" sz="half" idx="2"/>
+          </p:nvPr>
+        </p:nvSpPr>
+        <p:spPr>
+          <a:xfrm>
+            <a:off x="839788" y="2057400"/>
+            <a:ext cx="3932237" cy="3811588"/>
+          </a:xfrm>
+        </p:spPr>
+        <p:txBody>
+          <a:bodyPr/>
+          <a:lstStyle>
+            <a:lvl1pPr marL="0" indent="0">
+              <a:buNone/>
+              <a:defRPr sz="1600"/>
+            </a:lvl1pPr>
+            <a:lvl2pPr marL="457200" indent="0">
+              <a:buNone/>
+              <a:defRPr sz="1400"/>
+            </a:lvl2pPr>
+            <a:lvl3pPr marL="914400" indent="0">
+              <a:buNone/>
+              <a:defRPr sz="1200"/>
+            </a:lvl3pPr>
+            <a:lvl4pPr marL="1371600" indent="0">
+              <a:buNone/>
+              <a:defRPr sz="1000"/>
+            </a:lvl4pPr>
+            <a:lvl5pPr marL="1828800" indent="0">
+              <a:buNone/>
+              <a:defRPr sz="1000"/>
+            </a:lvl5pPr>
+            <a:lvl6pPr marL="2286000" indent="0">
+              <a:buNone/>
+              <a:defRPr sz="1000"/>
+            </a:lvl6pPr>
+            <a:lvl7pPr marL="2743200" indent="0">
+              <a:buNone/>
+              <a:defRPr sz="1000"/>
+            </a:lvl7pPr>
+            <a:lvl8pPr marL="3200400" indent="0">
+              <a:buNone/>
+              <a:defRPr sz="1000"/>
+            </a:lvl8pPr>
+            <a:lvl9pPr marL="3657600" indent="0">
+              <a:buNone/>
+              <a:defRPr sz="1000"/>
+            </a:lvl9pPr>
+          </a:lstStyle>
+          <a:p>
+            <a:pPr lvl="0"/>
+            <a:r>
+              <a:rPr lang="ko-KR" altLang="en-US" smtClean="0"/>
+              <a:t>마스터 텍스트 스타일 편집</a:t>
+            </a:r>
+          </a:p>
+        </p:txBody>
+      </p:sp>
+      <p:sp>
+        <p:nvSpPr>
+          <p:cNvPr id="5" name="날짜 개체 틀 4"/>
+          <p:cNvSpPr>
+            <a:spLocks noGrp="1"/>
+          </p:cNvSpPr>
+          <p:nvPr>
+            <p:ph type="dt" sz="half" idx="10"/>
+          </p:nvPr>
+        </p:nvSpPr>
+        <p:spPr/>
+        <p:txBody>
+          <a:bodyPr/>
+          <a:lstStyle/>
+          <a:p>
+            <a:fld id="{C9088C61-D230-4CA2-9700-815054BE693D}" type="datetimeFigureOut">
+              <a:rPr lang="ko-KR" altLang="en-US" smtClean="0">
+                <a:solidFill>
+                  <a:prstClr val="black">
+                    <a:tint val="75000"/>
+                  </a:prstClr>
+                </a:solidFill>
+              </a:rPr>
+              <a:pPr/>
+              <a:t>2018-09-10</a:t>
+            </a:fld>
+            <a:endParaRPr lang="ko-KR" altLang="en-US">
+              <a:solidFill>
+                <a:prstClr val="black">
+                  <a:tint val="75000"/>
+                </a:prstClr>
+              </a:solidFill>
+            </a:endParaRPr>
+          </a:p>
+        </p:txBody>
+      </p:sp>
+      <p:sp>
+        <p:nvSpPr>
+          <p:cNvPr id="6" name="바닥글 개체 틀 5"/>
+          <p:cNvSpPr>
+            <a:spLocks noGrp="1"/>
+          </p:cNvSpPr>
+          <p:nvPr>
+            <p:ph type="ftr" sz="quarter" idx="11"/>
+          </p:nvPr>
+        </p:nvSpPr>
+        <p:spPr/>
+        <p:txBody>
+          <a:bodyPr/>
+          <a:lstStyle/>
+          <a:p>
+            <a:endParaRPr lang="ko-KR" altLang="en-US">
+              <a:solidFill>
+                <a:prstClr val="black">
+                  <a:tint val="75000"/>
+                </a:prstClr>
+              </a:solidFill>
+            </a:endParaRPr>
+          </a:p>
+        </p:txBody>
+      </p:sp>
+      <p:sp>
+        <p:nvSpPr>
+          <p:cNvPr id="7" name="슬라이드 번호 개체 틀 6"/>
+          <p:cNvSpPr>
+            <a:spLocks noGrp="1"/>
+          </p:cNvSpPr>
+          <p:nvPr>
+            <p:ph type="sldNum" sz="quarter" idx="12"/>
+          </p:nvPr>
+        </p:nvSpPr>
+        <p:spPr/>
+        <p:txBody>
+          <a:bodyPr/>
+          <a:lstStyle/>
+          <a:p>
+            <a:fld id="{36727667-1D7C-46B7-924F-14C3387D69A2}" type="slidenum">
+              <a:rPr lang="ko-KR" altLang="en-US" smtClean="0">
+                <a:solidFill>
+                  <a:prstClr val="black">
+                    <a:tint val="75000"/>
+                  </a:prstClr>
+                </a:solidFill>
+              </a:rPr>
+              <a:pPr/>
+              <a:t>‹#›</a:t>
+            </a:fld>
+            <a:endParaRPr lang="ko-KR" altLang="en-US">
+              <a:solidFill>
+                <a:prstClr val="black">
+                  <a:tint val="75000"/>
+                </a:prstClr>
+              </a:solidFill>
+            </a:endParaRPr>
+          </a:p>
+        </p:txBody>
+      </p:sp>
+    </p:spTree>
+    <p:extLst>
+      <p:ext uri="{BB962C8B-B14F-4D97-AF65-F5344CB8AC3E}">
+        <p14:creationId xmlns:p14="http://schemas.microsoft.com/office/powerpoint/2010/main" val="2606492265"/>
       </p:ext>
     </p:extLst>
   </p:cSld>
@@ -770,7 +2725,7 @@
           <a:p>
             <a:fld id="{C9088C61-D230-4CA2-9700-815054BE693D}" type="datetimeFigureOut">
               <a:rPr lang="ko-KR" altLang="en-US" smtClean="0"/>
-              <a:t>2018-09-03</a:t>
+              <a:t>2018-09-10</a:t>
             </a:fld>
             <a:endParaRPr lang="ko-KR" altLang="en-US"/>
           </a:p>
@@ -822,6 +2777,705 @@
     <p:extLst>
       <p:ext uri="{BB962C8B-B14F-4D97-AF65-F5344CB8AC3E}">
         <p14:creationId xmlns:p14="http://schemas.microsoft.com/office/powerpoint/2010/main" val="2654643427"/>
+      </p:ext>
+    </p:extLst>
+  </p:cSld>
+  <p:clrMapOvr>
+    <a:masterClrMapping/>
+  </p:clrMapOvr>
+</p:sldLayout>
+</file>
+
+<file path=ppt/slideLayouts/slideLayout20.xml><?xml version="1.0" encoding="utf-8"?>
+<p:sldLayout xmlns:a="http://schemas.openxmlformats.org/drawingml/2006/main" xmlns:r="http://schemas.openxmlformats.org/officeDocument/2006/relationships" xmlns:p="http://schemas.openxmlformats.org/presentationml/2006/main" type="picTx" preserve="1">
+  <p:cSld name="캡션 있는 그림">
+    <p:spTree>
+      <p:nvGrpSpPr>
+        <p:cNvPr id="1" name=""/>
+        <p:cNvGrpSpPr/>
+        <p:nvPr/>
+      </p:nvGrpSpPr>
+      <p:grpSpPr>
+        <a:xfrm>
+          <a:off x="0" y="0"/>
+          <a:ext cx="0" cy="0"/>
+          <a:chOff x="0" y="0"/>
+          <a:chExt cx="0" cy="0"/>
+        </a:xfrm>
+      </p:grpSpPr>
+      <p:sp>
+        <p:nvSpPr>
+          <p:cNvPr id="2" name="제목 1"/>
+          <p:cNvSpPr>
+            <a:spLocks noGrp="1"/>
+          </p:cNvSpPr>
+          <p:nvPr>
+            <p:ph type="title"/>
+          </p:nvPr>
+        </p:nvSpPr>
+        <p:spPr>
+          <a:xfrm>
+            <a:off x="839788" y="457200"/>
+            <a:ext cx="3932237" cy="1600200"/>
+          </a:xfrm>
+        </p:spPr>
+        <p:txBody>
+          <a:bodyPr anchor="b"/>
+          <a:lstStyle>
+            <a:lvl1pPr>
+              <a:defRPr sz="3200"/>
+            </a:lvl1pPr>
+          </a:lstStyle>
+          <a:p>
+            <a:r>
+              <a:rPr lang="ko-KR" altLang="en-US" smtClean="0"/>
+              <a:t>마스터 제목 스타일 편집</a:t>
+            </a:r>
+            <a:endParaRPr lang="ko-KR" altLang="en-US"/>
+          </a:p>
+        </p:txBody>
+      </p:sp>
+      <p:sp>
+        <p:nvSpPr>
+          <p:cNvPr id="3" name="그림 개체 틀 2"/>
+          <p:cNvSpPr>
+            <a:spLocks noGrp="1"/>
+          </p:cNvSpPr>
+          <p:nvPr>
+            <p:ph type="pic" idx="1"/>
+          </p:nvPr>
+        </p:nvSpPr>
+        <p:spPr>
+          <a:xfrm>
+            <a:off x="5183188" y="987425"/>
+            <a:ext cx="6172200" cy="4873625"/>
+          </a:xfrm>
+        </p:spPr>
+        <p:txBody>
+          <a:bodyPr/>
+          <a:lstStyle>
+            <a:lvl1pPr marL="0" indent="0">
+              <a:buNone/>
+              <a:defRPr sz="3200"/>
+            </a:lvl1pPr>
+            <a:lvl2pPr marL="457200" indent="0">
+              <a:buNone/>
+              <a:defRPr sz="2800"/>
+            </a:lvl2pPr>
+            <a:lvl3pPr marL="914400" indent="0">
+              <a:buNone/>
+              <a:defRPr sz="2400"/>
+            </a:lvl3pPr>
+            <a:lvl4pPr marL="1371600" indent="0">
+              <a:buNone/>
+              <a:defRPr sz="2000"/>
+            </a:lvl4pPr>
+            <a:lvl5pPr marL="1828800" indent="0">
+              <a:buNone/>
+              <a:defRPr sz="2000"/>
+            </a:lvl5pPr>
+            <a:lvl6pPr marL="2286000" indent="0">
+              <a:buNone/>
+              <a:defRPr sz="2000"/>
+            </a:lvl6pPr>
+            <a:lvl7pPr marL="2743200" indent="0">
+              <a:buNone/>
+              <a:defRPr sz="2000"/>
+            </a:lvl7pPr>
+            <a:lvl8pPr marL="3200400" indent="0">
+              <a:buNone/>
+              <a:defRPr sz="2000"/>
+            </a:lvl8pPr>
+            <a:lvl9pPr marL="3657600" indent="0">
+              <a:buNone/>
+              <a:defRPr sz="2000"/>
+            </a:lvl9pPr>
+          </a:lstStyle>
+          <a:p>
+            <a:endParaRPr lang="ko-KR" altLang="en-US"/>
+          </a:p>
+        </p:txBody>
+      </p:sp>
+      <p:sp>
+        <p:nvSpPr>
+          <p:cNvPr id="4" name="텍스트 개체 틀 3"/>
+          <p:cNvSpPr>
+            <a:spLocks noGrp="1"/>
+          </p:cNvSpPr>
+          <p:nvPr>
+            <p:ph type="body" sz="half" idx="2"/>
+          </p:nvPr>
+        </p:nvSpPr>
+        <p:spPr>
+          <a:xfrm>
+            <a:off x="839788" y="2057400"/>
+            <a:ext cx="3932237" cy="3811588"/>
+          </a:xfrm>
+        </p:spPr>
+        <p:txBody>
+          <a:bodyPr/>
+          <a:lstStyle>
+            <a:lvl1pPr marL="0" indent="0">
+              <a:buNone/>
+              <a:defRPr sz="1600"/>
+            </a:lvl1pPr>
+            <a:lvl2pPr marL="457200" indent="0">
+              <a:buNone/>
+              <a:defRPr sz="1400"/>
+            </a:lvl2pPr>
+            <a:lvl3pPr marL="914400" indent="0">
+              <a:buNone/>
+              <a:defRPr sz="1200"/>
+            </a:lvl3pPr>
+            <a:lvl4pPr marL="1371600" indent="0">
+              <a:buNone/>
+              <a:defRPr sz="1000"/>
+            </a:lvl4pPr>
+            <a:lvl5pPr marL="1828800" indent="0">
+              <a:buNone/>
+              <a:defRPr sz="1000"/>
+            </a:lvl5pPr>
+            <a:lvl6pPr marL="2286000" indent="0">
+              <a:buNone/>
+              <a:defRPr sz="1000"/>
+            </a:lvl6pPr>
+            <a:lvl7pPr marL="2743200" indent="0">
+              <a:buNone/>
+              <a:defRPr sz="1000"/>
+            </a:lvl7pPr>
+            <a:lvl8pPr marL="3200400" indent="0">
+              <a:buNone/>
+              <a:defRPr sz="1000"/>
+            </a:lvl8pPr>
+            <a:lvl9pPr marL="3657600" indent="0">
+              <a:buNone/>
+              <a:defRPr sz="1000"/>
+            </a:lvl9pPr>
+          </a:lstStyle>
+          <a:p>
+            <a:pPr lvl="0"/>
+            <a:r>
+              <a:rPr lang="ko-KR" altLang="en-US" smtClean="0"/>
+              <a:t>마스터 텍스트 스타일 편집</a:t>
+            </a:r>
+          </a:p>
+        </p:txBody>
+      </p:sp>
+      <p:sp>
+        <p:nvSpPr>
+          <p:cNvPr id="5" name="날짜 개체 틀 4"/>
+          <p:cNvSpPr>
+            <a:spLocks noGrp="1"/>
+          </p:cNvSpPr>
+          <p:nvPr>
+            <p:ph type="dt" sz="half" idx="10"/>
+          </p:nvPr>
+        </p:nvSpPr>
+        <p:spPr/>
+        <p:txBody>
+          <a:bodyPr/>
+          <a:lstStyle/>
+          <a:p>
+            <a:fld id="{C9088C61-D230-4CA2-9700-815054BE693D}" type="datetimeFigureOut">
+              <a:rPr lang="ko-KR" altLang="en-US" smtClean="0">
+                <a:solidFill>
+                  <a:prstClr val="black">
+                    <a:tint val="75000"/>
+                  </a:prstClr>
+                </a:solidFill>
+              </a:rPr>
+              <a:pPr/>
+              <a:t>2018-09-10</a:t>
+            </a:fld>
+            <a:endParaRPr lang="ko-KR" altLang="en-US">
+              <a:solidFill>
+                <a:prstClr val="black">
+                  <a:tint val="75000"/>
+                </a:prstClr>
+              </a:solidFill>
+            </a:endParaRPr>
+          </a:p>
+        </p:txBody>
+      </p:sp>
+      <p:sp>
+        <p:nvSpPr>
+          <p:cNvPr id="6" name="바닥글 개체 틀 5"/>
+          <p:cNvSpPr>
+            <a:spLocks noGrp="1"/>
+          </p:cNvSpPr>
+          <p:nvPr>
+            <p:ph type="ftr" sz="quarter" idx="11"/>
+          </p:nvPr>
+        </p:nvSpPr>
+        <p:spPr/>
+        <p:txBody>
+          <a:bodyPr/>
+          <a:lstStyle/>
+          <a:p>
+            <a:endParaRPr lang="ko-KR" altLang="en-US">
+              <a:solidFill>
+                <a:prstClr val="black">
+                  <a:tint val="75000"/>
+                </a:prstClr>
+              </a:solidFill>
+            </a:endParaRPr>
+          </a:p>
+        </p:txBody>
+      </p:sp>
+      <p:sp>
+        <p:nvSpPr>
+          <p:cNvPr id="7" name="슬라이드 번호 개체 틀 6"/>
+          <p:cNvSpPr>
+            <a:spLocks noGrp="1"/>
+          </p:cNvSpPr>
+          <p:nvPr>
+            <p:ph type="sldNum" sz="quarter" idx="12"/>
+          </p:nvPr>
+        </p:nvSpPr>
+        <p:spPr/>
+        <p:txBody>
+          <a:bodyPr/>
+          <a:lstStyle/>
+          <a:p>
+            <a:fld id="{36727667-1D7C-46B7-924F-14C3387D69A2}" type="slidenum">
+              <a:rPr lang="ko-KR" altLang="en-US" smtClean="0">
+                <a:solidFill>
+                  <a:prstClr val="black">
+                    <a:tint val="75000"/>
+                  </a:prstClr>
+                </a:solidFill>
+              </a:rPr>
+              <a:pPr/>
+              <a:t>‹#›</a:t>
+            </a:fld>
+            <a:endParaRPr lang="ko-KR" altLang="en-US">
+              <a:solidFill>
+                <a:prstClr val="black">
+                  <a:tint val="75000"/>
+                </a:prstClr>
+              </a:solidFill>
+            </a:endParaRPr>
+          </a:p>
+        </p:txBody>
+      </p:sp>
+    </p:spTree>
+    <p:extLst>
+      <p:ext uri="{BB962C8B-B14F-4D97-AF65-F5344CB8AC3E}">
+        <p14:creationId xmlns:p14="http://schemas.microsoft.com/office/powerpoint/2010/main" val="1590312461"/>
+      </p:ext>
+    </p:extLst>
+  </p:cSld>
+  <p:clrMapOvr>
+    <a:masterClrMapping/>
+  </p:clrMapOvr>
+</p:sldLayout>
+</file>
+
+<file path=ppt/slideLayouts/slideLayout21.xml><?xml version="1.0" encoding="utf-8"?>
+<p:sldLayout xmlns:a="http://schemas.openxmlformats.org/drawingml/2006/main" xmlns:r="http://schemas.openxmlformats.org/officeDocument/2006/relationships" xmlns:p="http://schemas.openxmlformats.org/presentationml/2006/main" type="vertTx" preserve="1">
+  <p:cSld name="제목 및 세로 텍스트">
+    <p:spTree>
+      <p:nvGrpSpPr>
+        <p:cNvPr id="1" name=""/>
+        <p:cNvGrpSpPr/>
+        <p:nvPr/>
+      </p:nvGrpSpPr>
+      <p:grpSpPr>
+        <a:xfrm>
+          <a:off x="0" y="0"/>
+          <a:ext cx="0" cy="0"/>
+          <a:chOff x="0" y="0"/>
+          <a:chExt cx="0" cy="0"/>
+        </a:xfrm>
+      </p:grpSpPr>
+      <p:sp>
+        <p:nvSpPr>
+          <p:cNvPr id="2" name="제목 1"/>
+          <p:cNvSpPr>
+            <a:spLocks noGrp="1"/>
+          </p:cNvSpPr>
+          <p:nvPr>
+            <p:ph type="title"/>
+          </p:nvPr>
+        </p:nvSpPr>
+        <p:spPr/>
+        <p:txBody>
+          <a:bodyPr/>
+          <a:lstStyle/>
+          <a:p>
+            <a:r>
+              <a:rPr lang="ko-KR" altLang="en-US" smtClean="0"/>
+              <a:t>마스터 제목 스타일 편집</a:t>
+            </a:r>
+            <a:endParaRPr lang="ko-KR" altLang="en-US"/>
+          </a:p>
+        </p:txBody>
+      </p:sp>
+      <p:sp>
+        <p:nvSpPr>
+          <p:cNvPr id="3" name="세로 텍스트 개체 틀 2"/>
+          <p:cNvSpPr>
+            <a:spLocks noGrp="1"/>
+          </p:cNvSpPr>
+          <p:nvPr>
+            <p:ph type="body" orient="vert" idx="1"/>
+          </p:nvPr>
+        </p:nvSpPr>
+        <p:spPr/>
+        <p:txBody>
+          <a:bodyPr vert="eaVert"/>
+          <a:lstStyle/>
+          <a:p>
+            <a:pPr lvl="0"/>
+            <a:r>
+              <a:rPr lang="ko-KR" altLang="en-US" smtClean="0"/>
+              <a:t>마스터 텍스트 스타일 편집</a:t>
+            </a:r>
+          </a:p>
+          <a:p>
+            <a:pPr lvl="1"/>
+            <a:r>
+              <a:rPr lang="ko-KR" altLang="en-US" smtClean="0"/>
+              <a:t>둘째 수준</a:t>
+            </a:r>
+          </a:p>
+          <a:p>
+            <a:pPr lvl="2"/>
+            <a:r>
+              <a:rPr lang="ko-KR" altLang="en-US" smtClean="0"/>
+              <a:t>셋째 수준</a:t>
+            </a:r>
+          </a:p>
+          <a:p>
+            <a:pPr lvl="3"/>
+            <a:r>
+              <a:rPr lang="ko-KR" altLang="en-US" smtClean="0"/>
+              <a:t>넷째 수준</a:t>
+            </a:r>
+          </a:p>
+          <a:p>
+            <a:pPr lvl="4"/>
+            <a:r>
+              <a:rPr lang="ko-KR" altLang="en-US" smtClean="0"/>
+              <a:t>다섯째 수준</a:t>
+            </a:r>
+            <a:endParaRPr lang="ko-KR" altLang="en-US"/>
+          </a:p>
+        </p:txBody>
+      </p:sp>
+      <p:sp>
+        <p:nvSpPr>
+          <p:cNvPr id="4" name="날짜 개체 틀 3"/>
+          <p:cNvSpPr>
+            <a:spLocks noGrp="1"/>
+          </p:cNvSpPr>
+          <p:nvPr>
+            <p:ph type="dt" sz="half" idx="10"/>
+          </p:nvPr>
+        </p:nvSpPr>
+        <p:spPr/>
+        <p:txBody>
+          <a:bodyPr/>
+          <a:lstStyle/>
+          <a:p>
+            <a:fld id="{C9088C61-D230-4CA2-9700-815054BE693D}" type="datetimeFigureOut">
+              <a:rPr lang="ko-KR" altLang="en-US" smtClean="0">
+                <a:solidFill>
+                  <a:prstClr val="black">
+                    <a:tint val="75000"/>
+                  </a:prstClr>
+                </a:solidFill>
+              </a:rPr>
+              <a:pPr/>
+              <a:t>2018-09-10</a:t>
+            </a:fld>
+            <a:endParaRPr lang="ko-KR" altLang="en-US">
+              <a:solidFill>
+                <a:prstClr val="black">
+                  <a:tint val="75000"/>
+                </a:prstClr>
+              </a:solidFill>
+            </a:endParaRPr>
+          </a:p>
+        </p:txBody>
+      </p:sp>
+      <p:sp>
+        <p:nvSpPr>
+          <p:cNvPr id="5" name="바닥글 개체 틀 4"/>
+          <p:cNvSpPr>
+            <a:spLocks noGrp="1"/>
+          </p:cNvSpPr>
+          <p:nvPr>
+            <p:ph type="ftr" sz="quarter" idx="11"/>
+          </p:nvPr>
+        </p:nvSpPr>
+        <p:spPr/>
+        <p:txBody>
+          <a:bodyPr/>
+          <a:lstStyle/>
+          <a:p>
+            <a:endParaRPr lang="ko-KR" altLang="en-US">
+              <a:solidFill>
+                <a:prstClr val="black">
+                  <a:tint val="75000"/>
+                </a:prstClr>
+              </a:solidFill>
+            </a:endParaRPr>
+          </a:p>
+        </p:txBody>
+      </p:sp>
+      <p:sp>
+        <p:nvSpPr>
+          <p:cNvPr id="6" name="슬라이드 번호 개체 틀 5"/>
+          <p:cNvSpPr>
+            <a:spLocks noGrp="1"/>
+          </p:cNvSpPr>
+          <p:nvPr>
+            <p:ph type="sldNum" sz="quarter" idx="12"/>
+          </p:nvPr>
+        </p:nvSpPr>
+        <p:spPr/>
+        <p:txBody>
+          <a:bodyPr/>
+          <a:lstStyle/>
+          <a:p>
+            <a:fld id="{36727667-1D7C-46B7-924F-14C3387D69A2}" type="slidenum">
+              <a:rPr lang="ko-KR" altLang="en-US" smtClean="0">
+                <a:solidFill>
+                  <a:prstClr val="black">
+                    <a:tint val="75000"/>
+                  </a:prstClr>
+                </a:solidFill>
+              </a:rPr>
+              <a:pPr/>
+              <a:t>‹#›</a:t>
+            </a:fld>
+            <a:endParaRPr lang="ko-KR" altLang="en-US">
+              <a:solidFill>
+                <a:prstClr val="black">
+                  <a:tint val="75000"/>
+                </a:prstClr>
+              </a:solidFill>
+            </a:endParaRPr>
+          </a:p>
+        </p:txBody>
+      </p:sp>
+    </p:spTree>
+    <p:extLst>
+      <p:ext uri="{BB962C8B-B14F-4D97-AF65-F5344CB8AC3E}">
+        <p14:creationId xmlns:p14="http://schemas.microsoft.com/office/powerpoint/2010/main" val="1559014828"/>
+      </p:ext>
+    </p:extLst>
+  </p:cSld>
+  <p:clrMapOvr>
+    <a:masterClrMapping/>
+  </p:clrMapOvr>
+</p:sldLayout>
+</file>
+
+<file path=ppt/slideLayouts/slideLayout22.xml><?xml version="1.0" encoding="utf-8"?>
+<p:sldLayout xmlns:a="http://schemas.openxmlformats.org/drawingml/2006/main" xmlns:r="http://schemas.openxmlformats.org/officeDocument/2006/relationships" xmlns:p="http://schemas.openxmlformats.org/presentationml/2006/main" type="vertTitleAndTx" preserve="1">
+  <p:cSld name="세로 제목 및 텍스트">
+    <p:spTree>
+      <p:nvGrpSpPr>
+        <p:cNvPr id="1" name=""/>
+        <p:cNvGrpSpPr/>
+        <p:nvPr/>
+      </p:nvGrpSpPr>
+      <p:grpSpPr>
+        <a:xfrm>
+          <a:off x="0" y="0"/>
+          <a:ext cx="0" cy="0"/>
+          <a:chOff x="0" y="0"/>
+          <a:chExt cx="0" cy="0"/>
+        </a:xfrm>
+      </p:grpSpPr>
+      <p:sp>
+        <p:nvSpPr>
+          <p:cNvPr id="2" name="세로 제목 1"/>
+          <p:cNvSpPr>
+            <a:spLocks noGrp="1"/>
+          </p:cNvSpPr>
+          <p:nvPr>
+            <p:ph type="title" orient="vert"/>
+          </p:nvPr>
+        </p:nvSpPr>
+        <p:spPr>
+          <a:xfrm>
+            <a:off x="8724900" y="365125"/>
+            <a:ext cx="2628900" cy="5811838"/>
+          </a:xfrm>
+        </p:spPr>
+        <p:txBody>
+          <a:bodyPr vert="eaVert"/>
+          <a:lstStyle/>
+          <a:p>
+            <a:r>
+              <a:rPr lang="ko-KR" altLang="en-US" smtClean="0"/>
+              <a:t>마스터 제목 스타일 편집</a:t>
+            </a:r>
+            <a:endParaRPr lang="ko-KR" altLang="en-US"/>
+          </a:p>
+        </p:txBody>
+      </p:sp>
+      <p:sp>
+        <p:nvSpPr>
+          <p:cNvPr id="3" name="세로 텍스트 개체 틀 2"/>
+          <p:cNvSpPr>
+            <a:spLocks noGrp="1"/>
+          </p:cNvSpPr>
+          <p:nvPr>
+            <p:ph type="body" orient="vert" idx="1"/>
+          </p:nvPr>
+        </p:nvSpPr>
+        <p:spPr>
+          <a:xfrm>
+            <a:off x="838200" y="365125"/>
+            <a:ext cx="7734300" cy="5811838"/>
+          </a:xfrm>
+        </p:spPr>
+        <p:txBody>
+          <a:bodyPr vert="eaVert"/>
+          <a:lstStyle/>
+          <a:p>
+            <a:pPr lvl="0"/>
+            <a:r>
+              <a:rPr lang="ko-KR" altLang="en-US" smtClean="0"/>
+              <a:t>마스터 텍스트 스타일 편집</a:t>
+            </a:r>
+          </a:p>
+          <a:p>
+            <a:pPr lvl="1"/>
+            <a:r>
+              <a:rPr lang="ko-KR" altLang="en-US" smtClean="0"/>
+              <a:t>둘째 수준</a:t>
+            </a:r>
+          </a:p>
+          <a:p>
+            <a:pPr lvl="2"/>
+            <a:r>
+              <a:rPr lang="ko-KR" altLang="en-US" smtClean="0"/>
+              <a:t>셋째 수준</a:t>
+            </a:r>
+          </a:p>
+          <a:p>
+            <a:pPr lvl="3"/>
+            <a:r>
+              <a:rPr lang="ko-KR" altLang="en-US" smtClean="0"/>
+              <a:t>넷째 수준</a:t>
+            </a:r>
+          </a:p>
+          <a:p>
+            <a:pPr lvl="4"/>
+            <a:r>
+              <a:rPr lang="ko-KR" altLang="en-US" smtClean="0"/>
+              <a:t>다섯째 수준</a:t>
+            </a:r>
+            <a:endParaRPr lang="ko-KR" altLang="en-US"/>
+          </a:p>
+        </p:txBody>
+      </p:sp>
+      <p:sp>
+        <p:nvSpPr>
+          <p:cNvPr id="4" name="날짜 개체 틀 3"/>
+          <p:cNvSpPr>
+            <a:spLocks noGrp="1"/>
+          </p:cNvSpPr>
+          <p:nvPr>
+            <p:ph type="dt" sz="half" idx="10"/>
+          </p:nvPr>
+        </p:nvSpPr>
+        <p:spPr/>
+        <p:txBody>
+          <a:bodyPr/>
+          <a:lstStyle/>
+          <a:p>
+            <a:fld id="{C9088C61-D230-4CA2-9700-815054BE693D}" type="datetimeFigureOut">
+              <a:rPr lang="ko-KR" altLang="en-US" smtClean="0">
+                <a:solidFill>
+                  <a:prstClr val="black">
+                    <a:tint val="75000"/>
+                  </a:prstClr>
+                </a:solidFill>
+              </a:rPr>
+              <a:pPr/>
+              <a:t>2018-09-10</a:t>
+            </a:fld>
+            <a:endParaRPr lang="ko-KR" altLang="en-US">
+              <a:solidFill>
+                <a:prstClr val="black">
+                  <a:tint val="75000"/>
+                </a:prstClr>
+              </a:solidFill>
+            </a:endParaRPr>
+          </a:p>
+        </p:txBody>
+      </p:sp>
+      <p:sp>
+        <p:nvSpPr>
+          <p:cNvPr id="5" name="바닥글 개체 틀 4"/>
+          <p:cNvSpPr>
+            <a:spLocks noGrp="1"/>
+          </p:cNvSpPr>
+          <p:nvPr>
+            <p:ph type="ftr" sz="quarter" idx="11"/>
+          </p:nvPr>
+        </p:nvSpPr>
+        <p:spPr/>
+        <p:txBody>
+          <a:bodyPr/>
+          <a:lstStyle/>
+          <a:p>
+            <a:endParaRPr lang="ko-KR" altLang="en-US">
+              <a:solidFill>
+                <a:prstClr val="black">
+                  <a:tint val="75000"/>
+                </a:prstClr>
+              </a:solidFill>
+            </a:endParaRPr>
+          </a:p>
+        </p:txBody>
+      </p:sp>
+      <p:sp>
+        <p:nvSpPr>
+          <p:cNvPr id="6" name="슬라이드 번호 개체 틀 5"/>
+          <p:cNvSpPr>
+            <a:spLocks noGrp="1"/>
+          </p:cNvSpPr>
+          <p:nvPr>
+            <p:ph type="sldNum" sz="quarter" idx="12"/>
+          </p:nvPr>
+        </p:nvSpPr>
+        <p:spPr/>
+        <p:txBody>
+          <a:bodyPr/>
+          <a:lstStyle/>
+          <a:p>
+            <a:fld id="{36727667-1D7C-46B7-924F-14C3387D69A2}" type="slidenum">
+              <a:rPr lang="ko-KR" altLang="en-US" smtClean="0">
+                <a:solidFill>
+                  <a:prstClr val="black">
+                    <a:tint val="75000"/>
+                  </a:prstClr>
+                </a:solidFill>
+              </a:rPr>
+              <a:pPr/>
+              <a:t>‹#›</a:t>
+            </a:fld>
+            <a:endParaRPr lang="ko-KR" altLang="en-US">
+              <a:solidFill>
+                <a:prstClr val="black">
+                  <a:tint val="75000"/>
+                </a:prstClr>
+              </a:solidFill>
+            </a:endParaRPr>
+          </a:p>
+        </p:txBody>
+      </p:sp>
+    </p:spTree>
+    <p:extLst>
+      <p:ext uri="{BB962C8B-B14F-4D97-AF65-F5344CB8AC3E}">
+        <p14:creationId xmlns:p14="http://schemas.microsoft.com/office/powerpoint/2010/main" val="3687926519"/>
       </p:ext>
     </p:extLst>
   </p:cSld>
@@ -1016,7 +3670,7 @@
           <a:p>
             <a:fld id="{C9088C61-D230-4CA2-9700-815054BE693D}" type="datetimeFigureOut">
               <a:rPr lang="ko-KR" altLang="en-US" smtClean="0"/>
-              <a:t>2018-09-03</a:t>
+              <a:t>2018-09-10</a:t>
             </a:fld>
             <a:endParaRPr lang="ko-KR" altLang="en-US"/>
           </a:p>
@@ -1248,7 +3902,7 @@
           <a:p>
             <a:fld id="{C9088C61-D230-4CA2-9700-815054BE693D}" type="datetimeFigureOut">
               <a:rPr lang="ko-KR" altLang="en-US" smtClean="0"/>
-              <a:t>2018-09-03</a:t>
+              <a:t>2018-09-10</a:t>
             </a:fld>
             <a:endParaRPr lang="ko-KR" altLang="en-US"/>
           </a:p>
@@ -1615,7 +4269,7 @@
           <a:p>
             <a:fld id="{C9088C61-D230-4CA2-9700-815054BE693D}" type="datetimeFigureOut">
               <a:rPr lang="ko-KR" altLang="en-US" smtClean="0"/>
-              <a:t>2018-09-03</a:t>
+              <a:t>2018-09-10</a:t>
             </a:fld>
             <a:endParaRPr lang="ko-KR" altLang="en-US"/>
           </a:p>
@@ -1733,7 +4387,7 @@
           <a:p>
             <a:fld id="{C9088C61-D230-4CA2-9700-815054BE693D}" type="datetimeFigureOut">
               <a:rPr lang="ko-KR" altLang="en-US" smtClean="0"/>
-              <a:t>2018-09-03</a:t>
+              <a:t>2018-09-10</a:t>
             </a:fld>
             <a:endParaRPr lang="ko-KR" altLang="en-US"/>
           </a:p>
@@ -1828,7 +4482,7 @@
           <a:p>
             <a:fld id="{C9088C61-D230-4CA2-9700-815054BE693D}" type="datetimeFigureOut">
               <a:rPr lang="ko-KR" altLang="en-US" smtClean="0"/>
-              <a:t>2018-09-03</a:t>
+              <a:t>2018-09-10</a:t>
             </a:fld>
             <a:endParaRPr lang="ko-KR" altLang="en-US"/>
           </a:p>
@@ -2105,7 +4759,7 @@
           <a:p>
             <a:fld id="{C9088C61-D230-4CA2-9700-815054BE693D}" type="datetimeFigureOut">
               <a:rPr lang="ko-KR" altLang="en-US" smtClean="0"/>
-              <a:t>2018-09-03</a:t>
+              <a:t>2018-09-10</a:t>
             </a:fld>
             <a:endParaRPr lang="ko-KR" altLang="en-US"/>
           </a:p>
@@ -2358,7 +5012,7 @@
           <a:p>
             <a:fld id="{C9088C61-D230-4CA2-9700-815054BE693D}" type="datetimeFigureOut">
               <a:rPr lang="ko-KR" altLang="en-US" smtClean="0"/>
-              <a:t>2018-09-03</a:t>
+              <a:t>2018-09-10</a:t>
             </a:fld>
             <a:endParaRPr lang="ko-KR" altLang="en-US"/>
           </a:p>
@@ -2571,7 +5225,7 @@
           <a:p>
             <a:fld id="{C9088C61-D230-4CA2-9700-815054BE693D}" type="datetimeFigureOut">
               <a:rPr lang="ko-KR" altLang="en-US" smtClean="0"/>
-              <a:t>2018-09-03</a:t>
+              <a:t>2018-09-10</a:t>
             </a:fld>
             <a:endParaRPr lang="ko-KR" altLang="en-US"/>
           </a:p>
@@ -2675,6 +5329,578 @@
     <p:sldLayoutId id="2147483657" r:id="rId9"/>
     <p:sldLayoutId id="2147483658" r:id="rId10"/>
     <p:sldLayoutId id="2147483659" r:id="rId11"/>
+  </p:sldLayoutIdLst>
+  <p:txStyles>
+    <p:titleStyle>
+      <a:lvl1pPr algn="l" defTabSz="914400" rtl="0" eaLnBrk="1" latinLnBrk="1" hangingPunct="1">
+        <a:lnSpc>
+          <a:spcPct val="90000"/>
+        </a:lnSpc>
+        <a:spcBef>
+          <a:spcPct val="0"/>
+        </a:spcBef>
+        <a:buNone/>
+        <a:defRPr sz="4400" kern="1200">
+          <a:solidFill>
+            <a:schemeClr val="tx1"/>
+          </a:solidFill>
+          <a:latin typeface="+mj-lt"/>
+          <a:ea typeface="+mj-ea"/>
+          <a:cs typeface="+mj-cs"/>
+        </a:defRPr>
+      </a:lvl1pPr>
+    </p:titleStyle>
+    <p:bodyStyle>
+      <a:lvl1pPr marL="228600" indent="-228600" algn="l" defTabSz="914400" rtl="0" eaLnBrk="1" latinLnBrk="1" hangingPunct="1">
+        <a:lnSpc>
+          <a:spcPct val="90000"/>
+        </a:lnSpc>
+        <a:spcBef>
+          <a:spcPts val="1000"/>
+        </a:spcBef>
+        <a:buFont typeface="Arial" panose="020B0604020202020204" pitchFamily="34" charset="0"/>
+        <a:buChar char="•"/>
+        <a:defRPr sz="2800" kern="1200">
+          <a:solidFill>
+            <a:schemeClr val="tx1"/>
+          </a:solidFill>
+          <a:latin typeface="+mn-lt"/>
+          <a:ea typeface="+mn-ea"/>
+          <a:cs typeface="+mn-cs"/>
+        </a:defRPr>
+      </a:lvl1pPr>
+      <a:lvl2pPr marL="685800" indent="-228600" algn="l" defTabSz="914400" rtl="0" eaLnBrk="1" latinLnBrk="1" hangingPunct="1">
+        <a:lnSpc>
+          <a:spcPct val="90000"/>
+        </a:lnSpc>
+        <a:spcBef>
+          <a:spcPts val="500"/>
+        </a:spcBef>
+        <a:buFont typeface="Arial" panose="020B0604020202020204" pitchFamily="34" charset="0"/>
+        <a:buChar char="•"/>
+        <a:defRPr sz="2400" kern="1200">
+          <a:solidFill>
+            <a:schemeClr val="tx1"/>
+          </a:solidFill>
+          <a:latin typeface="+mn-lt"/>
+          <a:ea typeface="+mn-ea"/>
+          <a:cs typeface="+mn-cs"/>
+        </a:defRPr>
+      </a:lvl2pPr>
+      <a:lvl3pPr marL="1143000" indent="-228600" algn="l" defTabSz="914400" rtl="0" eaLnBrk="1" latinLnBrk="1" hangingPunct="1">
+        <a:lnSpc>
+          <a:spcPct val="90000"/>
+        </a:lnSpc>
+        <a:spcBef>
+          <a:spcPts val="500"/>
+        </a:spcBef>
+        <a:buFont typeface="Arial" panose="020B0604020202020204" pitchFamily="34" charset="0"/>
+        <a:buChar char="•"/>
+        <a:defRPr sz="2000" kern="1200">
+          <a:solidFill>
+            <a:schemeClr val="tx1"/>
+          </a:solidFill>
+          <a:latin typeface="+mn-lt"/>
+          <a:ea typeface="+mn-ea"/>
+          <a:cs typeface="+mn-cs"/>
+        </a:defRPr>
+      </a:lvl3pPr>
+      <a:lvl4pPr marL="1600200" indent="-228600" algn="l" defTabSz="914400" rtl="0" eaLnBrk="1" latinLnBrk="1" hangingPunct="1">
+        <a:lnSpc>
+          <a:spcPct val="90000"/>
+        </a:lnSpc>
+        <a:spcBef>
+          <a:spcPts val="500"/>
+        </a:spcBef>
+        <a:buFont typeface="Arial" panose="020B0604020202020204" pitchFamily="34" charset="0"/>
+        <a:buChar char="•"/>
+        <a:defRPr sz="1800" kern="1200">
+          <a:solidFill>
+            <a:schemeClr val="tx1"/>
+          </a:solidFill>
+          <a:latin typeface="+mn-lt"/>
+          <a:ea typeface="+mn-ea"/>
+          <a:cs typeface="+mn-cs"/>
+        </a:defRPr>
+      </a:lvl4pPr>
+      <a:lvl5pPr marL="2057400" indent="-228600" algn="l" defTabSz="914400" rtl="0" eaLnBrk="1" latinLnBrk="1" hangingPunct="1">
+        <a:lnSpc>
+          <a:spcPct val="90000"/>
+        </a:lnSpc>
+        <a:spcBef>
+          <a:spcPts val="500"/>
+        </a:spcBef>
+        <a:buFont typeface="Arial" panose="020B0604020202020204" pitchFamily="34" charset="0"/>
+        <a:buChar char="•"/>
+        <a:defRPr sz="1800" kern="1200">
+          <a:solidFill>
+            <a:schemeClr val="tx1"/>
+          </a:solidFill>
+          <a:latin typeface="+mn-lt"/>
+          <a:ea typeface="+mn-ea"/>
+          <a:cs typeface="+mn-cs"/>
+        </a:defRPr>
+      </a:lvl5pPr>
+      <a:lvl6pPr marL="2514600" indent="-228600" algn="l" defTabSz="914400" rtl="0" eaLnBrk="1" latinLnBrk="1" hangingPunct="1">
+        <a:lnSpc>
+          <a:spcPct val="90000"/>
+        </a:lnSpc>
+        <a:spcBef>
+          <a:spcPts val="500"/>
+        </a:spcBef>
+        <a:buFont typeface="Arial" panose="020B0604020202020204" pitchFamily="34" charset="0"/>
+        <a:buChar char="•"/>
+        <a:defRPr sz="1800" kern="1200">
+          <a:solidFill>
+            <a:schemeClr val="tx1"/>
+          </a:solidFill>
+          <a:latin typeface="+mn-lt"/>
+          <a:ea typeface="+mn-ea"/>
+          <a:cs typeface="+mn-cs"/>
+        </a:defRPr>
+      </a:lvl6pPr>
+      <a:lvl7pPr marL="2971800" indent="-228600" algn="l" defTabSz="914400" rtl="0" eaLnBrk="1" latinLnBrk="1" hangingPunct="1">
+        <a:lnSpc>
+          <a:spcPct val="90000"/>
+        </a:lnSpc>
+        <a:spcBef>
+          <a:spcPts val="500"/>
+        </a:spcBef>
+        <a:buFont typeface="Arial" panose="020B0604020202020204" pitchFamily="34" charset="0"/>
+        <a:buChar char="•"/>
+        <a:defRPr sz="1800" kern="1200">
+          <a:solidFill>
+            <a:schemeClr val="tx1"/>
+          </a:solidFill>
+          <a:latin typeface="+mn-lt"/>
+          <a:ea typeface="+mn-ea"/>
+          <a:cs typeface="+mn-cs"/>
+        </a:defRPr>
+      </a:lvl7pPr>
+      <a:lvl8pPr marL="3429000" indent="-228600" algn="l" defTabSz="914400" rtl="0" eaLnBrk="1" latinLnBrk="1" hangingPunct="1">
+        <a:lnSpc>
+          <a:spcPct val="90000"/>
+        </a:lnSpc>
+        <a:spcBef>
+          <a:spcPts val="500"/>
+        </a:spcBef>
+        <a:buFont typeface="Arial" panose="020B0604020202020204" pitchFamily="34" charset="0"/>
+        <a:buChar char="•"/>
+        <a:defRPr sz="1800" kern="1200">
+          <a:solidFill>
+            <a:schemeClr val="tx1"/>
+          </a:solidFill>
+          <a:latin typeface="+mn-lt"/>
+          <a:ea typeface="+mn-ea"/>
+          <a:cs typeface="+mn-cs"/>
+        </a:defRPr>
+      </a:lvl8pPr>
+      <a:lvl9pPr marL="3886200" indent="-228600" algn="l" defTabSz="914400" rtl="0" eaLnBrk="1" latinLnBrk="1" hangingPunct="1">
+        <a:lnSpc>
+          <a:spcPct val="90000"/>
+        </a:lnSpc>
+        <a:spcBef>
+          <a:spcPts val="500"/>
+        </a:spcBef>
+        <a:buFont typeface="Arial" panose="020B0604020202020204" pitchFamily="34" charset="0"/>
+        <a:buChar char="•"/>
+        <a:defRPr sz="1800" kern="1200">
+          <a:solidFill>
+            <a:schemeClr val="tx1"/>
+          </a:solidFill>
+          <a:latin typeface="+mn-lt"/>
+          <a:ea typeface="+mn-ea"/>
+          <a:cs typeface="+mn-cs"/>
+        </a:defRPr>
+      </a:lvl9pPr>
+    </p:bodyStyle>
+    <p:otherStyle>
+      <a:defPPr>
+        <a:defRPr lang="ko-KR"/>
+      </a:defPPr>
+      <a:lvl1pPr marL="0" algn="l" defTabSz="914400" rtl="0" eaLnBrk="1" latinLnBrk="1" hangingPunct="1">
+        <a:defRPr sz="1800" kern="1200">
+          <a:solidFill>
+            <a:schemeClr val="tx1"/>
+          </a:solidFill>
+          <a:latin typeface="+mn-lt"/>
+          <a:ea typeface="+mn-ea"/>
+          <a:cs typeface="+mn-cs"/>
+        </a:defRPr>
+      </a:lvl1pPr>
+      <a:lvl2pPr marL="457200" algn="l" defTabSz="914400" rtl="0" eaLnBrk="1" latinLnBrk="1" hangingPunct="1">
+        <a:defRPr sz="1800" kern="1200">
+          <a:solidFill>
+            <a:schemeClr val="tx1"/>
+          </a:solidFill>
+          <a:latin typeface="+mn-lt"/>
+          <a:ea typeface="+mn-ea"/>
+          <a:cs typeface="+mn-cs"/>
+        </a:defRPr>
+      </a:lvl2pPr>
+      <a:lvl3pPr marL="914400" algn="l" defTabSz="914400" rtl="0" eaLnBrk="1" latinLnBrk="1" hangingPunct="1">
+        <a:defRPr sz="1800" kern="1200">
+          <a:solidFill>
+            <a:schemeClr val="tx1"/>
+          </a:solidFill>
+          <a:latin typeface="+mn-lt"/>
+          <a:ea typeface="+mn-ea"/>
+          <a:cs typeface="+mn-cs"/>
+        </a:defRPr>
+      </a:lvl3pPr>
+      <a:lvl4pPr marL="1371600" algn="l" defTabSz="914400" rtl="0" eaLnBrk="1" latinLnBrk="1" hangingPunct="1">
+        <a:defRPr sz="1800" kern="1200">
+          <a:solidFill>
+            <a:schemeClr val="tx1"/>
+          </a:solidFill>
+          <a:latin typeface="+mn-lt"/>
+          <a:ea typeface="+mn-ea"/>
+          <a:cs typeface="+mn-cs"/>
+        </a:defRPr>
+      </a:lvl4pPr>
+      <a:lvl5pPr marL="1828800" algn="l" defTabSz="914400" rtl="0" eaLnBrk="1" latinLnBrk="1" hangingPunct="1">
+        <a:defRPr sz="1800" kern="1200">
+          <a:solidFill>
+            <a:schemeClr val="tx1"/>
+          </a:solidFill>
+          <a:latin typeface="+mn-lt"/>
+          <a:ea typeface="+mn-ea"/>
+          <a:cs typeface="+mn-cs"/>
+        </a:defRPr>
+      </a:lvl5pPr>
+      <a:lvl6pPr marL="2286000" algn="l" defTabSz="914400" rtl="0" eaLnBrk="1" latinLnBrk="1" hangingPunct="1">
+        <a:defRPr sz="1800" kern="1200">
+          <a:solidFill>
+            <a:schemeClr val="tx1"/>
+          </a:solidFill>
+          <a:latin typeface="+mn-lt"/>
+          <a:ea typeface="+mn-ea"/>
+          <a:cs typeface="+mn-cs"/>
+        </a:defRPr>
+      </a:lvl6pPr>
+      <a:lvl7pPr marL="2743200" algn="l" defTabSz="914400" rtl="0" eaLnBrk="1" latinLnBrk="1" hangingPunct="1">
+        <a:defRPr sz="1800" kern="1200">
+          <a:solidFill>
+            <a:schemeClr val="tx1"/>
+          </a:solidFill>
+          <a:latin typeface="+mn-lt"/>
+          <a:ea typeface="+mn-ea"/>
+          <a:cs typeface="+mn-cs"/>
+        </a:defRPr>
+      </a:lvl7pPr>
+      <a:lvl8pPr marL="3200400" algn="l" defTabSz="914400" rtl="0" eaLnBrk="1" latinLnBrk="1" hangingPunct="1">
+        <a:defRPr sz="1800" kern="1200">
+          <a:solidFill>
+            <a:schemeClr val="tx1"/>
+          </a:solidFill>
+          <a:latin typeface="+mn-lt"/>
+          <a:ea typeface="+mn-ea"/>
+          <a:cs typeface="+mn-cs"/>
+        </a:defRPr>
+      </a:lvl8pPr>
+      <a:lvl9pPr marL="3657600" algn="l" defTabSz="914400" rtl="0" eaLnBrk="1" latinLnBrk="1" hangingPunct="1">
+        <a:defRPr sz="1800" kern="1200">
+          <a:solidFill>
+            <a:schemeClr val="tx1"/>
+          </a:solidFill>
+          <a:latin typeface="+mn-lt"/>
+          <a:ea typeface="+mn-ea"/>
+          <a:cs typeface="+mn-cs"/>
+        </a:defRPr>
+      </a:lvl9pPr>
+    </p:otherStyle>
+  </p:txStyles>
+</p:sldMaster>
+</file>
+
+<file path=ppt/slideMasters/slideMaster2.xml><?xml version="1.0" encoding="utf-8"?>
+<p:sldMaster xmlns:a="http://schemas.openxmlformats.org/drawingml/2006/main" xmlns:r="http://schemas.openxmlformats.org/officeDocument/2006/relationships" xmlns:p="http://schemas.openxmlformats.org/presentationml/2006/main">
+  <p:cSld>
+    <p:bg>
+      <p:bgRef idx="1001">
+        <a:schemeClr val="bg1"/>
+      </p:bgRef>
+    </p:bg>
+    <p:spTree>
+      <p:nvGrpSpPr>
+        <p:cNvPr id="1" name=""/>
+        <p:cNvGrpSpPr/>
+        <p:nvPr/>
+      </p:nvGrpSpPr>
+      <p:grpSpPr>
+        <a:xfrm>
+          <a:off x="0" y="0"/>
+          <a:ext cx="0" cy="0"/>
+          <a:chOff x="0" y="0"/>
+          <a:chExt cx="0" cy="0"/>
+        </a:xfrm>
+      </p:grpSpPr>
+      <p:sp>
+        <p:nvSpPr>
+          <p:cNvPr id="2" name="제목 개체 틀 1"/>
+          <p:cNvSpPr>
+            <a:spLocks noGrp="1"/>
+          </p:cNvSpPr>
+          <p:nvPr>
+            <p:ph type="title"/>
+          </p:nvPr>
+        </p:nvSpPr>
+        <p:spPr>
+          <a:xfrm>
+            <a:off x="838200" y="365125"/>
+            <a:ext cx="10515600" cy="1325563"/>
+          </a:xfrm>
+          <a:prstGeom prst="rect">
+            <a:avLst/>
+          </a:prstGeom>
+        </p:spPr>
+        <p:txBody>
+          <a:bodyPr vert="horz" lIns="91440" tIns="45720" rIns="91440" bIns="45720" rtlCol="0" anchor="ctr">
+            <a:normAutofit/>
+          </a:bodyPr>
+          <a:lstStyle/>
+          <a:p>
+            <a:r>
+              <a:rPr lang="ko-KR" altLang="en-US" smtClean="0"/>
+              <a:t>마스터 제목 스타일 편집</a:t>
+            </a:r>
+            <a:endParaRPr lang="ko-KR" altLang="en-US"/>
+          </a:p>
+        </p:txBody>
+      </p:sp>
+      <p:sp>
+        <p:nvSpPr>
+          <p:cNvPr id="3" name="텍스트 개체 틀 2"/>
+          <p:cNvSpPr>
+            <a:spLocks noGrp="1"/>
+          </p:cNvSpPr>
+          <p:nvPr>
+            <p:ph type="body" idx="1"/>
+          </p:nvPr>
+        </p:nvSpPr>
+        <p:spPr>
+          <a:xfrm>
+            <a:off x="838200" y="1825625"/>
+            <a:ext cx="10515600" cy="4351338"/>
+          </a:xfrm>
+          <a:prstGeom prst="rect">
+            <a:avLst/>
+          </a:prstGeom>
+        </p:spPr>
+        <p:txBody>
+          <a:bodyPr vert="horz" lIns="91440" tIns="45720" rIns="91440" bIns="45720" rtlCol="0">
+            <a:normAutofit/>
+          </a:bodyPr>
+          <a:lstStyle/>
+          <a:p>
+            <a:pPr lvl="0"/>
+            <a:r>
+              <a:rPr lang="ko-KR" altLang="en-US" smtClean="0"/>
+              <a:t>마스터 텍스트 스타일 편집</a:t>
+            </a:r>
+          </a:p>
+          <a:p>
+            <a:pPr lvl="1"/>
+            <a:r>
+              <a:rPr lang="ko-KR" altLang="en-US" smtClean="0"/>
+              <a:t>둘째 수준</a:t>
+            </a:r>
+          </a:p>
+          <a:p>
+            <a:pPr lvl="2"/>
+            <a:r>
+              <a:rPr lang="ko-KR" altLang="en-US" smtClean="0"/>
+              <a:t>셋째 수준</a:t>
+            </a:r>
+          </a:p>
+          <a:p>
+            <a:pPr lvl="3"/>
+            <a:r>
+              <a:rPr lang="ko-KR" altLang="en-US" smtClean="0"/>
+              <a:t>넷째 수준</a:t>
+            </a:r>
+          </a:p>
+          <a:p>
+            <a:pPr lvl="4"/>
+            <a:r>
+              <a:rPr lang="ko-KR" altLang="en-US" smtClean="0"/>
+              <a:t>다섯째 수준</a:t>
+            </a:r>
+            <a:endParaRPr lang="ko-KR" altLang="en-US"/>
+          </a:p>
+        </p:txBody>
+      </p:sp>
+      <p:sp>
+        <p:nvSpPr>
+          <p:cNvPr id="4" name="날짜 개체 틀 3"/>
+          <p:cNvSpPr>
+            <a:spLocks noGrp="1"/>
+          </p:cNvSpPr>
+          <p:nvPr>
+            <p:ph type="dt" sz="half" idx="2"/>
+          </p:nvPr>
+        </p:nvSpPr>
+        <p:spPr>
+          <a:xfrm>
+            <a:off x="838200" y="6356350"/>
+            <a:ext cx="2743200" cy="365125"/>
+          </a:xfrm>
+          <a:prstGeom prst="rect">
+            <a:avLst/>
+          </a:prstGeom>
+        </p:spPr>
+        <p:txBody>
+          <a:bodyPr vert="horz" lIns="91440" tIns="45720" rIns="91440" bIns="45720" rtlCol="0" anchor="ctr"/>
+          <a:lstStyle>
+            <a:lvl1pPr algn="l">
+              <a:defRPr sz="1200">
+                <a:solidFill>
+                  <a:schemeClr val="tx1">
+                    <a:tint val="75000"/>
+                  </a:schemeClr>
+                </a:solidFill>
+              </a:defRPr>
+            </a:lvl1pPr>
+          </a:lstStyle>
+          <a:p>
+            <a:fld id="{C9088C61-D230-4CA2-9700-815054BE693D}" type="datetimeFigureOut">
+              <a:rPr lang="ko-KR" altLang="en-US" smtClean="0">
+                <a:solidFill>
+                  <a:prstClr val="black">
+                    <a:tint val="75000"/>
+                  </a:prstClr>
+                </a:solidFill>
+              </a:rPr>
+              <a:pPr/>
+              <a:t>2018-09-10</a:t>
+            </a:fld>
+            <a:endParaRPr lang="ko-KR" altLang="en-US">
+              <a:solidFill>
+                <a:prstClr val="black">
+                  <a:tint val="75000"/>
+                </a:prstClr>
+              </a:solidFill>
+            </a:endParaRPr>
+          </a:p>
+        </p:txBody>
+      </p:sp>
+      <p:sp>
+        <p:nvSpPr>
+          <p:cNvPr id="5" name="바닥글 개체 틀 4"/>
+          <p:cNvSpPr>
+            <a:spLocks noGrp="1"/>
+          </p:cNvSpPr>
+          <p:nvPr>
+            <p:ph type="ftr" sz="quarter" idx="3"/>
+          </p:nvPr>
+        </p:nvSpPr>
+        <p:spPr>
+          <a:xfrm>
+            <a:off x="4038600" y="6356350"/>
+            <a:ext cx="4114800" cy="365125"/>
+          </a:xfrm>
+          <a:prstGeom prst="rect">
+            <a:avLst/>
+          </a:prstGeom>
+        </p:spPr>
+        <p:txBody>
+          <a:bodyPr vert="horz" lIns="91440" tIns="45720" rIns="91440" bIns="45720" rtlCol="0" anchor="ctr"/>
+          <a:lstStyle>
+            <a:lvl1pPr algn="ctr">
+              <a:defRPr sz="1200">
+                <a:solidFill>
+                  <a:schemeClr val="tx1">
+                    <a:tint val="75000"/>
+                  </a:schemeClr>
+                </a:solidFill>
+              </a:defRPr>
+            </a:lvl1pPr>
+          </a:lstStyle>
+          <a:p>
+            <a:endParaRPr lang="ko-KR" altLang="en-US">
+              <a:solidFill>
+                <a:prstClr val="black">
+                  <a:tint val="75000"/>
+                </a:prstClr>
+              </a:solidFill>
+            </a:endParaRPr>
+          </a:p>
+        </p:txBody>
+      </p:sp>
+      <p:sp>
+        <p:nvSpPr>
+          <p:cNvPr id="6" name="슬라이드 번호 개체 틀 5"/>
+          <p:cNvSpPr>
+            <a:spLocks noGrp="1"/>
+          </p:cNvSpPr>
+          <p:nvPr>
+            <p:ph type="sldNum" sz="quarter" idx="4"/>
+          </p:nvPr>
+        </p:nvSpPr>
+        <p:spPr>
+          <a:xfrm>
+            <a:off x="8610600" y="6356350"/>
+            <a:ext cx="2743200" cy="365125"/>
+          </a:xfrm>
+          <a:prstGeom prst="rect">
+            <a:avLst/>
+          </a:prstGeom>
+        </p:spPr>
+        <p:txBody>
+          <a:bodyPr vert="horz" lIns="91440" tIns="45720" rIns="91440" bIns="45720" rtlCol="0" anchor="ctr"/>
+          <a:lstStyle>
+            <a:lvl1pPr algn="r">
+              <a:defRPr sz="1200">
+                <a:solidFill>
+                  <a:schemeClr val="tx1">
+                    <a:tint val="75000"/>
+                  </a:schemeClr>
+                </a:solidFill>
+              </a:defRPr>
+            </a:lvl1pPr>
+          </a:lstStyle>
+          <a:p>
+            <a:fld id="{36727667-1D7C-46B7-924F-14C3387D69A2}" type="slidenum">
+              <a:rPr lang="ko-KR" altLang="en-US" smtClean="0">
+                <a:solidFill>
+                  <a:prstClr val="black">
+                    <a:tint val="75000"/>
+                  </a:prstClr>
+                </a:solidFill>
+              </a:rPr>
+              <a:pPr/>
+              <a:t>‹#›</a:t>
+            </a:fld>
+            <a:endParaRPr lang="ko-KR" altLang="en-US">
+              <a:solidFill>
+                <a:prstClr val="black">
+                  <a:tint val="75000"/>
+                </a:prstClr>
+              </a:solidFill>
+            </a:endParaRPr>
+          </a:p>
+        </p:txBody>
+      </p:sp>
+    </p:spTree>
+    <p:extLst>
+      <p:ext uri="{BB962C8B-B14F-4D97-AF65-F5344CB8AC3E}">
+        <p14:creationId xmlns:p14="http://schemas.microsoft.com/office/powerpoint/2010/main" val="134305428"/>
+      </p:ext>
+    </p:extLst>
+  </p:cSld>
+  <p:clrMap bg1="lt1" tx1="dk1" bg2="lt2" tx2="dk2" accent1="accent1" accent2="accent2" accent3="accent3" accent4="accent4" accent5="accent5" accent6="accent6" hlink="hlink" folHlink="folHlink"/>
+  <p:sldLayoutIdLst>
+    <p:sldLayoutId id="2147483661" r:id="rId1"/>
+    <p:sldLayoutId id="2147483662" r:id="rId2"/>
+    <p:sldLayoutId id="2147483663" r:id="rId3"/>
+    <p:sldLayoutId id="2147483664" r:id="rId4"/>
+    <p:sldLayoutId id="2147483665" r:id="rId5"/>
+    <p:sldLayoutId id="2147483666" r:id="rId6"/>
+    <p:sldLayoutId id="2147483667" r:id="rId7"/>
+    <p:sldLayoutId id="2147483668" r:id="rId8"/>
+    <p:sldLayoutId id="2147483669" r:id="rId9"/>
+    <p:sldLayoutId id="2147483670" r:id="rId10"/>
+    <p:sldLayoutId id="2147483671" r:id="rId11"/>
   </p:sldLayoutIdLst>
   <p:txStyles>
     <p:titleStyle>
@@ -3897,6 +7123,121 @@
 </p:sld>
 </file>
 
+<file path=ppt/slides/slide9.xml><?xml version="1.0" encoding="utf-8"?>
+<p:sld xmlns:a="http://schemas.openxmlformats.org/drawingml/2006/main" xmlns:r="http://schemas.openxmlformats.org/officeDocument/2006/relationships" xmlns:p="http://schemas.openxmlformats.org/presentationml/2006/main">
+  <p:cSld>
+    <p:bg>
+      <p:bgPr>
+        <a:solidFill>
+          <a:schemeClr val="tx1">
+            <a:lumMod val="75000"/>
+            <a:lumOff val="25000"/>
+          </a:schemeClr>
+        </a:solidFill>
+        <a:effectLst/>
+      </p:bgPr>
+    </p:bg>
+    <p:spTree>
+      <p:nvGrpSpPr>
+        <p:cNvPr id="1" name=""/>
+        <p:cNvGrpSpPr/>
+        <p:nvPr/>
+      </p:nvGrpSpPr>
+      <p:grpSpPr>
+        <a:xfrm>
+          <a:off x="0" y="0"/>
+          <a:ext cx="0" cy="0"/>
+          <a:chOff x="0" y="0"/>
+          <a:chExt cx="0" cy="0"/>
+        </a:xfrm>
+      </p:grpSpPr>
+      <p:sp>
+        <p:nvSpPr>
+          <p:cNvPr id="2" name="제목 1"/>
+          <p:cNvSpPr>
+            <a:spLocks noGrp="1"/>
+          </p:cNvSpPr>
+          <p:nvPr>
+            <p:ph type="ctrTitle"/>
+          </p:nvPr>
+        </p:nvSpPr>
+        <p:spPr>
+          <a:xfrm>
+            <a:off x="1524000" y="1122362"/>
+            <a:ext cx="9144000" cy="3626919"/>
+          </a:xfrm>
+        </p:spPr>
+        <p:txBody>
+          <a:bodyPr>
+            <a:normAutofit/>
+          </a:bodyPr>
+          <a:lstStyle/>
+          <a:p>
+            <a:r>
+              <a:rPr lang="en-US" altLang="ko-KR" sz="7200" dirty="0" smtClean="0">
+                <a:solidFill>
+                  <a:schemeClr val="bg1"/>
+                </a:solidFill>
+                <a:latin typeface="Comic Sans MS" panose="030F0702030302020204" pitchFamily="66" charset="0"/>
+              </a:rPr>
+              <a:t>Loops</a:t>
+            </a:r>
+            <a:br>
+              <a:rPr lang="en-US" altLang="ko-KR" sz="7200" dirty="0" smtClean="0">
+                <a:solidFill>
+                  <a:schemeClr val="bg1"/>
+                </a:solidFill>
+                <a:latin typeface="Comic Sans MS" panose="030F0702030302020204" pitchFamily="66" charset="0"/>
+              </a:rPr>
+            </a:br>
+            <a:r>
+              <a:rPr lang="en-US" altLang="ko-KR" sz="7200" dirty="0">
+                <a:solidFill>
+                  <a:schemeClr val="bg1"/>
+                </a:solidFill>
+                <a:latin typeface="Comic Sans MS" panose="030F0702030302020204" pitchFamily="66" charset="0"/>
+              </a:rPr>
+              <a:t/>
+            </a:r>
+            <a:br>
+              <a:rPr lang="en-US" altLang="ko-KR" sz="7200" dirty="0">
+                <a:solidFill>
+                  <a:schemeClr val="bg1"/>
+                </a:solidFill>
+                <a:latin typeface="Comic Sans MS" panose="030F0702030302020204" pitchFamily="66" charset="0"/>
+              </a:rPr>
+            </a:br>
+            <a:r>
+              <a:rPr lang="en-US" altLang="ko-KR" sz="7200" dirty="0" smtClean="0">
+                <a:solidFill>
+                  <a:schemeClr val="bg1"/>
+                </a:solidFill>
+                <a:latin typeface="Comic Sans MS" panose="030F0702030302020204" pitchFamily="66" charset="0"/>
+              </a:rPr>
+              <a:t>while</a:t>
+            </a:r>
+            <a:endParaRPr lang="ko-KR" altLang="en-US" sz="7200" dirty="0">
+              <a:solidFill>
+                <a:schemeClr val="bg1"/>
+              </a:solidFill>
+              <a:latin typeface="Comic Sans MS" panose="030F0702030302020204" pitchFamily="66" charset="0"/>
+            </a:endParaRPr>
+          </a:p>
+        </p:txBody>
+      </p:sp>
+    </p:spTree>
+    <p:extLst>
+      <p:ext uri="{BB962C8B-B14F-4D97-AF65-F5344CB8AC3E}">
+        <p14:creationId xmlns:p14="http://schemas.microsoft.com/office/powerpoint/2010/main" val="2138700894"/>
+      </p:ext>
+    </p:extLst>
+  </p:cSld>
+  <p:clrMapOvr>
+    <a:masterClrMapping/>
+  </p:clrMapOvr>
+</p:sld>
+</file>
+
 <file path=ppt/theme/theme1.xml><?xml version="1.0" encoding="utf-8"?>
 <a:theme xmlns:a="http://schemas.openxmlformats.org/drawingml/2006/main" name="Office 테마">
   <a:themeElements>
@@ -3940,7 +7281,7 @@
     </a:clrScheme>
     <a:fontScheme name="Office">
       <a:majorFont>
-        <a:latin typeface="맑은 고딕" panose="020F0302020204030204"/>
+        <a:latin typeface="맑은 고딕"/>
         <a:ea typeface=""/>
         <a:cs typeface=""/>
         <a:font script="Jpan" typeface="游ゴシック Light"/>
@@ -3975,7 +7316,7 @@
         <a:font script="Geor" typeface="Sylfaen"/>
       </a:majorFont>
       <a:minorFont>
-        <a:latin typeface="맑은 고딕" panose="020F0502020204030204"/>
+        <a:latin typeface="맑은 고딕"/>
         <a:ea typeface=""/>
         <a:cs typeface=""/>
         <a:font script="Jpan" typeface="游ゴシック"/>
@@ -4152,7 +7493,268 @@
   <a:extraClrSchemeLst/>
   <a:extLst>
     <a:ext uri="{05A4C25C-085E-4340-85A3-A5531E510DB2}">
-      <thm15:themeFamily xmlns:thm15="http://schemas.microsoft.com/office/thememl/2012/main" name="Office Theme" id="{62F939B6-93AF-4DB8-9C6B-D6C7DFDC589F}" vid="{4A3C46E8-61CC-4603-A589-7422A47A8E4A}"/>
+      <thm15:themeFamily xmlns:thm15="http://schemas.microsoft.com/office/thememl/2012/main" xmlns="" name="Office Theme" id="{62F939B6-93AF-4DB8-9C6B-D6C7DFDC589F}" vid="{4A3C46E8-61CC-4603-A589-7422A47A8E4A}"/>
+    </a:ext>
+  </a:extLst>
+</a:theme>
+</file>
+
+<file path=ppt/theme/theme2.xml><?xml version="1.0" encoding="utf-8"?>
+<a:theme xmlns:a="http://schemas.openxmlformats.org/drawingml/2006/main" name="1_Office 테마">
+  <a:themeElements>
+    <a:clrScheme name="Office">
+      <a:dk1>
+        <a:sysClr val="windowText" lastClr="000000"/>
+      </a:dk1>
+      <a:lt1>
+        <a:sysClr val="window" lastClr="FFFFFF"/>
+      </a:lt1>
+      <a:dk2>
+        <a:srgbClr val="44546A"/>
+      </a:dk2>
+      <a:lt2>
+        <a:srgbClr val="E7E6E6"/>
+      </a:lt2>
+      <a:accent1>
+        <a:srgbClr val="5B9BD5"/>
+      </a:accent1>
+      <a:accent2>
+        <a:srgbClr val="ED7D31"/>
+      </a:accent2>
+      <a:accent3>
+        <a:srgbClr val="A5A5A5"/>
+      </a:accent3>
+      <a:accent4>
+        <a:srgbClr val="FFC000"/>
+      </a:accent4>
+      <a:accent5>
+        <a:srgbClr val="4472C4"/>
+      </a:accent5>
+      <a:accent6>
+        <a:srgbClr val="70AD47"/>
+      </a:accent6>
+      <a:hlink>
+        <a:srgbClr val="0563C1"/>
+      </a:hlink>
+      <a:folHlink>
+        <a:srgbClr val="954F72"/>
+      </a:folHlink>
+    </a:clrScheme>
+    <a:fontScheme name="Office">
+      <a:majorFont>
+        <a:latin typeface="맑은 고딕"/>
+        <a:ea typeface=""/>
+        <a:cs typeface=""/>
+        <a:font script="Jpan" typeface="游ゴシック Light"/>
+        <a:font script="Hang" typeface="맑은 고딕"/>
+        <a:font script="Hans" typeface="等线 Light"/>
+        <a:font script="Hant" typeface="新細明體"/>
+        <a:font script="Arab" typeface="Times New Roman"/>
+        <a:font script="Hebr" typeface="Times New Roman"/>
+        <a:font script="Thai" typeface="Angsana New"/>
+        <a:font script="Ethi" typeface="Nyala"/>
+        <a:font script="Beng" typeface="Vrinda"/>
+        <a:font script="Gujr" typeface="Shruti"/>
+        <a:font script="Khmr" typeface="MoolBoran"/>
+        <a:font script="Knda" typeface="Tunga"/>
+        <a:font script="Guru" typeface="Raavi"/>
+        <a:font script="Cans" typeface="Euphemia"/>
+        <a:font script="Cher" typeface="Plantagenet Cherokee"/>
+        <a:font script="Yiii" typeface="Microsoft Yi Baiti"/>
+        <a:font script="Tibt" typeface="Microsoft Himalaya"/>
+        <a:font script="Thaa" typeface="MV Boli"/>
+        <a:font script="Deva" typeface="Mangal"/>
+        <a:font script="Telu" typeface="Gautami"/>
+        <a:font script="Taml" typeface="Latha"/>
+        <a:font script="Syrc" typeface="Estrangelo Edessa"/>
+        <a:font script="Orya" typeface="Kalinga"/>
+        <a:font script="Mlym" typeface="Kartika"/>
+        <a:font script="Laoo" typeface="DokChampa"/>
+        <a:font script="Sinh" typeface="Iskoola Pota"/>
+        <a:font script="Mong" typeface="Mongolian Baiti"/>
+        <a:font script="Viet" typeface="Times New Roman"/>
+        <a:font script="Uigh" typeface="Microsoft Uighur"/>
+        <a:font script="Geor" typeface="Sylfaen"/>
+      </a:majorFont>
+      <a:minorFont>
+        <a:latin typeface="맑은 고딕"/>
+        <a:ea typeface=""/>
+        <a:cs typeface=""/>
+        <a:font script="Jpan" typeface="游ゴシック"/>
+        <a:font script="Hang" typeface="맑은 고딕"/>
+        <a:font script="Hans" typeface="等线"/>
+        <a:font script="Hant" typeface="新細明體"/>
+        <a:font script="Arab" typeface="Arial"/>
+        <a:font script="Hebr" typeface="Arial"/>
+        <a:font script="Thai" typeface="Cordia New"/>
+        <a:font script="Ethi" typeface="Nyala"/>
+        <a:font script="Beng" typeface="Vrinda"/>
+        <a:font script="Gujr" typeface="Shruti"/>
+        <a:font script="Khmr" typeface="DaunPenh"/>
+        <a:font script="Knda" typeface="Tunga"/>
+        <a:font script="Guru" typeface="Raavi"/>
+        <a:font script="Cans" typeface="Euphemia"/>
+        <a:font script="Cher" typeface="Plantagenet Cherokee"/>
+        <a:font script="Yiii" typeface="Microsoft Yi Baiti"/>
+        <a:font script="Tibt" typeface="Microsoft Himalaya"/>
+        <a:font script="Thaa" typeface="MV Boli"/>
+        <a:font script="Deva" typeface="Mangal"/>
+        <a:font script="Telu" typeface="Gautami"/>
+        <a:font script="Taml" typeface="Latha"/>
+        <a:font script="Syrc" typeface="Estrangelo Edessa"/>
+        <a:font script="Orya" typeface="Kalinga"/>
+        <a:font script="Mlym" typeface="Kartika"/>
+        <a:font script="Laoo" typeface="DokChampa"/>
+        <a:font script="Sinh" typeface="Iskoola Pota"/>
+        <a:font script="Mong" typeface="Mongolian Baiti"/>
+        <a:font script="Viet" typeface="Arial"/>
+        <a:font script="Uigh" typeface="Microsoft Uighur"/>
+        <a:font script="Geor" typeface="Sylfaen"/>
+      </a:minorFont>
+    </a:fontScheme>
+    <a:fmtScheme name="Office">
+      <a:fillStyleLst>
+        <a:solidFill>
+          <a:schemeClr val="phClr"/>
+        </a:solidFill>
+        <a:gradFill rotWithShape="1">
+          <a:gsLst>
+            <a:gs pos="0">
+              <a:schemeClr val="phClr">
+                <a:lumMod val="110000"/>
+                <a:satMod val="105000"/>
+                <a:tint val="67000"/>
+              </a:schemeClr>
+            </a:gs>
+            <a:gs pos="50000">
+              <a:schemeClr val="phClr">
+                <a:lumMod val="105000"/>
+                <a:satMod val="103000"/>
+                <a:tint val="73000"/>
+              </a:schemeClr>
+            </a:gs>
+            <a:gs pos="100000">
+              <a:schemeClr val="phClr">
+                <a:lumMod val="105000"/>
+                <a:satMod val="109000"/>
+                <a:tint val="81000"/>
+              </a:schemeClr>
+            </a:gs>
+          </a:gsLst>
+          <a:lin ang="5400000" scaled="0"/>
+        </a:gradFill>
+        <a:gradFill rotWithShape="1">
+          <a:gsLst>
+            <a:gs pos="0">
+              <a:schemeClr val="phClr">
+                <a:satMod val="103000"/>
+                <a:lumMod val="102000"/>
+                <a:tint val="94000"/>
+              </a:schemeClr>
+            </a:gs>
+            <a:gs pos="50000">
+              <a:schemeClr val="phClr">
+                <a:satMod val="110000"/>
+                <a:lumMod val="100000"/>
+                <a:shade val="100000"/>
+              </a:schemeClr>
+            </a:gs>
+            <a:gs pos="100000">
+              <a:schemeClr val="phClr">
+                <a:lumMod val="99000"/>
+                <a:satMod val="120000"/>
+                <a:shade val="78000"/>
+              </a:schemeClr>
+            </a:gs>
+          </a:gsLst>
+          <a:lin ang="5400000" scaled="0"/>
+        </a:gradFill>
+      </a:fillStyleLst>
+      <a:lnStyleLst>
+        <a:ln w="6350" cap="flat" cmpd="sng" algn="ctr">
+          <a:solidFill>
+            <a:schemeClr val="phClr"/>
+          </a:solidFill>
+          <a:prstDash val="solid"/>
+          <a:miter lim="800000"/>
+        </a:ln>
+        <a:ln w="12700" cap="flat" cmpd="sng" algn="ctr">
+          <a:solidFill>
+            <a:schemeClr val="phClr"/>
+          </a:solidFill>
+          <a:prstDash val="solid"/>
+          <a:miter lim="800000"/>
+        </a:ln>
+        <a:ln w="19050" cap="flat" cmpd="sng" algn="ctr">
+          <a:solidFill>
+            <a:schemeClr val="phClr"/>
+          </a:solidFill>
+          <a:prstDash val="solid"/>
+          <a:miter lim="800000"/>
+        </a:ln>
+      </a:lnStyleLst>
+      <a:effectStyleLst>
+        <a:effectStyle>
+          <a:effectLst/>
+        </a:effectStyle>
+        <a:effectStyle>
+          <a:effectLst/>
+        </a:effectStyle>
+        <a:effectStyle>
+          <a:effectLst>
+            <a:outerShdw blurRad="57150" dist="19050" dir="5400000" algn="ctr" rotWithShape="0">
+              <a:srgbClr val="000000">
+                <a:alpha val="63000"/>
+              </a:srgbClr>
+            </a:outerShdw>
+          </a:effectLst>
+        </a:effectStyle>
+      </a:effectStyleLst>
+      <a:bgFillStyleLst>
+        <a:solidFill>
+          <a:schemeClr val="phClr"/>
+        </a:solidFill>
+        <a:solidFill>
+          <a:schemeClr val="phClr">
+            <a:tint val="95000"/>
+            <a:satMod val="170000"/>
+          </a:schemeClr>
+        </a:solidFill>
+        <a:gradFill rotWithShape="1">
+          <a:gsLst>
+            <a:gs pos="0">
+              <a:schemeClr val="phClr">
+                <a:tint val="93000"/>
+                <a:satMod val="150000"/>
+                <a:shade val="98000"/>
+                <a:lumMod val="102000"/>
+              </a:schemeClr>
+            </a:gs>
+            <a:gs pos="50000">
+              <a:schemeClr val="phClr">
+                <a:tint val="98000"/>
+                <a:satMod val="130000"/>
+                <a:shade val="90000"/>
+                <a:lumMod val="103000"/>
+              </a:schemeClr>
+            </a:gs>
+            <a:gs pos="100000">
+              <a:schemeClr val="phClr">
+                <a:shade val="63000"/>
+                <a:satMod val="120000"/>
+              </a:schemeClr>
+            </a:gs>
+          </a:gsLst>
+          <a:lin ang="5400000" scaled="0"/>
+        </a:gradFill>
+      </a:bgFillStyleLst>
+    </a:fmtScheme>
+  </a:themeElements>
+  <a:objectDefaults/>
+  <a:extraClrSchemeLst/>
+  <a:extLst>
+    <a:ext uri="{05A4C25C-085E-4340-85A3-A5531E510DB2}">
+      <thm15:themeFamily xmlns:thm15="http://schemas.microsoft.com/office/thememl/2012/main" xmlns="" name="Office Theme" id="{62F939B6-93AF-4DB8-9C6B-D6C7DFDC589F}" vid="{4A3C46E8-61CC-4603-A589-7422A47A8E4A}"/>
     </a:ext>
   </a:extLst>
 </a:theme>

--- a/PPT_IMAGE/blog.pptx
+++ b/PPT_IMAGE/blog.pptx
@@ -15,6 +15,7 @@
     <p:sldId id="264" r:id="rId9"/>
     <p:sldId id="265" r:id="rId10"/>
     <p:sldId id="266" r:id="rId11"/>
+    <p:sldId id="267" r:id="rId12"/>
   </p:sldIdLst>
   <p:sldSz cx="12192000" cy="6858000"/>
   <p:notesSz cx="6858000" cy="9144000"/>
@@ -115,7 +116,7 @@
   </p:defaultTextStyle>
   <p:extLst>
     <p:ext uri="{EFAFB233-063F-42B5-8137-9DF3F51BA10A}">
-      <p15:sldGuideLst xmlns:p15="http://schemas.microsoft.com/office/powerpoint/2012/main" xmlns=""/>
+      <p15:sldGuideLst xmlns="" xmlns:p15="http://schemas.microsoft.com/office/powerpoint/2012/main"/>
     </p:ext>
   </p:extLst>
 </p:presentation>
@@ -252,7 +253,7 @@
           <a:p>
             <a:fld id="{C9088C61-D230-4CA2-9700-815054BE693D}" type="datetimeFigureOut">
               <a:rPr lang="ko-KR" altLang="en-US" smtClean="0"/>
-              <a:t>2018-09-10</a:t>
+              <a:t>2018-09-19</a:t>
             </a:fld>
             <a:endParaRPr lang="ko-KR" altLang="en-US"/>
           </a:p>
@@ -422,7 +423,7 @@
           <a:p>
             <a:fld id="{C9088C61-D230-4CA2-9700-815054BE693D}" type="datetimeFigureOut">
               <a:rPr lang="ko-KR" altLang="en-US" smtClean="0"/>
-              <a:t>2018-09-10</a:t>
+              <a:t>2018-09-19</a:t>
             </a:fld>
             <a:endParaRPr lang="ko-KR" altLang="en-US"/>
           </a:p>
@@ -602,7 +603,7 @@
           <a:p>
             <a:fld id="{C9088C61-D230-4CA2-9700-815054BE693D}" type="datetimeFigureOut">
               <a:rPr lang="ko-KR" altLang="en-US" smtClean="0"/>
-              <a:t>2018-09-10</a:t>
+              <a:t>2018-09-19</a:t>
             </a:fld>
             <a:endParaRPr lang="ko-KR" altLang="en-US"/>
           </a:p>
@@ -801,7 +802,7 @@
                 </a:solidFill>
               </a:rPr>
               <a:pPr/>
-              <a:t>2018-09-10</a:t>
+              <a:t>2018-09-19</a:t>
             </a:fld>
             <a:endParaRPr lang="ko-KR" altLang="en-US">
               <a:solidFill>
@@ -1003,7 +1004,7 @@
                 </a:solidFill>
               </a:rPr>
               <a:pPr/>
-              <a:t>2018-09-10</a:t>
+              <a:t>2018-09-19</a:t>
             </a:fld>
             <a:endParaRPr lang="ko-KR" altLang="en-US">
               <a:solidFill>
@@ -1281,7 +1282,7 @@
                 </a:solidFill>
               </a:rPr>
               <a:pPr/>
-              <a:t>2018-09-10</a:t>
+              <a:t>2018-09-19</a:t>
             </a:fld>
             <a:endParaRPr lang="ko-KR" altLang="en-US">
               <a:solidFill>
@@ -1545,7 +1546,7 @@
                 </a:solidFill>
               </a:rPr>
               <a:pPr/>
-              <a:t>2018-09-10</a:t>
+              <a:t>2018-09-19</a:t>
             </a:fld>
             <a:endParaRPr lang="ko-KR" altLang="en-US">
               <a:solidFill>
@@ -1944,7 +1945,7 @@
                 </a:solidFill>
               </a:rPr>
               <a:pPr/>
-              <a:t>2018-09-10</a:t>
+              <a:t>2018-09-19</a:t>
             </a:fld>
             <a:endParaRPr lang="ko-KR" altLang="en-US">
               <a:solidFill>
@@ -2094,7 +2095,7 @@
                 </a:solidFill>
               </a:rPr>
               <a:pPr/>
-              <a:t>2018-09-10</a:t>
+              <a:t>2018-09-19</a:t>
             </a:fld>
             <a:endParaRPr lang="ko-KR" altLang="en-US">
               <a:solidFill>
@@ -2221,7 +2222,7 @@
                 </a:solidFill>
               </a:rPr>
               <a:pPr/>
-              <a:t>2018-09-10</a:t>
+              <a:t>2018-09-19</a:t>
             </a:fld>
             <a:endParaRPr lang="ko-KR" altLang="en-US">
               <a:solidFill>
@@ -2530,7 +2531,7 @@
                 </a:solidFill>
               </a:rPr>
               <a:pPr/>
-              <a:t>2018-09-10</a:t>
+              <a:t>2018-09-19</a:t>
             </a:fld>
             <a:endParaRPr lang="ko-KR" altLang="en-US">
               <a:solidFill>
@@ -2725,7 +2726,7 @@
           <a:p>
             <a:fld id="{C9088C61-D230-4CA2-9700-815054BE693D}" type="datetimeFigureOut">
               <a:rPr lang="ko-KR" altLang="en-US" smtClean="0"/>
-              <a:t>2018-09-10</a:t>
+              <a:t>2018-09-19</a:t>
             </a:fld>
             <a:endParaRPr lang="ko-KR" altLang="en-US"/>
           </a:p>
@@ -2985,7 +2986,7 @@
                 </a:solidFill>
               </a:rPr>
               <a:pPr/>
-              <a:t>2018-09-10</a:t>
+              <a:t>2018-09-19</a:t>
             </a:fld>
             <a:endParaRPr lang="ko-KR" altLang="en-US">
               <a:solidFill>
@@ -3187,7 +3188,7 @@
                 </a:solidFill>
               </a:rPr>
               <a:pPr/>
-              <a:t>2018-09-10</a:t>
+              <a:t>2018-09-19</a:t>
             </a:fld>
             <a:endParaRPr lang="ko-KR" altLang="en-US">
               <a:solidFill>
@@ -3399,7 +3400,7 @@
                 </a:solidFill>
               </a:rPr>
               <a:pPr/>
-              <a:t>2018-09-10</a:t>
+              <a:t>2018-09-19</a:t>
             </a:fld>
             <a:endParaRPr lang="ko-KR" altLang="en-US">
               <a:solidFill>
@@ -3670,7 +3671,7 @@
           <a:p>
             <a:fld id="{C9088C61-D230-4CA2-9700-815054BE693D}" type="datetimeFigureOut">
               <a:rPr lang="ko-KR" altLang="en-US" smtClean="0"/>
-              <a:t>2018-09-10</a:t>
+              <a:t>2018-09-19</a:t>
             </a:fld>
             <a:endParaRPr lang="ko-KR" altLang="en-US"/>
           </a:p>
@@ -3902,7 +3903,7 @@
           <a:p>
             <a:fld id="{C9088C61-D230-4CA2-9700-815054BE693D}" type="datetimeFigureOut">
               <a:rPr lang="ko-KR" altLang="en-US" smtClean="0"/>
-              <a:t>2018-09-10</a:t>
+              <a:t>2018-09-19</a:t>
             </a:fld>
             <a:endParaRPr lang="ko-KR" altLang="en-US"/>
           </a:p>
@@ -4269,7 +4270,7 @@
           <a:p>
             <a:fld id="{C9088C61-D230-4CA2-9700-815054BE693D}" type="datetimeFigureOut">
               <a:rPr lang="ko-KR" altLang="en-US" smtClean="0"/>
-              <a:t>2018-09-10</a:t>
+              <a:t>2018-09-19</a:t>
             </a:fld>
             <a:endParaRPr lang="ko-KR" altLang="en-US"/>
           </a:p>
@@ -4387,7 +4388,7 @@
           <a:p>
             <a:fld id="{C9088C61-D230-4CA2-9700-815054BE693D}" type="datetimeFigureOut">
               <a:rPr lang="ko-KR" altLang="en-US" smtClean="0"/>
-              <a:t>2018-09-10</a:t>
+              <a:t>2018-09-19</a:t>
             </a:fld>
             <a:endParaRPr lang="ko-KR" altLang="en-US"/>
           </a:p>
@@ -4482,7 +4483,7 @@
           <a:p>
             <a:fld id="{C9088C61-D230-4CA2-9700-815054BE693D}" type="datetimeFigureOut">
               <a:rPr lang="ko-KR" altLang="en-US" smtClean="0"/>
-              <a:t>2018-09-10</a:t>
+              <a:t>2018-09-19</a:t>
             </a:fld>
             <a:endParaRPr lang="ko-KR" altLang="en-US"/>
           </a:p>
@@ -4759,7 +4760,7 @@
           <a:p>
             <a:fld id="{C9088C61-D230-4CA2-9700-815054BE693D}" type="datetimeFigureOut">
               <a:rPr lang="ko-KR" altLang="en-US" smtClean="0"/>
-              <a:t>2018-09-10</a:t>
+              <a:t>2018-09-19</a:t>
             </a:fld>
             <a:endParaRPr lang="ko-KR" altLang="en-US"/>
           </a:p>
@@ -5012,7 +5013,7 @@
           <a:p>
             <a:fld id="{C9088C61-D230-4CA2-9700-815054BE693D}" type="datetimeFigureOut">
               <a:rPr lang="ko-KR" altLang="en-US" smtClean="0"/>
-              <a:t>2018-09-10</a:t>
+              <a:t>2018-09-19</a:t>
             </a:fld>
             <a:endParaRPr lang="ko-KR" altLang="en-US"/>
           </a:p>
@@ -5225,7 +5226,7 @@
           <a:p>
             <a:fld id="{C9088C61-D230-4CA2-9700-815054BE693D}" type="datetimeFigureOut">
               <a:rPr lang="ko-KR" altLang="en-US" smtClean="0"/>
-              <a:t>2018-09-10</a:t>
+              <a:t>2018-09-19</a:t>
             </a:fld>
             <a:endParaRPr lang="ko-KR" altLang="en-US"/>
           </a:p>
@@ -5772,7 +5773,7 @@
                 </a:solidFill>
               </a:rPr>
               <a:pPr/>
-              <a:t>2018-09-10</a:t>
+              <a:t>2018-09-19</a:t>
             </a:fld>
             <a:endParaRPr lang="ko-KR" altLang="en-US">
               <a:solidFill>
@@ -6300,6 +6301,121 @@
 </p:sld>
 </file>
 
+<file path=ppt/slides/slide10.xml><?xml version="1.0" encoding="utf-8"?>
+<p:sld xmlns:a="http://schemas.openxmlformats.org/drawingml/2006/main" xmlns:r="http://schemas.openxmlformats.org/officeDocument/2006/relationships" xmlns:p="http://schemas.openxmlformats.org/presentationml/2006/main">
+  <p:cSld>
+    <p:bg>
+      <p:bgPr>
+        <a:solidFill>
+          <a:schemeClr val="tx1">
+            <a:lumMod val="75000"/>
+            <a:lumOff val="25000"/>
+          </a:schemeClr>
+        </a:solidFill>
+        <a:effectLst/>
+      </p:bgPr>
+    </p:bg>
+    <p:spTree>
+      <p:nvGrpSpPr>
+        <p:cNvPr id="1" name=""/>
+        <p:cNvGrpSpPr/>
+        <p:nvPr/>
+      </p:nvGrpSpPr>
+      <p:grpSpPr>
+        <a:xfrm>
+          <a:off x="0" y="0"/>
+          <a:ext cx="0" cy="0"/>
+          <a:chOff x="0" y="0"/>
+          <a:chExt cx="0" cy="0"/>
+        </a:xfrm>
+      </p:grpSpPr>
+      <p:sp>
+        <p:nvSpPr>
+          <p:cNvPr id="2" name="제목 1"/>
+          <p:cNvSpPr>
+            <a:spLocks noGrp="1"/>
+          </p:cNvSpPr>
+          <p:nvPr>
+            <p:ph type="ctrTitle"/>
+          </p:nvPr>
+        </p:nvSpPr>
+        <p:spPr>
+          <a:xfrm>
+            <a:off x="1524000" y="1122362"/>
+            <a:ext cx="9144000" cy="3626919"/>
+          </a:xfrm>
+        </p:spPr>
+        <p:txBody>
+          <a:bodyPr>
+            <a:normAutofit/>
+          </a:bodyPr>
+          <a:lstStyle/>
+          <a:p>
+            <a:r>
+              <a:rPr lang="en-US" altLang="ko-KR" sz="7200" dirty="0" smtClean="0">
+                <a:solidFill>
+                  <a:schemeClr val="bg1"/>
+                </a:solidFill>
+                <a:latin typeface="Comic Sans MS" panose="030F0702030302020204" pitchFamily="66" charset="0"/>
+              </a:rPr>
+              <a:t/>
+            </a:r>
+            <a:br>
+              <a:rPr lang="en-US" altLang="ko-KR" sz="7200" dirty="0" smtClean="0">
+                <a:solidFill>
+                  <a:schemeClr val="bg1"/>
+                </a:solidFill>
+                <a:latin typeface="Comic Sans MS" panose="030F0702030302020204" pitchFamily="66" charset="0"/>
+              </a:rPr>
+            </a:br>
+            <a:r>
+              <a:rPr lang="en-US" altLang="ko-KR" sz="7200" dirty="0" smtClean="0">
+                <a:solidFill>
+                  <a:schemeClr val="bg1"/>
+                </a:solidFill>
+                <a:latin typeface="Comic Sans MS" panose="030F0702030302020204" pitchFamily="66" charset="0"/>
+              </a:rPr>
+              <a:t>Function</a:t>
+            </a:r>
+            <a:r>
+              <a:rPr lang="en-US" altLang="ko-KR" sz="7200" dirty="0">
+                <a:solidFill>
+                  <a:schemeClr val="bg1"/>
+                </a:solidFill>
+                <a:latin typeface="Comic Sans MS" panose="030F0702030302020204" pitchFamily="66" charset="0"/>
+              </a:rPr>
+              <a:t/>
+            </a:r>
+            <a:br>
+              <a:rPr lang="en-US" altLang="ko-KR" sz="7200" dirty="0">
+                <a:solidFill>
+                  <a:schemeClr val="bg1"/>
+                </a:solidFill>
+                <a:latin typeface="Comic Sans MS" panose="030F0702030302020204" pitchFamily="66" charset="0"/>
+              </a:rPr>
+            </a:br>
+            <a:endParaRPr lang="ko-KR" altLang="en-US" sz="7200" dirty="0">
+              <a:solidFill>
+                <a:schemeClr val="bg1"/>
+              </a:solidFill>
+              <a:latin typeface="Comic Sans MS" panose="030F0702030302020204" pitchFamily="66" charset="0"/>
+            </a:endParaRPr>
+          </a:p>
+        </p:txBody>
+      </p:sp>
+    </p:spTree>
+    <p:extLst>
+      <p:ext uri="{BB962C8B-B14F-4D97-AF65-F5344CB8AC3E}">
+        <p14:creationId xmlns:p14="http://schemas.microsoft.com/office/powerpoint/2010/main" val="898704375"/>
+      </p:ext>
+    </p:extLst>
+  </p:cSld>
+  <p:clrMapOvr>
+    <a:masterClrMapping/>
+  </p:clrMapOvr>
+</p:sld>
+</file>
+
 <file path=ppt/slides/slide2.xml><?xml version="1.0" encoding="utf-8"?>
 <p:sld xmlns:a="http://schemas.openxmlformats.org/drawingml/2006/main" xmlns:r="http://schemas.openxmlformats.org/officeDocument/2006/relationships" xmlns:p="http://schemas.openxmlformats.org/presentationml/2006/main">
   <p:cSld>
@@ -7493,7 +7609,7 @@
   <a:extraClrSchemeLst/>
   <a:extLst>
     <a:ext uri="{05A4C25C-085E-4340-85A3-A5531E510DB2}">
-      <thm15:themeFamily xmlns:thm15="http://schemas.microsoft.com/office/thememl/2012/main" xmlns="" name="Office Theme" id="{62F939B6-93AF-4DB8-9C6B-D6C7DFDC589F}" vid="{4A3C46E8-61CC-4603-A589-7422A47A8E4A}"/>
+      <thm15:themeFamily xmlns="" xmlns:thm15="http://schemas.microsoft.com/office/thememl/2012/main" name="Office Theme" id="{62F939B6-93AF-4DB8-9C6B-D6C7DFDC589F}" vid="{4A3C46E8-61CC-4603-A589-7422A47A8E4A}"/>
     </a:ext>
   </a:extLst>
 </a:theme>
@@ -7754,7 +7870,7 @@
   <a:extraClrSchemeLst/>
   <a:extLst>
     <a:ext uri="{05A4C25C-085E-4340-85A3-A5531E510DB2}">
-      <thm15:themeFamily xmlns:thm15="http://schemas.microsoft.com/office/thememl/2012/main" xmlns="" name="Office Theme" id="{62F939B6-93AF-4DB8-9C6B-D6C7DFDC589F}" vid="{4A3C46E8-61CC-4603-A589-7422A47A8E4A}"/>
+      <thm15:themeFamily xmlns="" xmlns:thm15="http://schemas.microsoft.com/office/thememl/2012/main" name="Office Theme" id="{62F939B6-93AF-4DB8-9C6B-D6C7DFDC589F}" vid="{4A3C46E8-61CC-4603-A589-7422A47A8E4A}"/>
     </a:ext>
   </a:extLst>
 </a:theme>

--- a/PPT_IMAGE/blog.pptx
+++ b/PPT_IMAGE/blog.pptx
@@ -16,6 +16,7 @@
     <p:sldId id="265" r:id="rId10"/>
     <p:sldId id="266" r:id="rId11"/>
     <p:sldId id="267" r:id="rId12"/>
+    <p:sldId id="268" r:id="rId13"/>
   </p:sldIdLst>
   <p:sldSz cx="12192000" cy="6858000"/>
   <p:notesSz cx="6858000" cy="9144000"/>
@@ -116,7 +117,7 @@
   </p:defaultTextStyle>
   <p:extLst>
     <p:ext uri="{EFAFB233-063F-42B5-8137-9DF3F51BA10A}">
-      <p15:sldGuideLst xmlns="" xmlns:p15="http://schemas.microsoft.com/office/powerpoint/2012/main"/>
+      <p15:sldGuideLst xmlns:p15="http://schemas.microsoft.com/office/powerpoint/2012/main" xmlns=""/>
     </p:ext>
   </p:extLst>
 </p:presentation>
@@ -253,7 +254,7 @@
           <a:p>
             <a:fld id="{C9088C61-D230-4CA2-9700-815054BE693D}" type="datetimeFigureOut">
               <a:rPr lang="ko-KR" altLang="en-US" smtClean="0"/>
-              <a:t>2018-09-19</a:t>
+              <a:t>2018-10-01</a:t>
             </a:fld>
             <a:endParaRPr lang="ko-KR" altLang="en-US"/>
           </a:p>
@@ -423,7 +424,7 @@
           <a:p>
             <a:fld id="{C9088C61-D230-4CA2-9700-815054BE693D}" type="datetimeFigureOut">
               <a:rPr lang="ko-KR" altLang="en-US" smtClean="0"/>
-              <a:t>2018-09-19</a:t>
+              <a:t>2018-10-01</a:t>
             </a:fld>
             <a:endParaRPr lang="ko-KR" altLang="en-US"/>
           </a:p>
@@ -603,7 +604,7 @@
           <a:p>
             <a:fld id="{C9088C61-D230-4CA2-9700-815054BE693D}" type="datetimeFigureOut">
               <a:rPr lang="ko-KR" altLang="en-US" smtClean="0"/>
-              <a:t>2018-09-19</a:t>
+              <a:t>2018-10-01</a:t>
             </a:fld>
             <a:endParaRPr lang="ko-KR" altLang="en-US"/>
           </a:p>
@@ -802,7 +803,7 @@
                 </a:solidFill>
               </a:rPr>
               <a:pPr/>
-              <a:t>2018-09-19</a:t>
+              <a:t>2018-10-01</a:t>
             </a:fld>
             <a:endParaRPr lang="ko-KR" altLang="en-US">
               <a:solidFill>
@@ -1004,7 +1005,7 @@
                 </a:solidFill>
               </a:rPr>
               <a:pPr/>
-              <a:t>2018-09-19</a:t>
+              <a:t>2018-10-01</a:t>
             </a:fld>
             <a:endParaRPr lang="ko-KR" altLang="en-US">
               <a:solidFill>
@@ -1282,7 +1283,7 @@
                 </a:solidFill>
               </a:rPr>
               <a:pPr/>
-              <a:t>2018-09-19</a:t>
+              <a:t>2018-10-01</a:t>
             </a:fld>
             <a:endParaRPr lang="ko-KR" altLang="en-US">
               <a:solidFill>
@@ -1546,7 +1547,7 @@
                 </a:solidFill>
               </a:rPr>
               <a:pPr/>
-              <a:t>2018-09-19</a:t>
+              <a:t>2018-10-01</a:t>
             </a:fld>
             <a:endParaRPr lang="ko-KR" altLang="en-US">
               <a:solidFill>
@@ -1945,7 +1946,7 @@
                 </a:solidFill>
               </a:rPr>
               <a:pPr/>
-              <a:t>2018-09-19</a:t>
+              <a:t>2018-10-01</a:t>
             </a:fld>
             <a:endParaRPr lang="ko-KR" altLang="en-US">
               <a:solidFill>
@@ -2095,7 +2096,7 @@
                 </a:solidFill>
               </a:rPr>
               <a:pPr/>
-              <a:t>2018-09-19</a:t>
+              <a:t>2018-10-01</a:t>
             </a:fld>
             <a:endParaRPr lang="ko-KR" altLang="en-US">
               <a:solidFill>
@@ -2222,7 +2223,7 @@
                 </a:solidFill>
               </a:rPr>
               <a:pPr/>
-              <a:t>2018-09-19</a:t>
+              <a:t>2018-10-01</a:t>
             </a:fld>
             <a:endParaRPr lang="ko-KR" altLang="en-US">
               <a:solidFill>
@@ -2531,7 +2532,7 @@
                 </a:solidFill>
               </a:rPr>
               <a:pPr/>
-              <a:t>2018-09-19</a:t>
+              <a:t>2018-10-01</a:t>
             </a:fld>
             <a:endParaRPr lang="ko-KR" altLang="en-US">
               <a:solidFill>
@@ -2726,7 +2727,7 @@
           <a:p>
             <a:fld id="{C9088C61-D230-4CA2-9700-815054BE693D}" type="datetimeFigureOut">
               <a:rPr lang="ko-KR" altLang="en-US" smtClean="0"/>
-              <a:t>2018-09-19</a:t>
+              <a:t>2018-10-01</a:t>
             </a:fld>
             <a:endParaRPr lang="ko-KR" altLang="en-US"/>
           </a:p>
@@ -2986,7 +2987,7 @@
                 </a:solidFill>
               </a:rPr>
               <a:pPr/>
-              <a:t>2018-09-19</a:t>
+              <a:t>2018-10-01</a:t>
             </a:fld>
             <a:endParaRPr lang="ko-KR" altLang="en-US">
               <a:solidFill>
@@ -3188,7 +3189,7 @@
                 </a:solidFill>
               </a:rPr>
               <a:pPr/>
-              <a:t>2018-09-19</a:t>
+              <a:t>2018-10-01</a:t>
             </a:fld>
             <a:endParaRPr lang="ko-KR" altLang="en-US">
               <a:solidFill>
@@ -3400,7 +3401,7 @@
                 </a:solidFill>
               </a:rPr>
               <a:pPr/>
-              <a:t>2018-09-19</a:t>
+              <a:t>2018-10-01</a:t>
             </a:fld>
             <a:endParaRPr lang="ko-KR" altLang="en-US">
               <a:solidFill>
@@ -3671,7 +3672,7 @@
           <a:p>
             <a:fld id="{C9088C61-D230-4CA2-9700-815054BE693D}" type="datetimeFigureOut">
               <a:rPr lang="ko-KR" altLang="en-US" smtClean="0"/>
-              <a:t>2018-09-19</a:t>
+              <a:t>2018-10-01</a:t>
             </a:fld>
             <a:endParaRPr lang="ko-KR" altLang="en-US"/>
           </a:p>
@@ -3903,7 +3904,7 @@
           <a:p>
             <a:fld id="{C9088C61-D230-4CA2-9700-815054BE693D}" type="datetimeFigureOut">
               <a:rPr lang="ko-KR" altLang="en-US" smtClean="0"/>
-              <a:t>2018-09-19</a:t>
+              <a:t>2018-10-01</a:t>
             </a:fld>
             <a:endParaRPr lang="ko-KR" altLang="en-US"/>
           </a:p>
@@ -4270,7 +4271,7 @@
           <a:p>
             <a:fld id="{C9088C61-D230-4CA2-9700-815054BE693D}" type="datetimeFigureOut">
               <a:rPr lang="ko-KR" altLang="en-US" smtClean="0"/>
-              <a:t>2018-09-19</a:t>
+              <a:t>2018-10-01</a:t>
             </a:fld>
             <a:endParaRPr lang="ko-KR" altLang="en-US"/>
           </a:p>
@@ -4388,7 +4389,7 @@
           <a:p>
             <a:fld id="{C9088C61-D230-4CA2-9700-815054BE693D}" type="datetimeFigureOut">
               <a:rPr lang="ko-KR" altLang="en-US" smtClean="0"/>
-              <a:t>2018-09-19</a:t>
+              <a:t>2018-10-01</a:t>
             </a:fld>
             <a:endParaRPr lang="ko-KR" altLang="en-US"/>
           </a:p>
@@ -4483,7 +4484,7 @@
           <a:p>
             <a:fld id="{C9088C61-D230-4CA2-9700-815054BE693D}" type="datetimeFigureOut">
               <a:rPr lang="ko-KR" altLang="en-US" smtClean="0"/>
-              <a:t>2018-09-19</a:t>
+              <a:t>2018-10-01</a:t>
             </a:fld>
             <a:endParaRPr lang="ko-KR" altLang="en-US"/>
           </a:p>
@@ -4760,7 +4761,7 @@
           <a:p>
             <a:fld id="{C9088C61-D230-4CA2-9700-815054BE693D}" type="datetimeFigureOut">
               <a:rPr lang="ko-KR" altLang="en-US" smtClean="0"/>
-              <a:t>2018-09-19</a:t>
+              <a:t>2018-10-01</a:t>
             </a:fld>
             <a:endParaRPr lang="ko-KR" altLang="en-US"/>
           </a:p>
@@ -5013,7 +5014,7 @@
           <a:p>
             <a:fld id="{C9088C61-D230-4CA2-9700-815054BE693D}" type="datetimeFigureOut">
               <a:rPr lang="ko-KR" altLang="en-US" smtClean="0"/>
-              <a:t>2018-09-19</a:t>
+              <a:t>2018-10-01</a:t>
             </a:fld>
             <a:endParaRPr lang="ko-KR" altLang="en-US"/>
           </a:p>
@@ -5226,7 +5227,7 @@
           <a:p>
             <a:fld id="{C9088C61-D230-4CA2-9700-815054BE693D}" type="datetimeFigureOut">
               <a:rPr lang="ko-KR" altLang="en-US" smtClean="0"/>
-              <a:t>2018-09-19</a:t>
+              <a:t>2018-10-01</a:t>
             </a:fld>
             <a:endParaRPr lang="ko-KR" altLang="en-US"/>
           </a:p>
@@ -5773,7 +5774,7 @@
                 </a:solidFill>
               </a:rPr>
               <a:pPr/>
-              <a:t>2018-09-19</a:t>
+              <a:t>2018-10-01</a:t>
             </a:fld>
             <a:endParaRPr lang="ko-KR" altLang="en-US">
               <a:solidFill>
@@ -6416,6 +6417,147 @@
 </p:sld>
 </file>
 
+<file path=ppt/slides/slide11.xml><?xml version="1.0" encoding="utf-8"?>
+<p:sld xmlns:a="http://schemas.openxmlformats.org/drawingml/2006/main" xmlns:r="http://schemas.openxmlformats.org/officeDocument/2006/relationships" xmlns:p="http://schemas.openxmlformats.org/presentationml/2006/main">
+  <p:cSld>
+    <p:bg>
+      <p:bgPr>
+        <a:solidFill>
+          <a:schemeClr val="tx1">
+            <a:lumMod val="75000"/>
+            <a:lumOff val="25000"/>
+          </a:schemeClr>
+        </a:solidFill>
+        <a:effectLst/>
+      </p:bgPr>
+    </p:bg>
+    <p:spTree>
+      <p:nvGrpSpPr>
+        <p:cNvPr id="1" name=""/>
+        <p:cNvGrpSpPr/>
+        <p:nvPr/>
+      </p:nvGrpSpPr>
+      <p:grpSpPr>
+        <a:xfrm>
+          <a:off x="0" y="0"/>
+          <a:ext cx="0" cy="0"/>
+          <a:chOff x="0" y="0"/>
+          <a:chExt cx="0" cy="0"/>
+        </a:xfrm>
+      </p:grpSpPr>
+      <p:sp>
+        <p:nvSpPr>
+          <p:cNvPr id="2" name="제목 1"/>
+          <p:cNvSpPr>
+            <a:spLocks noGrp="1"/>
+          </p:cNvSpPr>
+          <p:nvPr>
+            <p:ph type="ctrTitle"/>
+          </p:nvPr>
+        </p:nvSpPr>
+        <p:spPr>
+          <a:xfrm>
+            <a:off x="1524000" y="1122362"/>
+            <a:ext cx="9144000" cy="3626919"/>
+          </a:xfrm>
+        </p:spPr>
+        <p:txBody>
+          <a:bodyPr>
+            <a:normAutofit fontScale="90000"/>
+          </a:bodyPr>
+          <a:lstStyle/>
+          <a:p>
+            <a:r>
+              <a:rPr lang="en-US" altLang="ko-KR" sz="7200" dirty="0" smtClean="0">
+                <a:solidFill>
+                  <a:schemeClr val="bg1"/>
+                </a:solidFill>
+                <a:latin typeface="Comic Sans MS" panose="030F0702030302020204" pitchFamily="66" charset="0"/>
+              </a:rPr>
+              <a:t/>
+            </a:r>
+            <a:br>
+              <a:rPr lang="en-US" altLang="ko-KR" sz="7200" dirty="0" smtClean="0">
+                <a:solidFill>
+                  <a:schemeClr val="bg1"/>
+                </a:solidFill>
+                <a:latin typeface="Comic Sans MS" panose="030F0702030302020204" pitchFamily="66" charset="0"/>
+              </a:rPr>
+            </a:br>
+            <a:r>
+              <a:rPr lang="en-US" altLang="ko-KR" sz="7200" dirty="0">
+                <a:solidFill>
+                  <a:schemeClr val="bg1"/>
+                </a:solidFill>
+                <a:latin typeface="Comic Sans MS" panose="030F0702030302020204" pitchFamily="66" charset="0"/>
+              </a:rPr>
+              <a:t>Object-Oriented </a:t>
+            </a:r>
+            <a:r>
+              <a:rPr lang="en-US" altLang="ko-KR" sz="7200" dirty="0" smtClean="0">
+                <a:solidFill>
+                  <a:schemeClr val="bg1"/>
+                </a:solidFill>
+                <a:latin typeface="Comic Sans MS" panose="030F0702030302020204" pitchFamily="66" charset="0"/>
+              </a:rPr>
+              <a:t>Programming</a:t>
+            </a:r>
+            <a:br>
+              <a:rPr lang="en-US" altLang="ko-KR" sz="7200" dirty="0" smtClean="0">
+                <a:solidFill>
+                  <a:schemeClr val="bg1"/>
+                </a:solidFill>
+                <a:latin typeface="Comic Sans MS" panose="030F0702030302020204" pitchFamily="66" charset="0"/>
+              </a:rPr>
+            </a:br>
+            <a:r>
+              <a:rPr lang="en-US" altLang="ko-KR" sz="7200" dirty="0">
+                <a:solidFill>
+                  <a:schemeClr val="bg1"/>
+                </a:solidFill>
+                <a:latin typeface="Comic Sans MS" panose="030F0702030302020204" pitchFamily="66" charset="0"/>
+              </a:rPr>
+              <a:t/>
+            </a:r>
+            <a:br>
+              <a:rPr lang="en-US" altLang="ko-KR" sz="7200" dirty="0">
+                <a:solidFill>
+                  <a:schemeClr val="bg1"/>
+                </a:solidFill>
+                <a:latin typeface="Comic Sans MS" panose="030F0702030302020204" pitchFamily="66" charset="0"/>
+              </a:rPr>
+            </a:br>
+            <a:r>
+              <a:rPr lang="en-US" altLang="ko-KR" sz="7200" dirty="0" smtClean="0">
+                <a:solidFill>
+                  <a:schemeClr val="bg1"/>
+                </a:solidFill>
+                <a:latin typeface="Comic Sans MS" panose="030F0702030302020204" pitchFamily="66" charset="0"/>
+              </a:rPr>
+              <a:t>class</a:t>
+            </a:r>
+            <a:endParaRPr lang="ko-KR" altLang="en-US" sz="7200" dirty="0">
+              <a:solidFill>
+                <a:schemeClr val="bg1"/>
+              </a:solidFill>
+              <a:latin typeface="Comic Sans MS" panose="030F0702030302020204" pitchFamily="66" charset="0"/>
+            </a:endParaRPr>
+          </a:p>
+        </p:txBody>
+      </p:sp>
+    </p:spTree>
+    <p:extLst>
+      <p:ext uri="{BB962C8B-B14F-4D97-AF65-F5344CB8AC3E}">
+        <p14:creationId xmlns:p14="http://schemas.microsoft.com/office/powerpoint/2010/main" val="2974546224"/>
+      </p:ext>
+    </p:extLst>
+  </p:cSld>
+  <p:clrMapOvr>
+    <a:masterClrMapping/>
+  </p:clrMapOvr>
+</p:sld>
+</file>
+
 <file path=ppt/slides/slide2.xml><?xml version="1.0" encoding="utf-8"?>
 <p:sld xmlns:a="http://schemas.openxmlformats.org/drawingml/2006/main" xmlns:r="http://schemas.openxmlformats.org/officeDocument/2006/relationships" xmlns:p="http://schemas.openxmlformats.org/presentationml/2006/main">
   <p:cSld>
@@ -7609,7 +7751,7 @@
   <a:extraClrSchemeLst/>
   <a:extLst>
     <a:ext uri="{05A4C25C-085E-4340-85A3-A5531E510DB2}">
-      <thm15:themeFamily xmlns="" xmlns:thm15="http://schemas.microsoft.com/office/thememl/2012/main" name="Office Theme" id="{62F939B6-93AF-4DB8-9C6B-D6C7DFDC589F}" vid="{4A3C46E8-61CC-4603-A589-7422A47A8E4A}"/>
+      <thm15:themeFamily xmlns:thm15="http://schemas.microsoft.com/office/thememl/2012/main" xmlns="" name="Office Theme" id="{62F939B6-93AF-4DB8-9C6B-D6C7DFDC589F}" vid="{4A3C46E8-61CC-4603-A589-7422A47A8E4A}"/>
     </a:ext>
   </a:extLst>
 </a:theme>
@@ -7870,7 +8012,7 @@
   <a:extraClrSchemeLst/>
   <a:extLst>
     <a:ext uri="{05A4C25C-085E-4340-85A3-A5531E510DB2}">
-      <thm15:themeFamily xmlns="" xmlns:thm15="http://schemas.microsoft.com/office/thememl/2012/main" name="Office Theme" id="{62F939B6-93AF-4DB8-9C6B-D6C7DFDC589F}" vid="{4A3C46E8-61CC-4603-A589-7422A47A8E4A}"/>
+      <thm15:themeFamily xmlns:thm15="http://schemas.microsoft.com/office/thememl/2012/main" xmlns="" name="Office Theme" id="{62F939B6-93AF-4DB8-9C6B-D6C7DFDC589F}" vid="{4A3C46E8-61CC-4603-A589-7422A47A8E4A}"/>
     </a:ext>
   </a:extLst>
 </a:theme>
